--- a/modules/LMFoundations/PPT.pptx
+++ b/modules/LMFoundations/PPT.pptx
@@ -39,8 +39,8 @@
     <p:sldId id="278" r:id="rId30"/>
     <p:sldId id="290" r:id="rId31"/>
     <p:sldId id="296" r:id="rId32"/>
-    <p:sldId id="280" r:id="rId33"/>
-    <p:sldId id="287" r:id="rId34"/>
+    <p:sldId id="287" r:id="rId33"/>
+    <p:sldId id="280" r:id="rId34"/>
   </p:sldIdLst>
   <p:sldSz cx="9144000" cy="6858000" type="screen4x3"/>
   <p:notesSz cx="6858000" cy="9144000"/>
@@ -661,7 +661,7 @@
             <a:fld id="{0895F6ED-6644-4B80-8BAB-DF3A941B6440}" type="slidenum">
               <a:rPr lang="en-US"/>
               <a:pPr/>
-              <a:t>33</a:t>
+              <a:t>32</a:t>
             </a:fld>
             <a:endParaRPr lang="en-US"/>
           </a:p>
@@ -13778,7 +13778,7 @@
           <a:graphicData uri="http://schemas.openxmlformats.org/presentationml/2006/ole">
             <mc:AlternateContent xmlns:mc="http://schemas.openxmlformats.org/markup-compatibility/2006">
               <mc:Choice xmlns:v="urn:schemas-microsoft-com:vml" Requires="v">
-                <p:oleObj spid="_x0000_s186401" name="Equation" r:id="rId3" imgW="571320" imgH="393480" progId="Equation.3">
+                <p:oleObj spid="_x0000_s186402" name="Equation" r:id="rId3" imgW="571320" imgH="393480" progId="Equation.3">
                   <p:embed/>
                 </p:oleObj>
               </mc:Choice>
@@ -14349,7 +14349,7 @@
           <a:graphicData uri="http://schemas.openxmlformats.org/presentationml/2006/ole">
             <mc:AlternateContent xmlns:mc="http://schemas.openxmlformats.org/markup-compatibility/2006">
               <mc:Choice xmlns:v="urn:schemas-microsoft-com:vml" Requires="v">
-                <p:oleObj spid="_x0000_s190489" name="Equation" r:id="rId4" imgW="838080" imgH="444240" progId="Equation.3">
+                <p:oleObj spid="_x0000_s190490" name="Equation" r:id="rId4" imgW="838080" imgH="444240" progId="Equation.3">
                   <p:embed/>
                 </p:oleObj>
               </mc:Choice>
@@ -15129,7 +15129,7 @@
           <a:graphicData uri="http://schemas.openxmlformats.org/presentationml/2006/ole">
             <mc:AlternateContent xmlns:mc="http://schemas.openxmlformats.org/markup-compatibility/2006">
               <mc:Choice xmlns:v="urn:schemas-microsoft-com:vml" Requires="v">
-                <p:oleObj spid="_x0000_s189496" name="Equation" r:id="rId4" imgW="838080" imgH="444240" progId="Equation.3">
+                <p:oleObj spid="_x0000_s189498" name="Equation" r:id="rId4" imgW="838080" imgH="444240" progId="Equation.3">
                   <p:embed/>
                 </p:oleObj>
               </mc:Choice>
@@ -15245,7 +15245,7 @@
           <a:graphicData uri="http://schemas.openxmlformats.org/presentationml/2006/ole">
             <mc:AlternateContent xmlns:mc="http://schemas.openxmlformats.org/markup-compatibility/2006">
               <mc:Choice xmlns:v="urn:schemas-microsoft-com:vml" Requires="v">
-                <p:oleObj spid="_x0000_s189497" name="Equation" r:id="rId7" imgW="1168200" imgH="457200" progId="Equation.3">
+                <p:oleObj spid="_x0000_s189499" name="Equation" r:id="rId7" imgW="1168200" imgH="457200" progId="Equation.3">
                   <p:embed/>
                 </p:oleObj>
               </mc:Choice>
@@ -16691,6 +16691,28 @@
       </p:grpSpPr>
       <p:sp>
         <p:nvSpPr>
+          <p:cNvPr id="4" name="Footer Placeholder 3"/>
+          <p:cNvSpPr>
+            <a:spLocks noGrp="1"/>
+          </p:cNvSpPr>
+          <p:nvPr>
+            <p:ph type="ftr" sz="quarter" idx="10"/>
+          </p:nvPr>
+        </p:nvSpPr>
+        <p:spPr/>
+        <p:txBody>
+          <a:bodyPr/>
+          <a:lstStyle/>
+          <a:p>
+            <a:r>
+              <a:rPr lang="en-US"/>
+              <a:t>LM Foundation</a:t>
+            </a:r>
+          </a:p>
+        </p:txBody>
+      </p:sp>
+      <p:sp>
+        <p:nvSpPr>
           <p:cNvPr id="5" name="Slide Number Placeholder 4"/>
           <p:cNvSpPr>
             <a:spLocks noGrp="1"/>
@@ -16704,10 +16726,220 @@
           <a:bodyPr/>
           <a:lstStyle/>
           <a:p>
+            <a:fld id="{56D5F94E-8960-465E-B857-832C70378C5A}" type="slidenum">
+              <a:rPr lang="en-US"/>
+              <a:pPr/>
+              <a:t>32</a:t>
+            </a:fld>
+            <a:endParaRPr lang="en-US"/>
+          </a:p>
+        </p:txBody>
+      </p:sp>
+      <p:sp>
+        <p:nvSpPr>
+          <p:cNvPr id="190466" name="Rectangle 2"/>
+          <p:cNvSpPr>
+            <a:spLocks noGrp="1" noChangeArrowheads="1"/>
+          </p:cNvSpPr>
+          <p:nvPr>
+            <p:ph type="title"/>
+          </p:nvPr>
+        </p:nvSpPr>
+        <p:spPr/>
+        <p:txBody>
+          <a:bodyPr/>
+          <a:lstStyle/>
+          <a:p>
+            <a:r>
+              <a:rPr lang="en-US" dirty="0"/>
+              <a:t>Linear Models in </a:t>
+            </a:r>
+            <a:r>
+              <a:rPr lang="en-US" dirty="0" smtClean="0"/>
+              <a:t>R – HO</a:t>
+            </a:r>
+            <a:endParaRPr lang="en-US" dirty="0"/>
+          </a:p>
+        </p:txBody>
+      </p:sp>
+      <p:sp>
+        <p:nvSpPr>
+          <p:cNvPr id="190467" name="Rectangle 3"/>
+          <p:cNvSpPr>
+            <a:spLocks noGrp="1" noChangeArrowheads="1"/>
+          </p:cNvSpPr>
+          <p:nvPr>
+            <p:ph type="body" idx="1"/>
+          </p:nvPr>
+        </p:nvSpPr>
+        <p:spPr>
+          <a:xfrm>
+            <a:off x="381000" y="1143000"/>
+            <a:ext cx="8610600" cy="5334000"/>
+          </a:xfrm>
+        </p:spPr>
+        <p:txBody>
+          <a:bodyPr/>
+          <a:lstStyle/>
+          <a:p>
+            <a:r>
+              <a:rPr lang="en-US" dirty="0" smtClean="0"/>
+              <a:t>Note use of </a:t>
+            </a:r>
+          </a:p>
+          <a:p>
+            <a:pPr lvl="1"/>
+            <a:r>
+              <a:rPr lang="en-US" b="1" dirty="0" smtClean="0">
+                <a:solidFill>
+                  <a:srgbClr val="FF0000"/>
+                </a:solidFill>
+                <a:latin typeface="Courier New" pitchFamily="49" charset="0"/>
+                <a:cs typeface="Courier New" pitchFamily="49" charset="0"/>
+              </a:rPr>
+              <a:t>lm()</a:t>
+            </a:r>
+          </a:p>
+          <a:p>
+            <a:pPr lvl="1"/>
+            <a:r>
+              <a:rPr lang="en-US" b="1" dirty="0" smtClean="0">
+                <a:solidFill>
+                  <a:srgbClr val="FF0000"/>
+                </a:solidFill>
+                <a:latin typeface="Courier New" pitchFamily="49" charset="0"/>
+                <a:cs typeface="Courier New" pitchFamily="49" charset="0"/>
+              </a:rPr>
+              <a:t>summary()</a:t>
+            </a:r>
+          </a:p>
+          <a:p>
+            <a:pPr lvl="1"/>
+            <a:r>
+              <a:rPr lang="en-US" b="1" dirty="0" err="1" smtClean="0">
+                <a:solidFill>
+                  <a:srgbClr val="FF0000"/>
+                </a:solidFill>
+                <a:latin typeface="Courier New" pitchFamily="49" charset="0"/>
+                <a:cs typeface="Courier New" pitchFamily="49" charset="0"/>
+              </a:rPr>
+              <a:t>confint</a:t>
+            </a:r>
+            <a:r>
+              <a:rPr lang="en-US" b="1" dirty="0" smtClean="0">
+                <a:solidFill>
+                  <a:srgbClr val="FF0000"/>
+                </a:solidFill>
+                <a:latin typeface="Courier New" pitchFamily="49" charset="0"/>
+                <a:cs typeface="Courier New" pitchFamily="49" charset="0"/>
+              </a:rPr>
+              <a:t>()</a:t>
+            </a:r>
+          </a:p>
+          <a:p>
+            <a:pPr lvl="1"/>
+            <a:r>
+              <a:rPr lang="en-US" b="1" dirty="0" err="1" smtClean="0">
+                <a:solidFill>
+                  <a:srgbClr val="FF0000"/>
+                </a:solidFill>
+                <a:latin typeface="Courier New" pitchFamily="49" charset="0"/>
+                <a:cs typeface="Courier New" pitchFamily="49" charset="0"/>
+              </a:rPr>
+              <a:t>fitPlot</a:t>
+            </a:r>
+            <a:r>
+              <a:rPr lang="en-US" b="1" dirty="0" smtClean="0">
+                <a:solidFill>
+                  <a:srgbClr val="FF0000"/>
+                </a:solidFill>
+                <a:latin typeface="Courier New" pitchFamily="49" charset="0"/>
+                <a:cs typeface="Courier New" pitchFamily="49" charset="0"/>
+              </a:rPr>
+              <a:t>()</a:t>
+            </a:r>
+          </a:p>
+          <a:p>
+            <a:pPr lvl="1"/>
+            <a:r>
+              <a:rPr lang="en-US" b="1" dirty="0" err="1" smtClean="0">
+                <a:solidFill>
+                  <a:srgbClr val="FF0000"/>
+                </a:solidFill>
+                <a:latin typeface="Courier New" pitchFamily="49" charset="0"/>
+                <a:cs typeface="Courier New" pitchFamily="49" charset="0"/>
+              </a:rPr>
+              <a:t>anova</a:t>
+            </a:r>
+            <a:r>
+              <a:rPr lang="en-US" b="1" dirty="0" smtClean="0">
+                <a:solidFill>
+                  <a:srgbClr val="FF0000"/>
+                </a:solidFill>
+                <a:latin typeface="Courier New" pitchFamily="49" charset="0"/>
+                <a:cs typeface="Courier New" pitchFamily="49" charset="0"/>
+              </a:rPr>
+              <a:t>()</a:t>
+            </a:r>
+            <a:r>
+              <a:rPr lang="en-US" dirty="0" smtClean="0"/>
+              <a:t> </a:t>
+            </a:r>
+            <a:endParaRPr lang="en-US" dirty="0"/>
+          </a:p>
+        </p:txBody>
+      </p:sp>
+    </p:spTree>
+  </p:cSld>
+  <p:clrMapOvr>
+    <a:masterClrMapping/>
+  </p:clrMapOvr>
+  <p:timing>
+    <p:tnLst>
+      <p:par>
+        <p:cTn id="1" dur="indefinite" restart="never" nodeType="tmRoot"/>
+      </p:par>
+    </p:tnLst>
+  </p:timing>
+</p:sld>
+</file>
+
+<file path=ppt/slides/slide33.xml><?xml version="1.0" encoding="utf-8"?>
+<p:sld xmlns:a="http://schemas.openxmlformats.org/drawingml/2006/main" xmlns:r="http://schemas.openxmlformats.org/officeDocument/2006/relationships" xmlns:p="http://schemas.openxmlformats.org/presentationml/2006/main">
+  <p:cSld>
+    <p:spTree>
+      <p:nvGrpSpPr>
+        <p:cNvPr id="1" name=""/>
+        <p:cNvGrpSpPr/>
+        <p:nvPr/>
+      </p:nvGrpSpPr>
+      <p:grpSpPr>
+        <a:xfrm>
+          <a:off x="0" y="0"/>
+          <a:ext cx="0" cy="0"/>
+          <a:chOff x="0" y="0"/>
+          <a:chExt cx="0" cy="0"/>
+        </a:xfrm>
+      </p:grpSpPr>
+      <p:sp>
+        <p:nvSpPr>
+          <p:cNvPr id="5" name="Slide Number Placeholder 4"/>
+          <p:cNvSpPr>
+            <a:spLocks noGrp="1"/>
+          </p:cNvSpPr>
+          <p:nvPr>
+            <p:ph type="sldNum" sz="quarter" idx="11"/>
+          </p:nvPr>
+        </p:nvSpPr>
+        <p:spPr/>
+        <p:txBody>
+          <a:bodyPr/>
+          <a:lstStyle/>
+          <a:p>
             <a:fld id="{69D7B0D6-DB4A-4EB6-A95E-79586D88CC6B}" type="slidenum">
               <a:rPr lang="en-US"/>
               <a:pPr/>
-              <a:t>32</a:t>
+              <a:t>33</a:t>
             </a:fld>
             <a:endParaRPr lang="en-US"/>
           </a:p>
@@ -17679,238 +17911,6 @@
     <p:bldLst>
       <p:bldP spid="189443" grpId="0" uiExpand="1" build="p"/>
     </p:bldLst>
-  </p:timing>
-</p:sld>
-</file>
-
-<file path=ppt/slides/slide33.xml><?xml version="1.0" encoding="utf-8"?>
-<p:sld xmlns:a="http://schemas.openxmlformats.org/drawingml/2006/main" xmlns:r="http://schemas.openxmlformats.org/officeDocument/2006/relationships" xmlns:p="http://schemas.openxmlformats.org/presentationml/2006/main">
-  <p:cSld>
-    <p:spTree>
-      <p:nvGrpSpPr>
-        <p:cNvPr id="1" name=""/>
-        <p:cNvGrpSpPr/>
-        <p:nvPr/>
-      </p:nvGrpSpPr>
-      <p:grpSpPr>
-        <a:xfrm>
-          <a:off x="0" y="0"/>
-          <a:ext cx="0" cy="0"/>
-          <a:chOff x="0" y="0"/>
-          <a:chExt cx="0" cy="0"/>
-        </a:xfrm>
-      </p:grpSpPr>
-      <p:sp>
-        <p:nvSpPr>
-          <p:cNvPr id="4" name="Footer Placeholder 3"/>
-          <p:cNvSpPr>
-            <a:spLocks noGrp="1"/>
-          </p:cNvSpPr>
-          <p:nvPr>
-            <p:ph type="ftr" sz="quarter" idx="10"/>
-          </p:nvPr>
-        </p:nvSpPr>
-        <p:spPr/>
-        <p:txBody>
-          <a:bodyPr/>
-          <a:lstStyle/>
-          <a:p>
-            <a:r>
-              <a:rPr lang="en-US"/>
-              <a:t>LM Foundation</a:t>
-            </a:r>
-          </a:p>
-        </p:txBody>
-      </p:sp>
-      <p:sp>
-        <p:nvSpPr>
-          <p:cNvPr id="5" name="Slide Number Placeholder 4"/>
-          <p:cNvSpPr>
-            <a:spLocks noGrp="1"/>
-          </p:cNvSpPr>
-          <p:nvPr>
-            <p:ph type="sldNum" sz="quarter" idx="11"/>
-          </p:nvPr>
-        </p:nvSpPr>
-        <p:spPr/>
-        <p:txBody>
-          <a:bodyPr/>
-          <a:lstStyle/>
-          <a:p>
-            <a:fld id="{56D5F94E-8960-465E-B857-832C70378C5A}" type="slidenum">
-              <a:rPr lang="en-US"/>
-              <a:pPr/>
-              <a:t>33</a:t>
-            </a:fld>
-            <a:endParaRPr lang="en-US"/>
-          </a:p>
-        </p:txBody>
-      </p:sp>
-      <p:sp>
-        <p:nvSpPr>
-          <p:cNvPr id="190466" name="Rectangle 2"/>
-          <p:cNvSpPr>
-            <a:spLocks noGrp="1" noChangeArrowheads="1"/>
-          </p:cNvSpPr>
-          <p:nvPr>
-            <p:ph type="title"/>
-          </p:nvPr>
-        </p:nvSpPr>
-        <p:spPr/>
-        <p:txBody>
-          <a:bodyPr/>
-          <a:lstStyle/>
-          <a:p>
-            <a:r>
-              <a:rPr lang="en-US" dirty="0"/>
-              <a:t>Linear Models in </a:t>
-            </a:r>
-            <a:r>
-              <a:rPr lang="en-US" dirty="0" smtClean="0"/>
-              <a:t>R – HO</a:t>
-            </a:r>
-            <a:endParaRPr lang="en-US" dirty="0"/>
-          </a:p>
-        </p:txBody>
-      </p:sp>
-      <p:sp>
-        <p:nvSpPr>
-          <p:cNvPr id="190467" name="Rectangle 3"/>
-          <p:cNvSpPr>
-            <a:spLocks noGrp="1" noChangeArrowheads="1"/>
-          </p:cNvSpPr>
-          <p:nvPr>
-            <p:ph type="body" idx="1"/>
-          </p:nvPr>
-        </p:nvSpPr>
-        <p:spPr>
-          <a:xfrm>
-            <a:off x="381000" y="1143000"/>
-            <a:ext cx="8610600" cy="5334000"/>
-          </a:xfrm>
-        </p:spPr>
-        <p:txBody>
-          <a:bodyPr/>
-          <a:lstStyle/>
-          <a:p>
-            <a:r>
-              <a:rPr lang="en-US" dirty="0" smtClean="0"/>
-              <a:t>Note use of </a:t>
-            </a:r>
-          </a:p>
-          <a:p>
-            <a:pPr lvl="1"/>
-            <a:r>
-              <a:rPr lang="en-US" b="1" dirty="0" smtClean="0">
-                <a:solidFill>
-                  <a:srgbClr val="FF0000"/>
-                </a:solidFill>
-                <a:latin typeface="Courier New" pitchFamily="49" charset="0"/>
-                <a:cs typeface="Courier New" pitchFamily="49" charset="0"/>
-              </a:rPr>
-              <a:t>lm()</a:t>
-            </a:r>
-          </a:p>
-          <a:p>
-            <a:pPr lvl="1"/>
-            <a:r>
-              <a:rPr lang="en-US" b="1" dirty="0" smtClean="0">
-                <a:solidFill>
-                  <a:srgbClr val="FF0000"/>
-                </a:solidFill>
-                <a:latin typeface="Courier New" pitchFamily="49" charset="0"/>
-                <a:cs typeface="Courier New" pitchFamily="49" charset="0"/>
-              </a:rPr>
-              <a:t>summary()</a:t>
-            </a:r>
-          </a:p>
-          <a:p>
-            <a:pPr lvl="1"/>
-            <a:r>
-              <a:rPr lang="en-US" b="1" dirty="0" err="1" smtClean="0">
-                <a:solidFill>
-                  <a:srgbClr val="FF0000"/>
-                </a:solidFill>
-                <a:latin typeface="Courier New" pitchFamily="49" charset="0"/>
-                <a:cs typeface="Courier New" pitchFamily="49" charset="0"/>
-              </a:rPr>
-              <a:t>confint</a:t>
-            </a:r>
-            <a:r>
-              <a:rPr lang="en-US" b="1" dirty="0" smtClean="0">
-                <a:solidFill>
-                  <a:srgbClr val="FF0000"/>
-                </a:solidFill>
-                <a:latin typeface="Courier New" pitchFamily="49" charset="0"/>
-                <a:cs typeface="Courier New" pitchFamily="49" charset="0"/>
-              </a:rPr>
-              <a:t>()</a:t>
-            </a:r>
-          </a:p>
-          <a:p>
-            <a:pPr lvl="1"/>
-            <a:r>
-              <a:rPr lang="en-US" b="1" dirty="0" err="1" smtClean="0">
-                <a:solidFill>
-                  <a:srgbClr val="FF0000"/>
-                </a:solidFill>
-                <a:latin typeface="Courier New" pitchFamily="49" charset="0"/>
-                <a:cs typeface="Courier New" pitchFamily="49" charset="0"/>
-              </a:rPr>
-              <a:t>fitPlot</a:t>
-            </a:r>
-            <a:r>
-              <a:rPr lang="en-US" b="1" dirty="0" smtClean="0">
-                <a:solidFill>
-                  <a:srgbClr val="FF0000"/>
-                </a:solidFill>
-                <a:latin typeface="Courier New" pitchFamily="49" charset="0"/>
-                <a:cs typeface="Courier New" pitchFamily="49" charset="0"/>
-              </a:rPr>
-              <a:t>()</a:t>
-            </a:r>
-          </a:p>
-          <a:p>
-            <a:pPr lvl="1"/>
-            <a:r>
-              <a:rPr lang="en-US" b="1" dirty="0" err="1" smtClean="0">
-                <a:solidFill>
-                  <a:srgbClr val="FF0000"/>
-                </a:solidFill>
-                <a:latin typeface="Courier New" pitchFamily="49" charset="0"/>
-                <a:cs typeface="Courier New" pitchFamily="49" charset="0"/>
-              </a:rPr>
-              <a:t>anova</a:t>
-            </a:r>
-            <a:r>
-              <a:rPr lang="en-US" b="1" dirty="0" smtClean="0">
-                <a:solidFill>
-                  <a:srgbClr val="FF0000"/>
-                </a:solidFill>
-                <a:latin typeface="Courier New" pitchFamily="49" charset="0"/>
-                <a:cs typeface="Courier New" pitchFamily="49" charset="0"/>
-              </a:rPr>
-              <a:t>()</a:t>
-            </a:r>
-            <a:r>
-              <a:rPr lang="en-US" dirty="0" smtClean="0"/>
-              <a:t> </a:t>
-            </a:r>
-            <a:endParaRPr lang="en-US" dirty="0"/>
-          </a:p>
-        </p:txBody>
-      </p:sp>
-    </p:spTree>
-  </p:cSld>
-  <p:clrMapOvr>
-    <a:masterClrMapping/>
-  </p:clrMapOvr>
-  <p:timing>
-    <p:tnLst>
-      <p:par>
-        <p:cTn id="1" dur="indefinite" restart="never" nodeType="tmRoot"/>
-      </p:par>
-    </p:tnLst>
   </p:timing>
 </p:sld>
 </file>

--- a/modules/LMFoundations/PPT.pptx
+++ b/modules/LMFoundations/PPT.pptx
@@ -3688,19 +3688,43 @@
             </a:pPr>
             <a:r>
               <a:rPr lang="en-US" dirty="0"/>
-              <a:t>A sample of 30 males and 30 females was taken to an unfamiliar wooded park and given spatial orientation tests, including pointing to the south.  The absolute pointing error, in degrees, was recorded.  The results are in the </a:t>
-            </a:r>
-            <a:r>
-              <a:rPr lang="en-US" b="1" dirty="0">
+              <a:t>A sample of 30 males and 30 females was taken to an unfamiliar wooded park and given spatial orientation tests, including pointing to the </a:t>
+            </a:r>
+            <a:r>
+              <a:rPr lang="en-US" dirty="0" smtClean="0"/>
+              <a:t>south. The </a:t>
+            </a:r>
+            <a:r>
+              <a:rPr lang="en-US" dirty="0"/>
+              <a:t>absolute pointing error, in degrees, was </a:t>
+            </a:r>
+            <a:r>
+              <a:rPr lang="en-US" dirty="0" smtClean="0"/>
+              <a:t>recorded. The </a:t>
+            </a:r>
+            <a:r>
+              <a:rPr lang="en-US" dirty="0"/>
+              <a:t>results are in the </a:t>
+            </a:r>
+            <a:r>
+              <a:rPr lang="en-US" b="1" dirty="0" smtClean="0">
                 <a:solidFill>
                   <a:schemeClr val="accent2"/>
                 </a:solidFill>
               </a:rPr>
-              <a:t>SexDirection.txt </a:t>
+              <a:t>SexDirection.csv </a:t>
             </a:r>
             <a:r>
               <a:rPr lang="en-US" dirty="0"/>
-              <a:t>file on the webpage.  Is there a difference in sense of direction between men and women?</a:t>
+              <a:t>file on the </a:t>
+            </a:r>
+            <a:r>
+              <a:rPr lang="en-US" dirty="0" smtClean="0"/>
+              <a:t>webpage. Is </a:t>
+            </a:r>
+            <a:r>
+              <a:rPr lang="en-US" dirty="0"/>
+              <a:t>there a difference in sense of direction between men and women?</a:t>
             </a:r>
           </a:p>
           <a:p>
@@ -3749,7 +3773,55 @@
                   <a:schemeClr val="accent2"/>
                 </a:solidFill>
               </a:rPr>
-              <a:t>, R.O. Makar, and C. Leon.  2000.  The relation of sex and sense of direction to spatial orientation in an unfamiliar environment.  Journal of Environmental Psychology.  20:17-28.</a:t>
+              <a:t>, R.O. Makar, and C. </a:t>
+            </a:r>
+            <a:r>
+              <a:rPr lang="en-US" sz="1800" dirty="0" smtClean="0">
+                <a:solidFill>
+                  <a:schemeClr val="accent2"/>
+                </a:solidFill>
+              </a:rPr>
+              <a:t>Leon. 2000. The </a:t>
+            </a:r>
+            <a:r>
+              <a:rPr lang="en-US" sz="1800" dirty="0">
+                <a:solidFill>
+                  <a:schemeClr val="accent2"/>
+                </a:solidFill>
+              </a:rPr>
+              <a:t>relation of sex and sense of direction to spatial orientation in an unfamiliar </a:t>
+            </a:r>
+            <a:r>
+              <a:rPr lang="en-US" sz="1800" dirty="0" smtClean="0">
+                <a:solidFill>
+                  <a:schemeClr val="accent2"/>
+                </a:solidFill>
+              </a:rPr>
+              <a:t>environment. Journal </a:t>
+            </a:r>
+            <a:r>
+              <a:rPr lang="en-US" sz="1800" dirty="0">
+                <a:solidFill>
+                  <a:schemeClr val="accent2"/>
+                </a:solidFill>
+              </a:rPr>
+              <a:t>of Environmental </a:t>
+            </a:r>
+            <a:r>
+              <a:rPr lang="en-US" sz="1800" dirty="0" smtClean="0">
+                <a:solidFill>
+                  <a:schemeClr val="accent2"/>
+                </a:solidFill>
+              </a:rPr>
+              <a:t>Psychology. 20:17-28</a:t>
+            </a:r>
+            <a:r>
+              <a:rPr lang="en-US" sz="1800" dirty="0">
+                <a:solidFill>
+                  <a:schemeClr val="accent2"/>
+                </a:solidFill>
+              </a:rPr>
+              <a:t>.</a:t>
             </a:r>
           </a:p>
         </p:txBody>
@@ -13778,7 +13850,7 @@
           <a:graphicData uri="http://schemas.openxmlformats.org/presentationml/2006/ole">
             <mc:AlternateContent xmlns:mc="http://schemas.openxmlformats.org/markup-compatibility/2006">
               <mc:Choice xmlns:v="urn:schemas-microsoft-com:vml" Requires="v">
-                <p:oleObj spid="_x0000_s186402" name="Equation" r:id="rId3" imgW="571320" imgH="393480" progId="Equation.3">
+                <p:oleObj spid="_x0000_s186403" name="Equation" r:id="rId3" imgW="571320" imgH="393480" progId="Equation.3">
                   <p:embed/>
                 </p:oleObj>
               </mc:Choice>
@@ -14349,7 +14421,7 @@
           <a:graphicData uri="http://schemas.openxmlformats.org/presentationml/2006/ole">
             <mc:AlternateContent xmlns:mc="http://schemas.openxmlformats.org/markup-compatibility/2006">
               <mc:Choice xmlns:v="urn:schemas-microsoft-com:vml" Requires="v">
-                <p:oleObj spid="_x0000_s190490" name="Equation" r:id="rId4" imgW="838080" imgH="444240" progId="Equation.3">
+                <p:oleObj spid="_x0000_s190491" name="Equation" r:id="rId4" imgW="838080" imgH="444240" progId="Equation.3">
                   <p:embed/>
                 </p:oleObj>
               </mc:Choice>
@@ -15129,7 +15201,7 @@
           <a:graphicData uri="http://schemas.openxmlformats.org/presentationml/2006/ole">
             <mc:AlternateContent xmlns:mc="http://schemas.openxmlformats.org/markup-compatibility/2006">
               <mc:Choice xmlns:v="urn:schemas-microsoft-com:vml" Requires="v">
-                <p:oleObj spid="_x0000_s189498" name="Equation" r:id="rId4" imgW="838080" imgH="444240" progId="Equation.3">
+                <p:oleObj spid="_x0000_s189500" name="Equation" r:id="rId4" imgW="838080" imgH="444240" progId="Equation.3">
                   <p:embed/>
                 </p:oleObj>
               </mc:Choice>
@@ -15245,7 +15317,7 @@
           <a:graphicData uri="http://schemas.openxmlformats.org/presentationml/2006/ole">
             <mc:AlternateContent xmlns:mc="http://schemas.openxmlformats.org/markup-compatibility/2006">
               <mc:Choice xmlns:v="urn:schemas-microsoft-com:vml" Requires="v">
-                <p:oleObj spid="_x0000_s189499" name="Equation" r:id="rId7" imgW="1168200" imgH="457200" progId="Equation.3">
+                <p:oleObj spid="_x0000_s189501" name="Equation" r:id="rId7" imgW="1168200" imgH="457200" progId="Equation.3">
                   <p:embed/>
                 </p:oleObj>
               </mc:Choice>

--- a/modules/LMFoundations/PPT.pptx
+++ b/modules/LMFoundations/PPT.pptx
@@ -4480,9 +4480,27 @@
                 <a:tableStyleId>{00A15C55-8517-42AA-B614-E9B94910E393}</a:tableStyleId>
               </a:tblPr>
               <a:tblGrid>
-                <a:gridCol w="2743200"/>
-                <a:gridCol w="2743200"/>
-                <a:gridCol w="2743200"/>
+                <a:gridCol w="2743200">
+                  <a:extLst>
+                    <a:ext uri="{9D8B030D-6E8A-4147-A177-3AD203B41FA5}">
+                      <a16:colId xmlns:a16="http://schemas.microsoft.com/office/drawing/2014/main" val="20000"/>
+                    </a:ext>
+                  </a:extLst>
+                </a:gridCol>
+                <a:gridCol w="2743200">
+                  <a:extLst>
+                    <a:ext uri="{9D8B030D-6E8A-4147-A177-3AD203B41FA5}">
+                      <a16:colId xmlns:a16="http://schemas.microsoft.com/office/drawing/2014/main" val="20001"/>
+                    </a:ext>
+                  </a:extLst>
+                </a:gridCol>
+                <a:gridCol w="2743200">
+                  <a:extLst>
+                    <a:ext uri="{9D8B030D-6E8A-4147-A177-3AD203B41FA5}">
+                      <a16:colId xmlns:a16="http://schemas.microsoft.com/office/drawing/2014/main" val="20002"/>
+                    </a:ext>
+                  </a:extLst>
+                </a:gridCol>
               </a:tblGrid>
               <a:tr h="370840">
                 <a:tc>
@@ -4530,6 +4548,11 @@
                   </a:txBody>
                   <a:tcPr/>
                 </a:tc>
+                <a:extLst>
+                  <a:ext uri="{0D108BD9-81ED-4DB2-BD59-A6C34878D82A}">
+                    <a16:rowId xmlns:a16="http://schemas.microsoft.com/office/drawing/2014/main" val="10000"/>
+                  </a:ext>
+                </a:extLst>
               </a:tr>
               <a:tr h="370840">
                 <a:tc>
@@ -4565,6 +4588,11 @@
                   </a:txBody>
                   <a:tcPr/>
                 </a:tc>
+                <a:extLst>
+                  <a:ext uri="{0D108BD9-81ED-4DB2-BD59-A6C34878D82A}">
+                    <a16:rowId xmlns:a16="http://schemas.microsoft.com/office/drawing/2014/main" val="10001"/>
+                  </a:ext>
+                </a:extLst>
               </a:tr>
               <a:tr h="370840">
                 <a:tc>
@@ -4600,6 +4628,11 @@
                   </a:txBody>
                   <a:tcPr/>
                 </a:tc>
+                <a:extLst>
+                  <a:ext uri="{0D108BD9-81ED-4DB2-BD59-A6C34878D82A}">
+                    <a16:rowId xmlns:a16="http://schemas.microsoft.com/office/drawing/2014/main" val="10002"/>
+                  </a:ext>
+                </a:extLst>
               </a:tr>
               <a:tr h="370840">
                 <a:tc>
@@ -4635,6 +4668,11 @@
                   </a:txBody>
                   <a:tcPr/>
                 </a:tc>
+                <a:extLst>
+                  <a:ext uri="{0D108BD9-81ED-4DB2-BD59-A6C34878D82A}">
+                    <a16:rowId xmlns:a16="http://schemas.microsoft.com/office/drawing/2014/main" val="10003"/>
+                  </a:ext>
+                </a:extLst>
               </a:tr>
             </a:tbl>
           </a:graphicData>
@@ -5642,8 +5680,20 @@
                 <a:tableStyleId>{00A15C55-8517-42AA-B614-E9B94910E393}</a:tableStyleId>
               </a:tblPr>
               <a:tblGrid>
-                <a:gridCol w="1828800"/>
-                <a:gridCol w="1828800"/>
+                <a:gridCol w="1828800">
+                  <a:extLst>
+                    <a:ext uri="{9D8B030D-6E8A-4147-A177-3AD203B41FA5}">
+                      <a16:colId xmlns:a16="http://schemas.microsoft.com/office/drawing/2014/main" val="20000"/>
+                    </a:ext>
+                  </a:extLst>
+                </a:gridCol>
+                <a:gridCol w="1828800">
+                  <a:extLst>
+                    <a:ext uri="{9D8B030D-6E8A-4147-A177-3AD203B41FA5}">
+                      <a16:colId xmlns:a16="http://schemas.microsoft.com/office/drawing/2014/main" val="20001"/>
+                    </a:ext>
+                  </a:extLst>
+                </a:gridCol>
               </a:tblGrid>
               <a:tr h="370840">
                 <a:tc>
@@ -5676,6 +5726,11 @@
                   </a:txBody>
                   <a:tcPr/>
                 </a:tc>
+                <a:extLst>
+                  <a:ext uri="{0D108BD9-81ED-4DB2-BD59-A6C34878D82A}">
+                    <a16:rowId xmlns:a16="http://schemas.microsoft.com/office/drawing/2014/main" val="10000"/>
+                  </a:ext>
+                </a:extLst>
               </a:tr>
               <a:tr h="487680">
                 <a:tc>
@@ -5700,6 +5755,11 @@
                   </a:txBody>
                   <a:tcPr/>
                 </a:tc>
+                <a:extLst>
+                  <a:ext uri="{0D108BD9-81ED-4DB2-BD59-A6C34878D82A}">
+                    <a16:rowId xmlns:a16="http://schemas.microsoft.com/office/drawing/2014/main" val="10001"/>
+                  </a:ext>
+                </a:extLst>
               </a:tr>
               <a:tr h="370840">
                 <a:tc>
@@ -5724,6 +5784,11 @@
                   </a:txBody>
                   <a:tcPr/>
                 </a:tc>
+                <a:extLst>
+                  <a:ext uri="{0D108BD9-81ED-4DB2-BD59-A6C34878D82A}">
+                    <a16:rowId xmlns:a16="http://schemas.microsoft.com/office/drawing/2014/main" val="10002"/>
+                  </a:ext>
+                </a:extLst>
               </a:tr>
               <a:tr h="370840">
                 <a:tc>
@@ -5748,6 +5813,11 @@
                   </a:txBody>
                   <a:tcPr/>
                 </a:tc>
+                <a:extLst>
+                  <a:ext uri="{0D108BD9-81ED-4DB2-BD59-A6C34878D82A}">
+                    <a16:rowId xmlns:a16="http://schemas.microsoft.com/office/drawing/2014/main" val="10003"/>
+                  </a:ext>
+                </a:extLst>
               </a:tr>
             </a:tbl>
           </a:graphicData>
@@ -6958,9 +7028,27 @@
                 <a:tableStyleId>{00A15C55-8517-42AA-B614-E9B94910E393}</a:tableStyleId>
               </a:tblPr>
               <a:tblGrid>
-                <a:gridCol w="2743200"/>
-                <a:gridCol w="2743200"/>
-                <a:gridCol w="2743200"/>
+                <a:gridCol w="2743200">
+                  <a:extLst>
+                    <a:ext uri="{9D8B030D-6E8A-4147-A177-3AD203B41FA5}">
+                      <a16:colId xmlns:a16="http://schemas.microsoft.com/office/drawing/2014/main" val="20000"/>
+                    </a:ext>
+                  </a:extLst>
+                </a:gridCol>
+                <a:gridCol w="2743200">
+                  <a:extLst>
+                    <a:ext uri="{9D8B030D-6E8A-4147-A177-3AD203B41FA5}">
+                      <a16:colId xmlns:a16="http://schemas.microsoft.com/office/drawing/2014/main" val="20001"/>
+                    </a:ext>
+                  </a:extLst>
+                </a:gridCol>
+                <a:gridCol w="2743200">
+                  <a:extLst>
+                    <a:ext uri="{9D8B030D-6E8A-4147-A177-3AD203B41FA5}">
+                      <a16:colId xmlns:a16="http://schemas.microsoft.com/office/drawing/2014/main" val="20002"/>
+                    </a:ext>
+                  </a:extLst>
+                </a:gridCol>
               </a:tblGrid>
               <a:tr h="370840">
                 <a:tc>
@@ -7008,6 +7096,11 @@
                   </a:txBody>
                   <a:tcPr/>
                 </a:tc>
+                <a:extLst>
+                  <a:ext uri="{0D108BD9-81ED-4DB2-BD59-A6C34878D82A}">
+                    <a16:rowId xmlns:a16="http://schemas.microsoft.com/office/drawing/2014/main" val="10000"/>
+                  </a:ext>
+                </a:extLst>
               </a:tr>
               <a:tr h="370840">
                 <a:tc>
@@ -7043,6 +7136,11 @@
                   </a:txBody>
                   <a:tcPr/>
                 </a:tc>
+                <a:extLst>
+                  <a:ext uri="{0D108BD9-81ED-4DB2-BD59-A6C34878D82A}">
+                    <a16:rowId xmlns:a16="http://schemas.microsoft.com/office/drawing/2014/main" val="10001"/>
+                  </a:ext>
+                </a:extLst>
               </a:tr>
               <a:tr h="370840">
                 <a:tc>
@@ -7078,6 +7176,11 @@
                   </a:txBody>
                   <a:tcPr/>
                 </a:tc>
+                <a:extLst>
+                  <a:ext uri="{0D108BD9-81ED-4DB2-BD59-A6C34878D82A}">
+                    <a16:rowId xmlns:a16="http://schemas.microsoft.com/office/drawing/2014/main" val="10002"/>
+                  </a:ext>
+                </a:extLst>
               </a:tr>
               <a:tr h="370840">
                 <a:tc>
@@ -7113,6 +7216,11 @@
                   </a:txBody>
                   <a:tcPr/>
                 </a:tc>
+                <a:extLst>
+                  <a:ext uri="{0D108BD9-81ED-4DB2-BD59-A6C34878D82A}">
+                    <a16:rowId xmlns:a16="http://schemas.microsoft.com/office/drawing/2014/main" val="10003"/>
+                  </a:ext>
+                </a:extLst>
               </a:tr>
             </a:tbl>
           </a:graphicData>
@@ -13850,7 +13958,7 @@
           <a:graphicData uri="http://schemas.openxmlformats.org/presentationml/2006/ole">
             <mc:AlternateContent xmlns:mc="http://schemas.openxmlformats.org/markup-compatibility/2006">
               <mc:Choice xmlns:v="urn:schemas-microsoft-com:vml" Requires="v">
-                <p:oleObj spid="_x0000_s186403" name="Equation" r:id="rId3" imgW="571320" imgH="393480" progId="Equation.3">
+                <p:oleObj spid="_x0000_s186404" name="Equation" r:id="rId3" imgW="571320" imgH="393480" progId="Equation.3">
                   <p:embed/>
                 </p:oleObj>
               </mc:Choice>
@@ -14421,7 +14529,7 @@
           <a:graphicData uri="http://schemas.openxmlformats.org/presentationml/2006/ole">
             <mc:AlternateContent xmlns:mc="http://schemas.openxmlformats.org/markup-compatibility/2006">
               <mc:Choice xmlns:v="urn:schemas-microsoft-com:vml" Requires="v">
-                <p:oleObj spid="_x0000_s190491" name="Equation" r:id="rId4" imgW="838080" imgH="444240" progId="Equation.3">
+                <p:oleObj spid="_x0000_s190492" name="Equation" r:id="rId4" imgW="838080" imgH="444240" progId="Equation.3">
                   <p:embed/>
                 </p:oleObj>
               </mc:Choice>
@@ -15201,7 +15309,7 @@
           <a:graphicData uri="http://schemas.openxmlformats.org/presentationml/2006/ole">
             <mc:AlternateContent xmlns:mc="http://schemas.openxmlformats.org/markup-compatibility/2006">
               <mc:Choice xmlns:v="urn:schemas-microsoft-com:vml" Requires="v">
-                <p:oleObj spid="_x0000_s189500" name="Equation" r:id="rId4" imgW="838080" imgH="444240" progId="Equation.3">
+                <p:oleObj spid="_x0000_s189502" name="Equation" r:id="rId4" imgW="838080" imgH="444240" progId="Equation.3">
                   <p:embed/>
                 </p:oleObj>
               </mc:Choice>
@@ -15317,7 +15425,7 @@
           <a:graphicData uri="http://schemas.openxmlformats.org/presentationml/2006/ole">
             <mc:AlternateContent xmlns:mc="http://schemas.openxmlformats.org/markup-compatibility/2006">
               <mc:Choice xmlns:v="urn:schemas-microsoft-com:vml" Requires="v">
-                <p:oleObj spid="_x0000_s189501" name="Equation" r:id="rId7" imgW="1168200" imgH="457200" progId="Equation.3">
+                <p:oleObj spid="_x0000_s189503" name="Equation" r:id="rId7" imgW="1168200" imgH="457200" progId="Equation.3">
                   <p:embed/>
                 </p:oleObj>
               </mc:Choice>
@@ -16882,8 +16990,48 @@
                 <a:latin typeface="Courier New" pitchFamily="49" charset="0"/>
                 <a:cs typeface="Courier New" pitchFamily="49" charset="0"/>
               </a:rPr>
-              <a:t>summary()</a:t>
-            </a:r>
+              <a:t>summary</a:t>
+            </a:r>
+            <a:r>
+              <a:rPr lang="en-US" b="1" dirty="0" smtClean="0">
+                <a:solidFill>
+                  <a:srgbClr val="FF0000"/>
+                </a:solidFill>
+                <a:latin typeface="Courier New" pitchFamily="49" charset="0"/>
+                <a:cs typeface="Courier New" pitchFamily="49" charset="0"/>
+              </a:rPr>
+              <a:t>()</a:t>
+            </a:r>
+          </a:p>
+          <a:p>
+            <a:pPr lvl="1"/>
+            <a:r>
+              <a:rPr lang="en-US" b="1" smtClean="0">
+                <a:solidFill>
+                  <a:srgbClr val="FF0000"/>
+                </a:solidFill>
+                <a:latin typeface="Courier New" pitchFamily="49" charset="0"/>
+                <a:cs typeface="Courier New" pitchFamily="49" charset="0"/>
+              </a:rPr>
+              <a:t>coef</a:t>
+            </a:r>
+            <a:r>
+              <a:rPr lang="en-US" b="1" dirty="0" smtClean="0">
+                <a:solidFill>
+                  <a:srgbClr val="FF0000"/>
+                </a:solidFill>
+                <a:latin typeface="Courier New" pitchFamily="49" charset="0"/>
+                <a:cs typeface="Courier New" pitchFamily="49" charset="0"/>
+              </a:rPr>
+              <a:t>()</a:t>
+            </a:r>
+            <a:endParaRPr lang="en-US" b="1" dirty="0" smtClean="0">
+              <a:solidFill>
+                <a:srgbClr val="FF0000"/>
+              </a:solidFill>
+              <a:latin typeface="Courier New" pitchFamily="49" charset="0"/>
+              <a:cs typeface="Courier New" pitchFamily="49" charset="0"/>
+            </a:endParaRPr>
           </a:p>
           <a:p>
             <a:pPr lvl="1"/>
@@ -18027,7 +18175,7 @@
         </p:blipFill>
         <p:spPr bwMode="auto">
           <a:xfrm>
-            <a:off x="76200" y="2108022"/>
+            <a:off x="76200" y="2305026"/>
             <a:ext cx="9017000" cy="2540178"/>
           </a:xfrm>
           <a:prstGeom prst="rect">
@@ -18196,7 +18344,7 @@
         </p:nvSpPr>
         <p:spPr bwMode="auto">
           <a:xfrm>
-            <a:off x="2438400" y="3124200"/>
+            <a:off x="2514600" y="3168804"/>
             <a:ext cx="457200" cy="381000"/>
           </a:xfrm>
           <a:prstGeom prst="star8">
@@ -18243,7 +18391,7 @@
         </p:nvSpPr>
         <p:spPr bwMode="auto">
           <a:xfrm>
-            <a:off x="2590800" y="3657600"/>
+            <a:off x="3276600" y="3168804"/>
             <a:ext cx="457200" cy="381000"/>
           </a:xfrm>
           <a:prstGeom prst="star8">
@@ -18290,7 +18438,7 @@
         </p:nvSpPr>
         <p:spPr bwMode="auto">
           <a:xfrm>
-            <a:off x="1905000" y="4191000"/>
+            <a:off x="2667000" y="3778404"/>
             <a:ext cx="457200" cy="381000"/>
           </a:xfrm>
           <a:prstGeom prst="star8">
@@ -18317,7 +18465,7 @@
           <a:p>
             <a:pPr algn="ctr"/>
             <a:r>
-              <a:rPr lang="en-US" b="1">
+              <a:rPr lang="en-US" b="1" dirty="0">
                 <a:solidFill>
                   <a:srgbClr val="CC0000"/>
                 </a:solidFill>
@@ -18337,7 +18485,7 @@
         </p:nvSpPr>
         <p:spPr bwMode="auto">
           <a:xfrm>
-            <a:off x="6096000" y="3962400"/>
+            <a:off x="1981200" y="4159404"/>
             <a:ext cx="457200" cy="381000"/>
           </a:xfrm>
           <a:prstGeom prst="star8">
@@ -18382,7 +18530,7 @@
         </p:nvSpPr>
         <p:spPr>
           <a:xfrm>
-            <a:off x="3691054" y="1572763"/>
+            <a:off x="3691054" y="1769767"/>
             <a:ext cx="1566746" cy="457200"/>
           </a:xfrm>
           <a:prstGeom prst="borderCallout1">
@@ -18444,7 +18592,7 @@
         </p:nvSpPr>
         <p:spPr>
           <a:xfrm>
-            <a:off x="5900854" y="1555596"/>
+            <a:off x="5900854" y="1752600"/>
             <a:ext cx="1719146" cy="457200"/>
           </a:xfrm>
           <a:prstGeom prst="borderCallout1">
@@ -18493,6 +18641,58 @@
             <a:endParaRPr lang="en-US" dirty="0">
               <a:solidFill>
                 <a:srgbClr val="FF0000"/>
+              </a:solidFill>
+            </a:endParaRPr>
+          </a:p>
+        </p:txBody>
+      </p:sp>
+      <p:sp>
+        <p:nvSpPr>
+          <p:cNvPr id="13" name="AutoShape 8"/>
+          <p:cNvSpPr>
+            <a:spLocks noChangeArrowheads="1"/>
+          </p:cNvSpPr>
+          <p:nvPr/>
+        </p:nvSpPr>
+        <p:spPr bwMode="auto">
+          <a:xfrm>
+            <a:off x="6019800" y="4159404"/>
+            <a:ext cx="457200" cy="381000"/>
+          </a:xfrm>
+          <a:prstGeom prst="star8">
+            <a:avLst>
+              <a:gd name="adj" fmla="val 38250"/>
+            </a:avLst>
+          </a:prstGeom>
+          <a:solidFill>
+            <a:srgbClr val="FFFF66"/>
+          </a:solidFill>
+          <a:ln w="3175">
+            <a:solidFill>
+              <a:schemeClr val="tx1"/>
+            </a:solidFill>
+            <a:miter lim="800000"/>
+            <a:headEnd/>
+            <a:tailEnd/>
+          </a:ln>
+          <a:effectLst/>
+        </p:spPr>
+        <p:txBody>
+          <a:bodyPr wrap="none" anchor="ctr"/>
+          <a:lstStyle/>
+          <a:p>
+            <a:pPr algn="ctr"/>
+            <a:r>
+              <a:rPr lang="en-US" b="1" dirty="0" smtClean="0">
+                <a:solidFill>
+                  <a:srgbClr val="CC0000"/>
+                </a:solidFill>
+              </a:rPr>
+              <a:t>5</a:t>
+            </a:r>
+            <a:endParaRPr lang="en-US" b="1" dirty="0">
+              <a:solidFill>
+                <a:srgbClr val="CC0000"/>
               </a:solidFill>
             </a:endParaRPr>
           </a:p>
@@ -18570,7 +18770,7 @@
                               <p:par>
                                 <p:cTn id="9" presetID="22" presetClass="entr" presetSubtype="4" fill="hold" grpId="0" nodeType="afterEffect">
                                   <p:stCondLst>
-                                    <p:cond delay="2000"/>
+                                    <p:cond delay="500"/>
                                   </p:stCondLst>
                                   <p:childTnLst>
                                     <p:set>
@@ -18605,21 +18805,74 @@
                             </p:childTnLst>
                           </p:cTn>
                         </p:par>
+                      </p:childTnLst>
+                    </p:cTn>
+                  </p:par>
+                  <p:par>
+                    <p:cTn id="12" fill="hold">
+                      <p:stCondLst>
+                        <p:cond delay="indefinite"/>
+                      </p:stCondLst>
+                      <p:childTnLst>
                         <p:par>
-                          <p:cTn id="12" fill="hold">
+                          <p:cTn id="13" fill="hold">
                             <p:stCondLst>
-                              <p:cond delay="3000"/>
+                              <p:cond delay="0"/>
                             </p:stCondLst>
                             <p:childTnLst>
                               <p:par>
-                                <p:cTn id="13" presetID="22" presetClass="entr" presetSubtype="4" fill="hold" grpId="0" nodeType="afterEffect">
+                                <p:cTn id="14" presetID="8" presetClass="entr" presetSubtype="16" fill="hold" grpId="0" nodeType="clickEffect">
                                   <p:stCondLst>
-                                    <p:cond delay="1000"/>
+                                    <p:cond delay="0"/>
                                   </p:stCondLst>
                                   <p:childTnLst>
                                     <p:set>
                                       <p:cBhvr>
-                                        <p:cTn id="14" dur="1" fill="hold">
+                                        <p:cTn id="15" dur="1" fill="hold">
+                                          <p:stCondLst>
+                                            <p:cond delay="0"/>
+                                          </p:stCondLst>
+                                        </p:cTn>
+                                        <p:tgtEl>
+                                          <p:spTgt spid="165894"/>
+                                        </p:tgtEl>
+                                        <p:attrNameLst>
+                                          <p:attrName>style.visibility</p:attrName>
+                                        </p:attrNameLst>
+                                      </p:cBhvr>
+                                      <p:to>
+                                        <p:strVal val="visible"/>
+                                      </p:to>
+                                    </p:set>
+                                    <p:animEffect transition="in" filter="diamond(in)">
+                                      <p:cBhvr>
+                                        <p:cTn id="16" dur="500"/>
+                                        <p:tgtEl>
+                                          <p:spTgt spid="165894"/>
+                                        </p:tgtEl>
+                                      </p:cBhvr>
+                                    </p:animEffect>
+                                  </p:childTnLst>
+                                </p:cTn>
+                              </p:par>
+                            </p:childTnLst>
+                          </p:cTn>
+                        </p:par>
+                        <p:par>
+                          <p:cTn id="17" fill="hold">
+                            <p:stCondLst>
+                              <p:cond delay="500"/>
+                            </p:stCondLst>
+                            <p:childTnLst>
+                              <p:par>
+                                <p:cTn id="18" presetID="22" presetClass="entr" presetSubtype="4" fill="hold" grpId="0" nodeType="afterEffect">
+                                  <p:stCondLst>
+                                    <p:cond delay="500"/>
+                                  </p:stCondLst>
+                                  <p:childTnLst>
+                                    <p:set>
+                                      <p:cBhvr>
+                                        <p:cTn id="19" dur="1" fill="hold">
                                           <p:stCondLst>
                                             <p:cond delay="0"/>
                                           </p:stCondLst>
@@ -18637,7 +18890,7 @@
                                     </p:set>
                                     <p:animEffect transition="in" filter="wipe(down)">
                                       <p:cBhvr>
-                                        <p:cTn id="15" dur="500"/>
+                                        <p:cTn id="20" dur="500"/>
                                         <p:tgtEl>
                                           <p:spTgt spid="12"/>
                                         </p:tgtEl>
@@ -18653,26 +18906,26 @@
                     </p:cTn>
                   </p:par>
                   <p:par>
-                    <p:cTn id="16" fill="hold">
+                    <p:cTn id="21" fill="hold">
                       <p:stCondLst>
                         <p:cond delay="indefinite"/>
                       </p:stCondLst>
                       <p:childTnLst>
                         <p:par>
-                          <p:cTn id="17" fill="hold">
+                          <p:cTn id="22" fill="hold">
                             <p:stCondLst>
                               <p:cond delay="0"/>
                             </p:stCondLst>
                             <p:childTnLst>
                               <p:par>
-                                <p:cTn id="18" presetID="1" presetClass="exit" presetSubtype="0" fill="hold" grpId="1" nodeType="clickEffect">
+                                <p:cTn id="23" presetID="1" presetClass="exit" presetSubtype="0" fill="hold" grpId="1" nodeType="clickEffect">
                                   <p:stCondLst>
                                     <p:cond delay="0"/>
                                   </p:stCondLst>
                                   <p:childTnLst>
                                     <p:set>
                                       <p:cBhvr>
-                                        <p:cTn id="19" dur="1" fill="hold">
+                                        <p:cTn id="24" dur="1" fill="hold">
                                           <p:stCondLst>
                                             <p:cond delay="0"/>
                                           </p:stCondLst>
@@ -18692,14 +18945,14 @@
                                 </p:cTn>
                               </p:par>
                               <p:par>
-                                <p:cTn id="20" presetID="1" presetClass="exit" presetSubtype="0" fill="hold" grpId="1" nodeType="withEffect">
+                                <p:cTn id="25" presetID="1" presetClass="exit" presetSubtype="0" fill="hold" grpId="1" nodeType="withEffect">
                                   <p:stCondLst>
                                     <p:cond delay="0"/>
                                   </p:stCondLst>
                                   <p:childTnLst>
                                     <p:set>
                                       <p:cBhvr>
-                                        <p:cTn id="21" dur="1" fill="hold">
+                                        <p:cTn id="26" dur="1" fill="hold">
                                           <p:stCondLst>
                                             <p:cond delay="0"/>
                                           </p:stCondLst>
@@ -18722,68 +18975,15 @@
                           </p:cTn>
                         </p:par>
                         <p:par>
-                          <p:cTn id="22" fill="hold">
-                            <p:stCondLst>
-                              <p:cond delay="0"/>
-                            </p:stCondLst>
-                            <p:childTnLst>
-                              <p:par>
-                                <p:cTn id="23" presetID="8" presetClass="entr" presetSubtype="16" fill="hold" grpId="0" nodeType="afterEffect">
-                                  <p:stCondLst>
-                                    <p:cond delay="0"/>
-                                  </p:stCondLst>
-                                  <p:childTnLst>
-                                    <p:set>
-                                      <p:cBhvr>
-                                        <p:cTn id="24" dur="1" fill="hold">
-                                          <p:stCondLst>
-                                            <p:cond delay="0"/>
-                                          </p:stCondLst>
-                                        </p:cTn>
-                                        <p:tgtEl>
-                                          <p:spTgt spid="165894"/>
-                                        </p:tgtEl>
-                                        <p:attrNameLst>
-                                          <p:attrName>style.visibility</p:attrName>
-                                        </p:attrNameLst>
-                                      </p:cBhvr>
-                                      <p:to>
-                                        <p:strVal val="visible"/>
-                                      </p:to>
-                                    </p:set>
-                                    <p:animEffect transition="in" filter="diamond(in)">
-                                      <p:cBhvr>
-                                        <p:cTn id="25" dur="500"/>
-                                        <p:tgtEl>
-                                          <p:spTgt spid="165894"/>
-                                        </p:tgtEl>
-                                      </p:cBhvr>
-                                    </p:animEffect>
-                                  </p:childTnLst>
-                                </p:cTn>
-                              </p:par>
-                            </p:childTnLst>
-                          </p:cTn>
-                        </p:par>
-                      </p:childTnLst>
-                    </p:cTn>
-                  </p:par>
-                  <p:par>
-                    <p:cTn id="26" fill="hold">
-                      <p:stCondLst>
-                        <p:cond delay="indefinite"/>
-                      </p:stCondLst>
-                      <p:childTnLst>
-                        <p:par>
                           <p:cTn id="27" fill="hold">
                             <p:stCondLst>
                               <p:cond delay="0"/>
                             </p:stCondLst>
                             <p:childTnLst>
                               <p:par>
-                                <p:cTn id="28" presetID="8" presetClass="entr" presetSubtype="16" fill="hold" grpId="0" nodeType="clickEffect">
+                                <p:cTn id="28" presetID="8" presetClass="entr" presetSubtype="16" fill="hold" grpId="0" nodeType="afterEffect">
                                   <p:stCondLst>
-                                    <p:cond delay="0"/>
+                                    <p:cond delay="500"/>
                                   </p:stCondLst>
                                   <p:childTnLst>
                                     <p:set>
@@ -18887,7 +19087,7 @@
                             </p:stCondLst>
                             <p:childTnLst>
                               <p:par>
-                                <p:cTn id="38" presetID="1" presetClass="entr" presetSubtype="0" fill="hold" grpId="0" nodeType="clickEffect">
+                                <p:cTn id="38" presetID="8" presetClass="entr" presetSubtype="16" fill="hold" grpId="0" nodeType="clickEffect">
                                   <p:stCondLst>
                                     <p:cond delay="0"/>
                                   </p:stCondLst>
@@ -18895,6 +19095,59 @@
                                     <p:set>
                                       <p:cBhvr>
                                         <p:cTn id="39" dur="1" fill="hold">
+                                          <p:stCondLst>
+                                            <p:cond delay="0"/>
+                                          </p:stCondLst>
+                                        </p:cTn>
+                                        <p:tgtEl>
+                                          <p:spTgt spid="13"/>
+                                        </p:tgtEl>
+                                        <p:attrNameLst>
+                                          <p:attrName>style.visibility</p:attrName>
+                                        </p:attrNameLst>
+                                      </p:cBhvr>
+                                      <p:to>
+                                        <p:strVal val="visible"/>
+                                      </p:to>
+                                    </p:set>
+                                    <p:animEffect transition="in" filter="diamond(in)">
+                                      <p:cBhvr>
+                                        <p:cTn id="40" dur="500"/>
+                                        <p:tgtEl>
+                                          <p:spTgt spid="13"/>
+                                        </p:tgtEl>
+                                      </p:cBhvr>
+                                    </p:animEffect>
+                                  </p:childTnLst>
+                                </p:cTn>
+                              </p:par>
+                            </p:childTnLst>
+                          </p:cTn>
+                        </p:par>
+                      </p:childTnLst>
+                    </p:cTn>
+                  </p:par>
+                  <p:par>
+                    <p:cTn id="41" fill="hold">
+                      <p:stCondLst>
+                        <p:cond delay="indefinite"/>
+                      </p:stCondLst>
+                      <p:childTnLst>
+                        <p:par>
+                          <p:cTn id="42" fill="hold">
+                            <p:stCondLst>
+                              <p:cond delay="0"/>
+                            </p:stCondLst>
+                            <p:childTnLst>
+                              <p:par>
+                                <p:cTn id="43" presetID="1" presetClass="entr" presetSubtype="0" fill="hold" grpId="0" nodeType="clickEffect">
+                                  <p:stCondLst>
+                                    <p:cond delay="0"/>
+                                  </p:stCondLst>
+                                  <p:childTnLst>
+                                    <p:set>
+                                      <p:cBhvr>
+                                        <p:cTn id="44" dur="1" fill="hold">
                                           <p:stCondLst>
                                             <p:cond delay="0"/>
                                           </p:stCondLst>
@@ -18954,6 +19207,7 @@
       <p:bldP spid="2" grpId="1" animBg="1"/>
       <p:bldP spid="12" grpId="0" animBg="1"/>
       <p:bldP spid="12" grpId="1" animBg="1"/>
+      <p:bldP spid="13" grpId="0" animBg="1"/>
     </p:bldLst>
   </p:timing>
 </p:sld>

--- a/modules/LMFoundations/PPT.pptx
+++ b/modules/LMFoundations/PPT.pptx
@@ -5,42 +5,44 @@
     <p:sldMasterId id="2147483648" r:id="rId1"/>
   </p:sldMasterIdLst>
   <p:notesMasterIdLst>
-    <p:notesMasterId r:id="rId35"/>
+    <p:notesMasterId r:id="rId37"/>
   </p:notesMasterIdLst>
   <p:sldIdLst>
     <p:sldId id="256" r:id="rId2"/>
-    <p:sldId id="300" r:id="rId3"/>
-    <p:sldId id="301" r:id="rId4"/>
-    <p:sldId id="257" r:id="rId5"/>
-    <p:sldId id="291" r:id="rId6"/>
-    <p:sldId id="293" r:id="rId7"/>
-    <p:sldId id="297" r:id="rId8"/>
-    <p:sldId id="298" r:id="rId9"/>
-    <p:sldId id="299" r:id="rId10"/>
-    <p:sldId id="259" r:id="rId11"/>
-    <p:sldId id="260" r:id="rId12"/>
-    <p:sldId id="302" r:id="rId13"/>
-    <p:sldId id="303" r:id="rId14"/>
-    <p:sldId id="263" r:id="rId15"/>
-    <p:sldId id="284" r:id="rId16"/>
-    <p:sldId id="294" r:id="rId17"/>
-    <p:sldId id="295" r:id="rId18"/>
-    <p:sldId id="266" r:id="rId19"/>
-    <p:sldId id="267" r:id="rId20"/>
-    <p:sldId id="268" r:id="rId21"/>
-    <p:sldId id="269" r:id="rId22"/>
-    <p:sldId id="270" r:id="rId23"/>
-    <p:sldId id="271" r:id="rId24"/>
-    <p:sldId id="272" r:id="rId25"/>
-    <p:sldId id="273" r:id="rId26"/>
-    <p:sldId id="285" r:id="rId27"/>
-    <p:sldId id="275" r:id="rId28"/>
-    <p:sldId id="277" r:id="rId29"/>
-    <p:sldId id="278" r:id="rId30"/>
-    <p:sldId id="290" r:id="rId31"/>
-    <p:sldId id="296" r:id="rId32"/>
-    <p:sldId id="287" r:id="rId33"/>
-    <p:sldId id="280" r:id="rId34"/>
+    <p:sldId id="305" r:id="rId3"/>
+    <p:sldId id="300" r:id="rId4"/>
+    <p:sldId id="301" r:id="rId5"/>
+    <p:sldId id="257" r:id="rId6"/>
+    <p:sldId id="306" r:id="rId7"/>
+    <p:sldId id="291" r:id="rId8"/>
+    <p:sldId id="293" r:id="rId9"/>
+    <p:sldId id="297" r:id="rId10"/>
+    <p:sldId id="298" r:id="rId11"/>
+    <p:sldId id="299" r:id="rId12"/>
+    <p:sldId id="259" r:id="rId13"/>
+    <p:sldId id="260" r:id="rId14"/>
+    <p:sldId id="302" r:id="rId15"/>
+    <p:sldId id="303" r:id="rId16"/>
+    <p:sldId id="263" r:id="rId17"/>
+    <p:sldId id="284" r:id="rId18"/>
+    <p:sldId id="294" r:id="rId19"/>
+    <p:sldId id="295" r:id="rId20"/>
+    <p:sldId id="266" r:id="rId21"/>
+    <p:sldId id="267" r:id="rId22"/>
+    <p:sldId id="268" r:id="rId23"/>
+    <p:sldId id="269" r:id="rId24"/>
+    <p:sldId id="270" r:id="rId25"/>
+    <p:sldId id="271" r:id="rId26"/>
+    <p:sldId id="272" r:id="rId27"/>
+    <p:sldId id="273" r:id="rId28"/>
+    <p:sldId id="285" r:id="rId29"/>
+    <p:sldId id="275" r:id="rId30"/>
+    <p:sldId id="277" r:id="rId31"/>
+    <p:sldId id="278" r:id="rId32"/>
+    <p:sldId id="290" r:id="rId33"/>
+    <p:sldId id="296" r:id="rId34"/>
+    <p:sldId id="287" r:id="rId35"/>
+    <p:sldId id="280" r:id="rId36"/>
   </p:sldIdLst>
   <p:sldSz cx="9144000" cy="6858000" type="screen4x3"/>
   <p:notesSz cx="6858000" cy="9144000"/>
@@ -661,7 +663,7 @@
             <a:fld id="{0895F6ED-6644-4B80-8BAB-DF3A941B6440}" type="slidenum">
               <a:rPr lang="en-US"/>
               <a:pPr/>
-              <a:t>32</a:t>
+              <a:t>34</a:t>
             </a:fld>
             <a:endParaRPr lang="en-US"/>
           </a:p>
@@ -3574,6 +3576,328 @@
 </file>
 
 <file path=ppt/slides/slide10.xml><?xml version="1.0" encoding="utf-8"?>
+<p:sld xmlns:a="http://schemas.openxmlformats.org/drawingml/2006/main" xmlns:r="http://schemas.openxmlformats.org/officeDocument/2006/relationships" xmlns:p="http://schemas.openxmlformats.org/presentationml/2006/main" show="0">
+  <p:cSld>
+    <p:spTree>
+      <p:nvGrpSpPr>
+        <p:cNvPr id="1" name=""/>
+        <p:cNvGrpSpPr/>
+        <p:nvPr/>
+      </p:nvGrpSpPr>
+      <p:grpSpPr>
+        <a:xfrm>
+          <a:off x="0" y="0"/>
+          <a:ext cx="0" cy="0"/>
+          <a:chOff x="0" y="0"/>
+          <a:chExt cx="0" cy="0"/>
+        </a:xfrm>
+      </p:grpSpPr>
+      <p:sp>
+        <p:nvSpPr>
+          <p:cNvPr id="4" name="Footer Placeholder 3"/>
+          <p:cNvSpPr>
+            <a:spLocks noGrp="1"/>
+          </p:cNvSpPr>
+          <p:nvPr>
+            <p:ph type="ftr" sz="quarter" idx="10"/>
+          </p:nvPr>
+        </p:nvSpPr>
+        <p:spPr/>
+        <p:txBody>
+          <a:bodyPr/>
+          <a:lstStyle/>
+          <a:p>
+            <a:r>
+              <a:rPr lang="en-US" smtClean="0"/>
+              <a:t>LM Foundation</a:t>
+            </a:r>
+            <a:endParaRPr lang="en-US"/>
+          </a:p>
+        </p:txBody>
+      </p:sp>
+      <p:sp>
+        <p:nvSpPr>
+          <p:cNvPr id="5" name="Slide Number Placeholder 4"/>
+          <p:cNvSpPr>
+            <a:spLocks noGrp="1"/>
+          </p:cNvSpPr>
+          <p:nvPr>
+            <p:ph type="sldNum" sz="quarter" idx="11"/>
+          </p:nvPr>
+        </p:nvSpPr>
+        <p:spPr/>
+        <p:txBody>
+          <a:bodyPr/>
+          <a:lstStyle/>
+          <a:p>
+            <a:fld id="{2DF5461C-7FAD-4378-B074-D0FEBA4BBCD3}" type="slidenum">
+              <a:rPr lang="en-US" smtClean="0"/>
+              <a:pPr/>
+              <a:t>10</a:t>
+            </a:fld>
+            <a:endParaRPr lang="en-US"/>
+          </a:p>
+        </p:txBody>
+      </p:sp>
+      <p:sp>
+        <p:nvSpPr>
+          <p:cNvPr id="6" name="Title 1"/>
+          <p:cNvSpPr>
+            <a:spLocks noGrp="1"/>
+          </p:cNvSpPr>
+          <p:nvPr>
+            <p:ph type="title"/>
+          </p:nvPr>
+        </p:nvSpPr>
+        <p:spPr>
+          <a:xfrm>
+            <a:off x="65088" y="122238"/>
+            <a:ext cx="9012237" cy="868362"/>
+          </a:xfrm>
+        </p:spPr>
+        <p:txBody>
+          <a:bodyPr/>
+          <a:lstStyle/>
+          <a:p>
+            <a:r>
+              <a:rPr lang="en-US" dirty="0" smtClean="0"/>
+              <a:t>Which Test? Why?</a:t>
+            </a:r>
+            <a:endParaRPr lang="en-US" dirty="0"/>
+          </a:p>
+        </p:txBody>
+      </p:sp>
+      <p:pic>
+        <p:nvPicPr>
+          <p:cNvPr id="192516" name="Picture 4" descr="Susceptibility to allergen-driven AHR is associated a mixed TH17-TH2 immune response."/>
+          <p:cNvPicPr>
+            <a:picLocks noChangeAspect="1" noChangeArrowheads="1"/>
+          </p:cNvPicPr>
+          <p:nvPr/>
+        </p:nvPicPr>
+        <p:blipFill>
+          <a:blip r:embed="rId2">
+            <a:extLst>
+              <a:ext uri="{28A0092B-C50C-407E-A947-70E740481C1C}">
+                <a14:useLocalDpi xmlns:a14="http://schemas.microsoft.com/office/drawing/2010/main" val="0"/>
+              </a:ext>
+            </a:extLst>
+          </a:blip>
+          <a:srcRect/>
+          <a:stretch>
+            <a:fillRect/>
+          </a:stretch>
+        </p:blipFill>
+        <p:spPr bwMode="auto">
+          <a:xfrm>
+            <a:off x="990600" y="914400"/>
+            <a:ext cx="7239000" cy="5632035"/>
+          </a:xfrm>
+          <a:prstGeom prst="rect">
+            <a:avLst/>
+          </a:prstGeom>
+          <a:noFill/>
+          <a:extLst>
+            <a:ext uri="{909E8E84-426E-40DD-AFC4-6F175D3DCCD1}">
+              <a14:hiddenFill xmlns:a14="http://schemas.microsoft.com/office/drawing/2010/main">
+                <a:solidFill>
+                  <a:srgbClr val="FFFFFF"/>
+                </a:solidFill>
+              </a14:hiddenFill>
+            </a:ext>
+          </a:extLst>
+        </p:spPr>
+      </p:pic>
+    </p:spTree>
+    <p:extLst>
+      <p:ext uri="{BB962C8B-B14F-4D97-AF65-F5344CB8AC3E}">
+        <p14:creationId xmlns:p14="http://schemas.microsoft.com/office/powerpoint/2010/main" val="7949886"/>
+      </p:ext>
+    </p:extLst>
+  </p:cSld>
+  <p:clrMapOvr>
+    <a:masterClrMapping/>
+  </p:clrMapOvr>
+  <mc:AlternateContent xmlns:mc="http://schemas.openxmlformats.org/markup-compatibility/2006">
+    <mc:Choice xmlns:p14="http://schemas.microsoft.com/office/powerpoint/2010/main" Requires="p14">
+      <p:transition spd="slow" p14:dur="2000"/>
+    </mc:Choice>
+    <mc:Fallback>
+      <p:transition spd="slow"/>
+    </mc:Fallback>
+  </mc:AlternateContent>
+  <p:timing>
+    <p:tnLst>
+      <p:par>
+        <p:cTn id="1" dur="indefinite" restart="never" nodeType="tmRoot"/>
+      </p:par>
+    </p:tnLst>
+  </p:timing>
+</p:sld>
+</file>
+
+<file path=ppt/slides/slide11.xml><?xml version="1.0" encoding="utf-8"?>
+<p:sld xmlns:a="http://schemas.openxmlformats.org/drawingml/2006/main" xmlns:r="http://schemas.openxmlformats.org/officeDocument/2006/relationships" xmlns:p="http://schemas.openxmlformats.org/presentationml/2006/main" show="0">
+  <p:cSld>
+    <p:spTree>
+      <p:nvGrpSpPr>
+        <p:cNvPr id="1" name=""/>
+        <p:cNvGrpSpPr/>
+        <p:nvPr/>
+      </p:nvGrpSpPr>
+      <p:grpSpPr>
+        <a:xfrm>
+          <a:off x="0" y="0"/>
+          <a:ext cx="0" cy="0"/>
+          <a:chOff x="0" y="0"/>
+          <a:chExt cx="0" cy="0"/>
+        </a:xfrm>
+      </p:grpSpPr>
+      <p:sp>
+        <p:nvSpPr>
+          <p:cNvPr id="4" name="Footer Placeholder 3"/>
+          <p:cNvSpPr>
+            <a:spLocks noGrp="1"/>
+          </p:cNvSpPr>
+          <p:nvPr>
+            <p:ph type="ftr" sz="quarter" idx="10"/>
+          </p:nvPr>
+        </p:nvSpPr>
+        <p:spPr/>
+        <p:txBody>
+          <a:bodyPr/>
+          <a:lstStyle/>
+          <a:p>
+            <a:r>
+              <a:rPr lang="en-US" smtClean="0"/>
+              <a:t>LM Foundation</a:t>
+            </a:r>
+            <a:endParaRPr lang="en-US"/>
+          </a:p>
+        </p:txBody>
+      </p:sp>
+      <p:sp>
+        <p:nvSpPr>
+          <p:cNvPr id="5" name="Slide Number Placeholder 4"/>
+          <p:cNvSpPr>
+            <a:spLocks noGrp="1"/>
+          </p:cNvSpPr>
+          <p:nvPr>
+            <p:ph type="sldNum" sz="quarter" idx="11"/>
+          </p:nvPr>
+        </p:nvSpPr>
+        <p:spPr/>
+        <p:txBody>
+          <a:bodyPr/>
+          <a:lstStyle/>
+          <a:p>
+            <a:fld id="{2DF5461C-7FAD-4378-B074-D0FEBA4BBCD3}" type="slidenum">
+              <a:rPr lang="en-US" smtClean="0"/>
+              <a:pPr/>
+              <a:t>11</a:t>
+            </a:fld>
+            <a:endParaRPr lang="en-US"/>
+          </a:p>
+        </p:txBody>
+      </p:sp>
+      <p:sp>
+        <p:nvSpPr>
+          <p:cNvPr id="6" name="Title 1"/>
+          <p:cNvSpPr>
+            <a:spLocks noGrp="1"/>
+          </p:cNvSpPr>
+          <p:nvPr>
+            <p:ph type="title"/>
+          </p:nvPr>
+        </p:nvSpPr>
+        <p:spPr>
+          <a:xfrm>
+            <a:off x="65088" y="122238"/>
+            <a:ext cx="9012237" cy="868362"/>
+          </a:xfrm>
+        </p:spPr>
+        <p:txBody>
+          <a:bodyPr/>
+          <a:lstStyle/>
+          <a:p>
+            <a:r>
+              <a:rPr lang="en-US" dirty="0" smtClean="0"/>
+              <a:t>Which Test? Why?</a:t>
+            </a:r>
+            <a:endParaRPr lang="en-US" dirty="0"/>
+          </a:p>
+        </p:txBody>
+      </p:sp>
+      <p:pic>
+        <p:nvPicPr>
+          <p:cNvPr id="193538" name="Picture 2" descr="http://www.scielo.br/img/revistas/bjb/v63n2/a17fig01.gif"/>
+          <p:cNvPicPr>
+            <a:picLocks noChangeAspect="1" noChangeArrowheads="1"/>
+          </p:cNvPicPr>
+          <p:nvPr/>
+        </p:nvPicPr>
+        <p:blipFill>
+          <a:blip r:embed="rId2">
+            <a:extLst>
+              <a:ext uri="{28A0092B-C50C-407E-A947-70E740481C1C}">
+                <a14:useLocalDpi xmlns:a14="http://schemas.microsoft.com/office/drawing/2010/main" val="0"/>
+              </a:ext>
+            </a:extLst>
+          </a:blip>
+          <a:srcRect/>
+          <a:stretch>
+            <a:fillRect/>
+          </a:stretch>
+        </p:blipFill>
+        <p:spPr bwMode="auto">
+          <a:xfrm>
+            <a:off x="1981200" y="990600"/>
+            <a:ext cx="5715000" cy="5644793"/>
+          </a:xfrm>
+          <a:prstGeom prst="rect">
+            <a:avLst/>
+          </a:prstGeom>
+          <a:noFill/>
+          <a:extLst>
+            <a:ext uri="{909E8E84-426E-40DD-AFC4-6F175D3DCCD1}">
+              <a14:hiddenFill xmlns:a14="http://schemas.microsoft.com/office/drawing/2010/main">
+                <a:solidFill>
+                  <a:srgbClr val="FFFFFF"/>
+                </a:solidFill>
+              </a14:hiddenFill>
+            </a:ext>
+          </a:extLst>
+        </p:spPr>
+      </p:pic>
+    </p:spTree>
+    <p:extLst>
+      <p:ext uri="{BB962C8B-B14F-4D97-AF65-F5344CB8AC3E}">
+        <p14:creationId xmlns:p14="http://schemas.microsoft.com/office/powerpoint/2010/main" val="1804882695"/>
+      </p:ext>
+    </p:extLst>
+  </p:cSld>
+  <p:clrMapOvr>
+    <a:masterClrMapping/>
+  </p:clrMapOvr>
+  <mc:AlternateContent xmlns:mc="http://schemas.openxmlformats.org/markup-compatibility/2006">
+    <mc:Choice xmlns:p14="http://schemas.microsoft.com/office/powerpoint/2010/main" Requires="p14">
+      <p:transition spd="slow" p14:dur="2000"/>
+    </mc:Choice>
+    <mc:Fallback>
+      <p:transition spd="slow"/>
+    </mc:Fallback>
+  </mc:AlternateContent>
+  <p:timing>
+    <p:tnLst>
+      <p:par>
+        <p:cTn id="1" dur="indefinite" restart="never" nodeType="tmRoot"/>
+      </p:par>
+    </p:tnLst>
+  </p:timing>
+</p:sld>
+</file>
+
+<file path=ppt/slides/slide12.xml><?xml version="1.0" encoding="utf-8"?>
 <p:sld xmlns:a="http://schemas.openxmlformats.org/drawingml/2006/main" xmlns:r="http://schemas.openxmlformats.org/officeDocument/2006/relationships" xmlns:p="http://schemas.openxmlformats.org/presentationml/2006/main">
   <p:cSld>
     <p:spTree>
@@ -3630,7 +3954,7 @@
             <a:fld id="{BCE2B70E-1790-410C-8474-796ED8699327}" type="slidenum">
               <a:rPr lang="en-US"/>
               <a:pPr/>
-              <a:t>10</a:t>
+              <a:t>12</a:t>
             </a:fld>
             <a:endParaRPr lang="en-US"/>
           </a:p>
@@ -3841,7 +4165,7 @@
 </p:sld>
 </file>
 
-<file path=ppt/slides/slide11.xml><?xml version="1.0" encoding="utf-8"?>
+<file path=ppt/slides/slide13.xml><?xml version="1.0" encoding="utf-8"?>
 <p:sld xmlns:a="http://schemas.openxmlformats.org/drawingml/2006/main" xmlns:r="http://schemas.openxmlformats.org/officeDocument/2006/relationships" xmlns:p="http://schemas.openxmlformats.org/presentationml/2006/main">
   <p:cSld>
     <p:spTree>
@@ -3898,7 +4222,7 @@
             <a:fld id="{56FAE41D-D92A-4900-8FE6-0712747FCD6D}" type="slidenum">
               <a:rPr lang="en-US"/>
               <a:pPr/>
-              <a:t>11</a:t>
+              <a:t>13</a:t>
             </a:fld>
             <a:endParaRPr lang="en-US"/>
           </a:p>
@@ -4368,7 +4692,7 @@
 </p:sld>
 </file>
 
-<file path=ppt/slides/slide12.xml><?xml version="1.0" encoding="utf-8"?>
+<file path=ppt/slides/slide14.xml><?xml version="1.0" encoding="utf-8"?>
 <p:sld xmlns:a="http://schemas.openxmlformats.org/drawingml/2006/main" xmlns:r="http://schemas.openxmlformats.org/officeDocument/2006/relationships" xmlns:p="http://schemas.openxmlformats.org/presentationml/2006/main">
   <p:cSld>
     <p:spTree>
@@ -4449,7 +4773,7 @@
             <a:fld id="{2DF5461C-7FAD-4378-B074-D0FEBA4BBCD3}" type="slidenum">
               <a:rPr lang="en-US" smtClean="0"/>
               <a:pPr/>
-              <a:t>12</a:t>
+              <a:t>14</a:t>
             </a:fld>
             <a:endParaRPr lang="en-US"/>
           </a:p>
@@ -5428,7 +5752,7 @@
 </p:sld>
 </file>
 
-<file path=ppt/slides/slide13.xml><?xml version="1.0" encoding="utf-8"?>
+<file path=ppt/slides/slide15.xml><?xml version="1.0" encoding="utf-8"?>
 <p:sld xmlns:a="http://schemas.openxmlformats.org/drawingml/2006/main" xmlns:r="http://schemas.openxmlformats.org/officeDocument/2006/relationships" xmlns:p="http://schemas.openxmlformats.org/presentationml/2006/main">
   <p:cSld>
     <p:spTree>
@@ -5509,7 +5833,7 @@
             <a:fld id="{2DF5461C-7FAD-4378-B074-D0FEBA4BBCD3}" type="slidenum">
               <a:rPr lang="en-US" smtClean="0"/>
               <a:pPr/>
-              <a:t>13</a:t>
+              <a:t>15</a:t>
             </a:fld>
             <a:endParaRPr lang="en-US"/>
           </a:p>
@@ -6062,7 +6386,7 @@
 </p:sld>
 </file>
 
-<file path=ppt/slides/slide14.xml><?xml version="1.0" encoding="utf-8"?>
+<file path=ppt/slides/slide16.xml><?xml version="1.0" encoding="utf-8"?>
 <p:sld xmlns:a="http://schemas.openxmlformats.org/drawingml/2006/main" xmlns:r="http://schemas.openxmlformats.org/officeDocument/2006/relationships" xmlns:p="http://schemas.openxmlformats.org/presentationml/2006/main">
   <p:cSld>
     <p:spTree>
@@ -6119,7 +6443,7 @@
             <a:fld id="{FA590A10-0C3F-4A36-BFC9-3F06CDE6602F}" type="slidenum">
               <a:rPr lang="en-US"/>
               <a:pPr/>
-              <a:t>14</a:t>
+              <a:t>16</a:t>
             </a:fld>
             <a:endParaRPr lang="en-US"/>
           </a:p>
@@ -6448,7 +6772,7 @@
 </p:sld>
 </file>
 
-<file path=ppt/slides/slide15.xml><?xml version="1.0" encoding="utf-8"?>
+<file path=ppt/slides/slide17.xml><?xml version="1.0" encoding="utf-8"?>
 <p:sld xmlns:a="http://schemas.openxmlformats.org/drawingml/2006/main" xmlns:r="http://schemas.openxmlformats.org/officeDocument/2006/relationships" xmlns:p="http://schemas.openxmlformats.org/presentationml/2006/main">
   <p:cSld>
     <p:spTree>
@@ -6505,7 +6829,7 @@
             <a:fld id="{605CB4AD-3616-434C-B27B-28A3B2617624}" type="slidenum">
               <a:rPr lang="en-US"/>
               <a:pPr/>
-              <a:t>15</a:t>
+              <a:t>17</a:t>
             </a:fld>
             <a:endParaRPr lang="en-US"/>
           </a:p>
@@ -6868,7 +7192,7 @@
 </p:sld>
 </file>
 
-<file path=ppt/slides/slide16.xml><?xml version="1.0" encoding="utf-8"?>
+<file path=ppt/slides/slide18.xml><?xml version="1.0" encoding="utf-8"?>
 <p:sld xmlns:a="http://schemas.openxmlformats.org/drawingml/2006/main" xmlns:r="http://schemas.openxmlformats.org/officeDocument/2006/relationships" xmlns:p="http://schemas.openxmlformats.org/presentationml/2006/main">
   <p:cSld>
     <p:spTree>
@@ -6931,7 +7255,7 @@
             <a:fld id="{2DF5461C-7FAD-4378-B074-D0FEBA4BBCD3}" type="slidenum">
               <a:rPr lang="en-US" smtClean="0"/>
               <a:pPr/>
-              <a:t>16</a:t>
+              <a:t>18</a:t>
             </a:fld>
             <a:endParaRPr lang="en-US"/>
           </a:p>
@@ -7732,7 +8056,7 @@
 </p:sld>
 </file>
 
-<file path=ppt/slides/slide17.xml><?xml version="1.0" encoding="utf-8"?>
+<file path=ppt/slides/slide19.xml><?xml version="1.0" encoding="utf-8"?>
 <p:sld xmlns:a="http://schemas.openxmlformats.org/drawingml/2006/main" xmlns:r="http://schemas.openxmlformats.org/officeDocument/2006/relationships" xmlns:p="http://schemas.openxmlformats.org/presentationml/2006/main">
   <p:cSld>
     <p:spTree>
@@ -7977,7 +8301,7 @@
 </p:sld>
 </file>
 
-<file path=ppt/slides/slide18.xml><?xml version="1.0" encoding="utf-8"?>
+<file path=ppt/slides/slide2.xml><?xml version="1.0" encoding="utf-8"?>
 <p:sld xmlns:a="http://schemas.openxmlformats.org/drawingml/2006/main" xmlns:r="http://schemas.openxmlformats.org/officeDocument/2006/relationships" xmlns:p="http://schemas.openxmlformats.org/presentationml/2006/main">
   <p:cSld>
     <p:spTree>
@@ -7996,6 +8320,80 @@
       </p:grpSpPr>
       <p:sp>
         <p:nvSpPr>
+          <p:cNvPr id="2" name="Title 1"/>
+          <p:cNvSpPr>
+            <a:spLocks noGrp="1"/>
+          </p:cNvSpPr>
+          <p:nvPr>
+            <p:ph type="title"/>
+          </p:nvPr>
+        </p:nvSpPr>
+        <p:spPr/>
+        <p:txBody>
+          <a:bodyPr/>
+          <a:lstStyle/>
+          <a:p>
+            <a:r>
+              <a:rPr lang="en-US" dirty="0" smtClean="0"/>
+              <a:t>Class Exercise Handout</a:t>
+            </a:r>
+            <a:endParaRPr lang="en-US" dirty="0"/>
+          </a:p>
+        </p:txBody>
+      </p:sp>
+      <p:sp>
+        <p:nvSpPr>
+          <p:cNvPr id="3" name="Content Placeholder 2"/>
+          <p:cNvSpPr>
+            <a:spLocks noGrp="1"/>
+          </p:cNvSpPr>
+          <p:nvPr>
+            <p:ph idx="1"/>
+          </p:nvPr>
+        </p:nvSpPr>
+        <p:spPr/>
+        <p:txBody>
+          <a:bodyPr/>
+          <a:lstStyle/>
+          <a:p>
+            <a:r>
+              <a:rPr lang="en-US" dirty="0" smtClean="0"/>
+              <a:t>What Type of Variables?</a:t>
+            </a:r>
+          </a:p>
+          <a:p>
+            <a:pPr lvl="1"/>
+            <a:r>
+              <a:rPr lang="en-US" dirty="0" smtClean="0"/>
+              <a:t>Before you begin … what are your choices (main categories, subcategories)?</a:t>
+            </a:r>
+          </a:p>
+          <a:p>
+            <a:pPr lvl="1"/>
+            <a:endParaRPr lang="en-US" dirty="0" smtClean="0"/>
+          </a:p>
+          <a:p>
+            <a:pPr lvl="1"/>
+            <a:endParaRPr lang="en-US" dirty="0" smtClean="0"/>
+          </a:p>
+          <a:p>
+            <a:r>
+              <a:rPr lang="en-US" dirty="0" smtClean="0"/>
+              <a:t>What is the Response Variable?</a:t>
+            </a:r>
+          </a:p>
+          <a:p>
+            <a:pPr lvl="1"/>
+            <a:r>
+              <a:rPr lang="en-US" dirty="0" smtClean="0"/>
+              <a:t>Before your being … what is a response variable?</a:t>
+            </a:r>
+            <a:endParaRPr lang="en-US" dirty="0"/>
+          </a:p>
+        </p:txBody>
+      </p:sp>
+      <p:sp>
+        <p:nvSpPr>
           <p:cNvPr id="4" name="Footer Placeholder 3"/>
           <p:cNvSpPr>
             <a:spLocks noGrp="1"/>
@@ -8010,9 +8408,10 @@
           <a:lstStyle/>
           <a:p>
             <a:r>
-              <a:rPr lang="en-US"/>
+              <a:rPr lang="en-US" smtClean="0"/>
               <a:t>LM Foundation</a:t>
             </a:r>
+            <a:endParaRPr lang="en-US"/>
           </a:p>
         </p:txBody>
       </p:sp>
@@ -8031,10 +8430,199 @@
           <a:bodyPr/>
           <a:lstStyle/>
           <a:p>
+            <a:fld id="{2DF5461C-7FAD-4378-B074-D0FEBA4BBCD3}" type="slidenum">
+              <a:rPr lang="en-US" smtClean="0"/>
+              <a:pPr/>
+              <a:t>2</a:t>
+            </a:fld>
+            <a:endParaRPr lang="en-US"/>
+          </a:p>
+        </p:txBody>
+      </p:sp>
+    </p:spTree>
+    <p:extLst>
+      <p:ext uri="{BB962C8B-B14F-4D97-AF65-F5344CB8AC3E}">
+        <p14:creationId xmlns:p14="http://schemas.microsoft.com/office/powerpoint/2010/main" val="2514784691"/>
+      </p:ext>
+    </p:extLst>
+  </p:cSld>
+  <p:clrMapOvr>
+    <a:masterClrMapping/>
+  </p:clrMapOvr>
+  <p:timing>
+    <p:tnLst>
+      <p:par>
+        <p:cTn id="1" dur="indefinite" restart="never" nodeType="tmRoot">
+          <p:childTnLst>
+            <p:seq concurrent="1" nextAc="seek">
+              <p:cTn id="2" dur="indefinite" nodeType="mainSeq">
+                <p:childTnLst>
+                  <p:par>
+                    <p:cTn id="3" fill="hold">
+                      <p:stCondLst>
+                        <p:cond delay="indefinite"/>
+                      </p:stCondLst>
+                      <p:childTnLst>
+                        <p:par>
+                          <p:cTn id="4" fill="hold">
+                            <p:stCondLst>
+                              <p:cond delay="0"/>
+                            </p:stCondLst>
+                            <p:childTnLst>
+                              <p:par>
+                                <p:cTn id="5" presetID="1" presetClass="entr" presetSubtype="0" fill="hold" grpId="0" nodeType="clickEffect">
+                                  <p:stCondLst>
+                                    <p:cond delay="0"/>
+                                  </p:stCondLst>
+                                  <p:childTnLst>
+                                    <p:set>
+                                      <p:cBhvr>
+                                        <p:cTn id="6" dur="1" fill="hold">
+                                          <p:stCondLst>
+                                            <p:cond delay="0"/>
+                                          </p:stCondLst>
+                                        </p:cTn>
+                                        <p:tgtEl>
+                                          <p:spTgt spid="3">
+                                            <p:txEl>
+                                              <p:pRg st="4" end="4"/>
+                                            </p:txEl>
+                                          </p:spTgt>
+                                        </p:tgtEl>
+                                        <p:attrNameLst>
+                                          <p:attrName>style.visibility</p:attrName>
+                                        </p:attrNameLst>
+                                      </p:cBhvr>
+                                      <p:to>
+                                        <p:strVal val="visible"/>
+                                      </p:to>
+                                    </p:set>
+                                  </p:childTnLst>
+                                </p:cTn>
+                              </p:par>
+                              <p:par>
+                                <p:cTn id="7" presetID="1" presetClass="entr" presetSubtype="0" fill="hold" grpId="0" nodeType="withEffect">
+                                  <p:stCondLst>
+                                    <p:cond delay="0"/>
+                                  </p:stCondLst>
+                                  <p:childTnLst>
+                                    <p:set>
+                                      <p:cBhvr>
+                                        <p:cTn id="8" dur="1" fill="hold">
+                                          <p:stCondLst>
+                                            <p:cond delay="0"/>
+                                          </p:stCondLst>
+                                        </p:cTn>
+                                        <p:tgtEl>
+                                          <p:spTgt spid="3">
+                                            <p:txEl>
+                                              <p:pRg st="5" end="5"/>
+                                            </p:txEl>
+                                          </p:spTgt>
+                                        </p:tgtEl>
+                                        <p:attrNameLst>
+                                          <p:attrName>style.visibility</p:attrName>
+                                        </p:attrNameLst>
+                                      </p:cBhvr>
+                                      <p:to>
+                                        <p:strVal val="visible"/>
+                                      </p:to>
+                                    </p:set>
+                                  </p:childTnLst>
+                                </p:cTn>
+                              </p:par>
+                            </p:childTnLst>
+                          </p:cTn>
+                        </p:par>
+                      </p:childTnLst>
+                    </p:cTn>
+                  </p:par>
+                </p:childTnLst>
+              </p:cTn>
+              <p:prevCondLst>
+                <p:cond evt="onPrev" delay="0">
+                  <p:tgtEl>
+                    <p:sldTgt/>
+                  </p:tgtEl>
+                </p:cond>
+              </p:prevCondLst>
+              <p:nextCondLst>
+                <p:cond evt="onNext" delay="0">
+                  <p:tgtEl>
+                    <p:sldTgt/>
+                  </p:tgtEl>
+                </p:cond>
+              </p:nextCondLst>
+            </p:seq>
+          </p:childTnLst>
+        </p:cTn>
+      </p:par>
+    </p:tnLst>
+    <p:bldLst>
+      <p:bldP spid="3" grpId="0" uiExpand="1" build="p"/>
+    </p:bldLst>
+  </p:timing>
+</p:sld>
+</file>
+
+<file path=ppt/slides/slide20.xml><?xml version="1.0" encoding="utf-8"?>
+<p:sld xmlns:a="http://schemas.openxmlformats.org/drawingml/2006/main" xmlns:r="http://schemas.openxmlformats.org/officeDocument/2006/relationships" xmlns:p="http://schemas.openxmlformats.org/presentationml/2006/main">
+  <p:cSld>
+    <p:spTree>
+      <p:nvGrpSpPr>
+        <p:cNvPr id="1" name=""/>
+        <p:cNvGrpSpPr/>
+        <p:nvPr/>
+      </p:nvGrpSpPr>
+      <p:grpSpPr>
+        <a:xfrm>
+          <a:off x="0" y="0"/>
+          <a:ext cx="0" cy="0"/>
+          <a:chOff x="0" y="0"/>
+          <a:chExt cx="0" cy="0"/>
+        </a:xfrm>
+      </p:grpSpPr>
+      <p:sp>
+        <p:nvSpPr>
+          <p:cNvPr id="4" name="Footer Placeholder 3"/>
+          <p:cNvSpPr>
+            <a:spLocks noGrp="1"/>
+          </p:cNvSpPr>
+          <p:nvPr>
+            <p:ph type="ftr" sz="quarter" idx="10"/>
+          </p:nvPr>
+        </p:nvSpPr>
+        <p:spPr/>
+        <p:txBody>
+          <a:bodyPr/>
+          <a:lstStyle/>
+          <a:p>
+            <a:r>
+              <a:rPr lang="en-US"/>
+              <a:t>LM Foundation</a:t>
+            </a:r>
+          </a:p>
+        </p:txBody>
+      </p:sp>
+      <p:sp>
+        <p:nvSpPr>
+          <p:cNvPr id="5" name="Slide Number Placeholder 4"/>
+          <p:cNvSpPr>
+            <a:spLocks noGrp="1"/>
+          </p:cNvSpPr>
+          <p:nvPr>
+            <p:ph type="sldNum" sz="quarter" idx="11"/>
+          </p:nvPr>
+        </p:nvSpPr>
+        <p:spPr/>
+        <p:txBody>
+          <a:bodyPr/>
+          <a:lstStyle/>
+          <a:p>
             <a:fld id="{A463E65D-2EA1-4E1B-9B14-30F30247524D}" type="slidenum">
               <a:rPr lang="en-US"/>
               <a:pPr/>
-              <a:t>18</a:t>
+              <a:t>20</a:t>
             </a:fld>
             <a:endParaRPr lang="en-US"/>
           </a:p>
@@ -8532,7 +9120,7 @@
 </p:sld>
 </file>
 
-<file path=ppt/slides/slide19.xml><?xml version="1.0" encoding="utf-8"?>
+<file path=ppt/slides/slide21.xml><?xml version="1.0" encoding="utf-8"?>
 <p:sld xmlns:a="http://schemas.openxmlformats.org/drawingml/2006/main" xmlns:r="http://schemas.openxmlformats.org/officeDocument/2006/relationships" xmlns:p="http://schemas.openxmlformats.org/presentationml/2006/main">
   <p:cSld>
     <p:spTree>
@@ -8589,7 +9177,7 @@
             <a:fld id="{9613C366-1195-4713-B0B1-FC1AEC6E7B9E}" type="slidenum">
               <a:rPr lang="en-US"/>
               <a:pPr/>
-              <a:t>19</a:t>
+              <a:t>21</a:t>
             </a:fld>
             <a:endParaRPr lang="en-US"/>
           </a:p>
@@ -8979,7 +9567,7 @@
 </p:sld>
 </file>
 
-<file path=ppt/slides/slide2.xml><?xml version="1.0" encoding="utf-8"?>
+<file path=ppt/slides/slide22.xml><?xml version="1.0" encoding="utf-8"?>
 <p:sld xmlns:a="http://schemas.openxmlformats.org/drawingml/2006/main" xmlns:r="http://schemas.openxmlformats.org/officeDocument/2006/relationships" xmlns:p="http://schemas.openxmlformats.org/presentationml/2006/main">
   <p:cSld>
     <p:spTree>
@@ -8998,306 +9586,6 @@
       </p:grpSpPr>
       <p:sp>
         <p:nvSpPr>
-          <p:cNvPr id="2" name="Title 1"/>
-          <p:cNvSpPr>
-            <a:spLocks noGrp="1"/>
-          </p:cNvSpPr>
-          <p:nvPr>
-            <p:ph type="title"/>
-          </p:nvPr>
-        </p:nvSpPr>
-        <p:spPr/>
-        <p:txBody>
-          <a:bodyPr/>
-          <a:lstStyle/>
-          <a:p>
-            <a:r>
-              <a:rPr lang="en-US" dirty="0" smtClean="0"/>
-              <a:t>What Type of Variable?</a:t>
-            </a:r>
-            <a:endParaRPr lang="en-US" dirty="0"/>
-          </a:p>
-        </p:txBody>
-      </p:sp>
-      <p:sp>
-        <p:nvSpPr>
-          <p:cNvPr id="3" name="Content Placeholder 2"/>
-          <p:cNvSpPr>
-            <a:spLocks noGrp="1"/>
-          </p:cNvSpPr>
-          <p:nvPr>
-            <p:ph idx="1"/>
-          </p:nvPr>
-        </p:nvSpPr>
-        <p:spPr>
-          <a:xfrm>
-            <a:off x="457200" y="990600"/>
-            <a:ext cx="8229600" cy="5562600"/>
-          </a:xfrm>
-        </p:spPr>
-        <p:txBody>
-          <a:bodyPr/>
-          <a:lstStyle/>
-          <a:p>
-            <a:pPr marL="457200" indent="-457200">
-              <a:buFont typeface="+mj-lt"/>
-              <a:buAutoNum type="arabicPeriod"/>
-            </a:pPr>
-            <a:r>
-              <a:rPr lang="en-US" sz="2400" dirty="0" smtClean="0"/>
-              <a:t>Temperature (</a:t>
-            </a:r>
-            <a:r>
-              <a:rPr lang="en-US" sz="2400" i="1" baseline="30000" dirty="0" err="1" smtClean="0"/>
-              <a:t>o</a:t>
-            </a:r>
-            <a:r>
-              <a:rPr lang="en-US" sz="2400" i="1" dirty="0" err="1" smtClean="0"/>
-              <a:t>F</a:t>
-            </a:r>
-            <a:r>
-              <a:rPr lang="en-US" sz="2400" dirty="0" smtClean="0"/>
-              <a:t>)</a:t>
-            </a:r>
-          </a:p>
-          <a:p>
-            <a:pPr marL="457200" indent="-457200">
-              <a:buFont typeface="+mj-lt"/>
-              <a:buAutoNum type="arabicPeriod"/>
-            </a:pPr>
-            <a:r>
-              <a:rPr lang="en-US" sz="2400" dirty="0"/>
-              <a:t>Habitat complexity (</a:t>
-            </a:r>
-            <a:r>
-              <a:rPr lang="en-US" sz="2400" i="1" dirty="0"/>
-              <a:t>low, medium, high</a:t>
-            </a:r>
-            <a:r>
-              <a:rPr lang="en-US" sz="2400" dirty="0"/>
-              <a:t>)</a:t>
-            </a:r>
-          </a:p>
-          <a:p>
-            <a:pPr marL="457200" indent="-457200">
-              <a:buFont typeface="+mj-lt"/>
-              <a:buAutoNum type="arabicPeriod"/>
-            </a:pPr>
-            <a:r>
-              <a:rPr lang="en-US" sz="2400" dirty="0" smtClean="0"/>
-              <a:t>Home range size (</a:t>
-            </a:r>
-            <a:r>
-              <a:rPr lang="en-US" sz="2400" i="1" dirty="0" smtClean="0"/>
-              <a:t>m</a:t>
-            </a:r>
-            <a:r>
-              <a:rPr lang="en-US" sz="2400" i="1" baseline="30000" dirty="0" smtClean="0"/>
-              <a:t>2</a:t>
-            </a:r>
-            <a:r>
-              <a:rPr lang="en-US" sz="2400" dirty="0" smtClean="0"/>
-              <a:t>)</a:t>
-            </a:r>
-          </a:p>
-          <a:p>
-            <a:pPr marL="457200" indent="-457200">
-              <a:buFont typeface="+mj-lt"/>
-              <a:buAutoNum type="arabicPeriod"/>
-            </a:pPr>
-            <a:r>
-              <a:rPr lang="en-US" sz="2400" dirty="0" smtClean="0"/>
-              <a:t>Brood size</a:t>
-            </a:r>
-          </a:p>
-          <a:p>
-            <a:pPr marL="457200" indent="-457200">
-              <a:buFont typeface="+mj-lt"/>
-              <a:buAutoNum type="arabicPeriod"/>
-            </a:pPr>
-            <a:r>
-              <a:rPr lang="en-US" sz="2400" dirty="0" smtClean="0"/>
-              <a:t>Forest type (</a:t>
-            </a:r>
-            <a:r>
-              <a:rPr lang="en-US" sz="2400" i="1" dirty="0" smtClean="0"/>
-              <a:t>deciduous, mixed, coniferous</a:t>
-            </a:r>
-            <a:r>
-              <a:rPr lang="en-US" sz="2400" dirty="0" smtClean="0"/>
-              <a:t>)</a:t>
-            </a:r>
-          </a:p>
-          <a:p>
-            <a:pPr marL="457200" indent="-457200">
-              <a:buFont typeface="+mj-lt"/>
-              <a:buAutoNum type="arabicPeriod"/>
-            </a:pPr>
-            <a:r>
-              <a:rPr lang="en-US" sz="2400" dirty="0" smtClean="0"/>
-              <a:t>Number of docks (on a lake shoreline)</a:t>
-            </a:r>
-          </a:p>
-          <a:p>
-            <a:pPr marL="457200" indent="-457200">
-              <a:buFont typeface="+mj-lt"/>
-              <a:buAutoNum type="arabicPeriod"/>
-            </a:pPr>
-            <a:r>
-              <a:rPr lang="en-US" sz="2400" dirty="0" smtClean="0"/>
-              <a:t>Ecoregion (</a:t>
-            </a:r>
-            <a:r>
-              <a:rPr lang="en-US" sz="2400" i="1" dirty="0" smtClean="0"/>
-              <a:t>Northern Lakes &amp; Forests, North Central Hardwood Forests, </a:t>
-            </a:r>
-            <a:r>
-              <a:rPr lang="en-US" sz="2400" i="1" dirty="0" err="1" smtClean="0"/>
-              <a:t>Driftless</a:t>
-            </a:r>
-            <a:r>
-              <a:rPr lang="en-US" sz="2400" i="1" dirty="0" smtClean="0"/>
-              <a:t> Area, Southeastern Wisconsin Till Plains, Central Corn Belt Plains</a:t>
-            </a:r>
-            <a:r>
-              <a:rPr lang="en-US" sz="2400" dirty="0" smtClean="0"/>
-              <a:t>)</a:t>
-            </a:r>
-          </a:p>
-          <a:p>
-            <a:pPr marL="457200" indent="-457200">
-              <a:buFont typeface="+mj-lt"/>
-              <a:buAutoNum type="arabicPeriod"/>
-            </a:pPr>
-            <a:r>
-              <a:rPr lang="en-US" sz="2400" dirty="0" smtClean="0"/>
-              <a:t>Survived (</a:t>
-            </a:r>
-            <a:r>
-              <a:rPr lang="en-US" sz="2400" i="1" dirty="0" smtClean="0"/>
-              <a:t>yes, no</a:t>
-            </a:r>
-            <a:r>
-              <a:rPr lang="en-US" sz="2400" dirty="0" smtClean="0"/>
-              <a:t>)</a:t>
-            </a:r>
-          </a:p>
-          <a:p>
-            <a:pPr marL="457200" indent="-457200">
-              <a:buFont typeface="+mj-lt"/>
-              <a:buAutoNum type="arabicPeriod"/>
-            </a:pPr>
-            <a:r>
-              <a:rPr lang="en-US" sz="2400" dirty="0" smtClean="0"/>
-              <a:t>Age (</a:t>
-            </a:r>
-            <a:r>
-              <a:rPr lang="en-US" sz="2400" i="1" dirty="0" smtClean="0"/>
-              <a:t>years</a:t>
-            </a:r>
-            <a:r>
-              <a:rPr lang="en-US" sz="2400" dirty="0" smtClean="0"/>
-              <a:t>)</a:t>
-            </a:r>
-          </a:p>
-          <a:p>
-            <a:pPr marL="457200" indent="-457200">
-              <a:buFont typeface="+mj-lt"/>
-              <a:buAutoNum type="arabicPeriod"/>
-            </a:pPr>
-            <a:r>
-              <a:rPr lang="en-US" sz="2400" dirty="0" smtClean="0"/>
-              <a:t>Race</a:t>
-            </a:r>
-          </a:p>
-        </p:txBody>
-      </p:sp>
-      <p:sp>
-        <p:nvSpPr>
-          <p:cNvPr id="4" name="Footer Placeholder 3"/>
-          <p:cNvSpPr>
-            <a:spLocks noGrp="1"/>
-          </p:cNvSpPr>
-          <p:nvPr>
-            <p:ph type="ftr" sz="quarter" idx="10"/>
-          </p:nvPr>
-        </p:nvSpPr>
-        <p:spPr/>
-        <p:txBody>
-          <a:bodyPr/>
-          <a:lstStyle/>
-          <a:p>
-            <a:r>
-              <a:rPr lang="en-US" smtClean="0"/>
-              <a:t>LM Foundation</a:t>
-            </a:r>
-            <a:endParaRPr lang="en-US"/>
-          </a:p>
-        </p:txBody>
-      </p:sp>
-      <p:sp>
-        <p:nvSpPr>
-          <p:cNvPr id="5" name="Slide Number Placeholder 4"/>
-          <p:cNvSpPr>
-            <a:spLocks noGrp="1"/>
-          </p:cNvSpPr>
-          <p:nvPr>
-            <p:ph type="sldNum" sz="quarter" idx="11"/>
-          </p:nvPr>
-        </p:nvSpPr>
-        <p:spPr/>
-        <p:txBody>
-          <a:bodyPr/>
-          <a:lstStyle/>
-          <a:p>
-            <a:fld id="{2DF5461C-7FAD-4378-B074-D0FEBA4BBCD3}" type="slidenum">
-              <a:rPr lang="en-US" smtClean="0"/>
-              <a:pPr/>
-              <a:t>2</a:t>
-            </a:fld>
-            <a:endParaRPr lang="en-US"/>
-          </a:p>
-        </p:txBody>
-      </p:sp>
-    </p:spTree>
-    <p:extLst>
-      <p:ext uri="{BB962C8B-B14F-4D97-AF65-F5344CB8AC3E}">
-        <p14:creationId xmlns:p14="http://schemas.microsoft.com/office/powerpoint/2010/main" val="1878733255"/>
-      </p:ext>
-    </p:extLst>
-  </p:cSld>
-  <p:clrMapOvr>
-    <a:masterClrMapping/>
-  </p:clrMapOvr>
-  <p:timing>
-    <p:tnLst>
-      <p:par>
-        <p:cTn id="1" dur="indefinite" restart="never" nodeType="tmRoot"/>
-      </p:par>
-    </p:tnLst>
-  </p:timing>
-</p:sld>
-</file>
-
-<file path=ppt/slides/slide20.xml><?xml version="1.0" encoding="utf-8"?>
-<p:sld xmlns:a="http://schemas.openxmlformats.org/drawingml/2006/main" xmlns:r="http://schemas.openxmlformats.org/officeDocument/2006/relationships" xmlns:p="http://schemas.openxmlformats.org/presentationml/2006/main">
-  <p:cSld>
-    <p:spTree>
-      <p:nvGrpSpPr>
-        <p:cNvPr id="1" name=""/>
-        <p:cNvGrpSpPr/>
-        <p:nvPr/>
-      </p:nvGrpSpPr>
-      <p:grpSpPr>
-        <a:xfrm>
-          <a:off x="0" y="0"/>
-          <a:ext cx="0" cy="0"/>
-          <a:chOff x="0" y="0"/>
-          <a:chExt cx="0" cy="0"/>
-        </a:xfrm>
-      </p:grpSpPr>
-      <p:sp>
-        <p:nvSpPr>
           <p:cNvPr id="5" name="Footer Placeholder 3"/>
           <p:cNvSpPr>
             <a:spLocks noGrp="1"/>
@@ -9336,7 +9624,7 @@
             <a:fld id="{6D4E392F-33CE-4451-8767-C4BAE1EB71FE}" type="slidenum">
               <a:rPr lang="en-US"/>
               <a:pPr/>
-              <a:t>20</a:t>
+              <a:t>22</a:t>
             </a:fld>
             <a:endParaRPr lang="en-US"/>
           </a:p>
@@ -9970,7 +10258,7 @@
 </p:sld>
 </file>
 
-<file path=ppt/slides/slide21.xml><?xml version="1.0" encoding="utf-8"?>
+<file path=ppt/slides/slide23.xml><?xml version="1.0" encoding="utf-8"?>
 <p:sld xmlns:a="http://schemas.openxmlformats.org/drawingml/2006/main" xmlns:r="http://schemas.openxmlformats.org/officeDocument/2006/relationships" xmlns:p="http://schemas.openxmlformats.org/presentationml/2006/main">
   <p:cSld>
     <p:spTree>
@@ -10027,7 +10315,7 @@
             <a:fld id="{12EB9D16-29B1-4F7F-AA07-F203581A25AD}" type="slidenum">
               <a:rPr lang="en-US"/>
               <a:pPr/>
-              <a:t>21</a:t>
+              <a:t>23</a:t>
             </a:fld>
             <a:endParaRPr lang="en-US"/>
           </a:p>
@@ -10541,7 +10829,7 @@
 </p:sld>
 </file>
 
-<file path=ppt/slides/slide22.xml><?xml version="1.0" encoding="utf-8"?>
+<file path=ppt/slides/slide24.xml><?xml version="1.0" encoding="utf-8"?>
 <p:sld xmlns:a="http://schemas.openxmlformats.org/drawingml/2006/main" xmlns:r="http://schemas.openxmlformats.org/officeDocument/2006/relationships" xmlns:p="http://schemas.openxmlformats.org/presentationml/2006/main">
   <p:cSld>
     <p:spTree>
@@ -11137,7 +11425,7 @@
 </p:sld>
 </file>
 
-<file path=ppt/slides/slide23.xml><?xml version="1.0" encoding="utf-8"?>
+<file path=ppt/slides/slide25.xml><?xml version="1.0" encoding="utf-8"?>
 <p:sld xmlns:a="http://schemas.openxmlformats.org/drawingml/2006/main" xmlns:r="http://schemas.openxmlformats.org/officeDocument/2006/relationships" xmlns:p="http://schemas.openxmlformats.org/presentationml/2006/main">
   <p:cSld>
     <p:spTree>
@@ -11194,7 +11482,7 @@
             <a:fld id="{7A12174E-2EF4-4953-834D-C4B107D3AA58}" type="slidenum">
               <a:rPr lang="en-US"/>
               <a:pPr/>
-              <a:t>23</a:t>
+              <a:t>25</a:t>
             </a:fld>
             <a:endParaRPr lang="en-US"/>
           </a:p>
@@ -11607,7 +11895,7 @@
 </p:sld>
 </file>
 
-<file path=ppt/slides/slide24.xml><?xml version="1.0" encoding="utf-8"?>
+<file path=ppt/slides/slide26.xml><?xml version="1.0" encoding="utf-8"?>
 <p:sld xmlns:a="http://schemas.openxmlformats.org/drawingml/2006/main" xmlns:r="http://schemas.openxmlformats.org/officeDocument/2006/relationships" xmlns:p="http://schemas.openxmlformats.org/presentationml/2006/main">
   <p:cSld>
     <p:spTree>
@@ -11664,7 +11952,7 @@
             <a:fld id="{E52AC1AC-31F4-43AA-87D1-C177E97483AF}" type="slidenum">
               <a:rPr lang="en-US"/>
               <a:pPr/>
-              <a:t>24</a:t>
+              <a:t>26</a:t>
             </a:fld>
             <a:endParaRPr lang="en-US"/>
           </a:p>
@@ -12279,7 +12567,7 @@
 </p:sld>
 </file>
 
-<file path=ppt/slides/slide25.xml><?xml version="1.0" encoding="utf-8"?>
+<file path=ppt/slides/slide27.xml><?xml version="1.0" encoding="utf-8"?>
 <p:sld xmlns:a="http://schemas.openxmlformats.org/drawingml/2006/main" xmlns:r="http://schemas.openxmlformats.org/officeDocument/2006/relationships" xmlns:p="http://schemas.openxmlformats.org/presentationml/2006/main">
   <p:cSld>
     <p:spTree>
@@ -12336,7 +12624,7 @@
             <a:fld id="{7FFEE7CD-F77C-483C-BF05-EC7E8B8FD909}" type="slidenum">
               <a:rPr lang="en-US"/>
               <a:pPr/>
-              <a:t>25</a:t>
+              <a:t>27</a:t>
             </a:fld>
             <a:endParaRPr lang="en-US"/>
           </a:p>
@@ -12612,7 +12900,7 @@
 </p:sld>
 </file>
 
-<file path=ppt/slides/slide26.xml><?xml version="1.0" encoding="utf-8"?>
+<file path=ppt/slides/slide28.xml><?xml version="1.0" encoding="utf-8"?>
 <p:sld xmlns:a="http://schemas.openxmlformats.org/drawingml/2006/main" xmlns:r="http://schemas.openxmlformats.org/officeDocument/2006/relationships" xmlns:p="http://schemas.openxmlformats.org/presentationml/2006/main">
   <p:cSld>
     <p:spTree>
@@ -12669,7 +12957,7 @@
             <a:fld id="{94F38E73-BC61-4761-AD4E-0E8AD4EF18FB}" type="slidenum">
               <a:rPr lang="en-US"/>
               <a:pPr/>
-              <a:t>26</a:t>
+              <a:t>28</a:t>
             </a:fld>
             <a:endParaRPr lang="en-US"/>
           </a:p>
@@ -13174,7 +13462,7 @@
 </p:sld>
 </file>
 
-<file path=ppt/slides/slide27.xml><?xml version="1.0" encoding="utf-8"?>
+<file path=ppt/slides/slide29.xml><?xml version="1.0" encoding="utf-8"?>
 <p:sld xmlns:a="http://schemas.openxmlformats.org/drawingml/2006/main" xmlns:r="http://schemas.openxmlformats.org/officeDocument/2006/relationships" xmlns:p="http://schemas.openxmlformats.org/presentationml/2006/main">
   <p:cSld>
     <p:spTree>
@@ -13231,7 +13519,7 @@
             <a:fld id="{2CE40764-87BD-4F78-9E12-968AF57EE790}" type="slidenum">
               <a:rPr lang="en-US"/>
               <a:pPr/>
-              <a:t>27</a:t>
+              <a:t>29</a:t>
             </a:fld>
             <a:endParaRPr lang="en-US"/>
           </a:p>
@@ -13747,7 +14035,315 @@
 </p:sld>
 </file>
 
-<file path=ppt/slides/slide28.xml><?xml version="1.0" encoding="utf-8"?>
+<file path=ppt/slides/slide3.xml><?xml version="1.0" encoding="utf-8"?>
+<p:sld xmlns:a="http://schemas.openxmlformats.org/drawingml/2006/main" xmlns:r="http://schemas.openxmlformats.org/officeDocument/2006/relationships" xmlns:p="http://schemas.openxmlformats.org/presentationml/2006/main" show="0">
+  <p:cSld>
+    <p:spTree>
+      <p:nvGrpSpPr>
+        <p:cNvPr id="1" name=""/>
+        <p:cNvGrpSpPr/>
+        <p:nvPr/>
+      </p:nvGrpSpPr>
+      <p:grpSpPr>
+        <a:xfrm>
+          <a:off x="0" y="0"/>
+          <a:ext cx="0" cy="0"/>
+          <a:chOff x="0" y="0"/>
+          <a:chExt cx="0" cy="0"/>
+        </a:xfrm>
+      </p:grpSpPr>
+      <p:sp>
+        <p:nvSpPr>
+          <p:cNvPr id="2" name="Title 1"/>
+          <p:cNvSpPr>
+            <a:spLocks noGrp="1"/>
+          </p:cNvSpPr>
+          <p:nvPr>
+            <p:ph type="title"/>
+          </p:nvPr>
+        </p:nvSpPr>
+        <p:spPr/>
+        <p:txBody>
+          <a:bodyPr/>
+          <a:lstStyle/>
+          <a:p>
+            <a:r>
+              <a:rPr lang="en-US" dirty="0" smtClean="0"/>
+              <a:t>What Type of Variable?</a:t>
+            </a:r>
+            <a:endParaRPr lang="en-US" dirty="0"/>
+          </a:p>
+        </p:txBody>
+      </p:sp>
+      <p:sp>
+        <p:nvSpPr>
+          <p:cNvPr id="3" name="Content Placeholder 2"/>
+          <p:cNvSpPr>
+            <a:spLocks noGrp="1"/>
+          </p:cNvSpPr>
+          <p:nvPr>
+            <p:ph idx="1"/>
+          </p:nvPr>
+        </p:nvSpPr>
+        <p:spPr>
+          <a:xfrm>
+            <a:off x="457200" y="990600"/>
+            <a:ext cx="8229600" cy="5562600"/>
+          </a:xfrm>
+        </p:spPr>
+        <p:txBody>
+          <a:bodyPr/>
+          <a:lstStyle/>
+          <a:p>
+            <a:pPr marL="457200" indent="-457200">
+              <a:buFont typeface="+mj-lt"/>
+              <a:buAutoNum type="arabicPeriod"/>
+            </a:pPr>
+            <a:r>
+              <a:rPr lang="en-US" sz="2400" dirty="0" smtClean="0"/>
+              <a:t>Temperature (</a:t>
+            </a:r>
+            <a:r>
+              <a:rPr lang="en-US" sz="2400" i="1" baseline="30000" dirty="0" err="1" smtClean="0"/>
+              <a:t>o</a:t>
+            </a:r>
+            <a:r>
+              <a:rPr lang="en-US" sz="2400" i="1" dirty="0" err="1" smtClean="0"/>
+              <a:t>F</a:t>
+            </a:r>
+            <a:r>
+              <a:rPr lang="en-US" sz="2400" dirty="0" smtClean="0"/>
+              <a:t>)</a:t>
+            </a:r>
+          </a:p>
+          <a:p>
+            <a:pPr marL="457200" indent="-457200">
+              <a:buFont typeface="+mj-lt"/>
+              <a:buAutoNum type="arabicPeriod"/>
+            </a:pPr>
+            <a:r>
+              <a:rPr lang="en-US" sz="2400" dirty="0"/>
+              <a:t>Habitat complexity (</a:t>
+            </a:r>
+            <a:r>
+              <a:rPr lang="en-US" sz="2400" i="1" dirty="0"/>
+              <a:t>low, medium, high</a:t>
+            </a:r>
+            <a:r>
+              <a:rPr lang="en-US" sz="2400" dirty="0"/>
+              <a:t>)</a:t>
+            </a:r>
+          </a:p>
+          <a:p>
+            <a:pPr marL="457200" indent="-457200">
+              <a:buFont typeface="+mj-lt"/>
+              <a:buAutoNum type="arabicPeriod"/>
+            </a:pPr>
+            <a:r>
+              <a:rPr lang="en-US" sz="2400" dirty="0" smtClean="0"/>
+              <a:t>Home range size (</a:t>
+            </a:r>
+            <a:r>
+              <a:rPr lang="en-US" sz="2400" i="1" dirty="0" smtClean="0"/>
+              <a:t>m</a:t>
+            </a:r>
+            <a:r>
+              <a:rPr lang="en-US" sz="2400" i="1" baseline="30000" dirty="0" smtClean="0"/>
+              <a:t>2</a:t>
+            </a:r>
+            <a:r>
+              <a:rPr lang="en-US" sz="2400" dirty="0" smtClean="0"/>
+              <a:t>)</a:t>
+            </a:r>
+          </a:p>
+          <a:p>
+            <a:pPr marL="457200" indent="-457200">
+              <a:buFont typeface="+mj-lt"/>
+              <a:buAutoNum type="arabicPeriod"/>
+            </a:pPr>
+            <a:r>
+              <a:rPr lang="en-US" sz="2400" dirty="0" smtClean="0"/>
+              <a:t>Brood size</a:t>
+            </a:r>
+          </a:p>
+          <a:p>
+            <a:pPr marL="457200" indent="-457200">
+              <a:buFont typeface="+mj-lt"/>
+              <a:buAutoNum type="arabicPeriod"/>
+            </a:pPr>
+            <a:r>
+              <a:rPr lang="en-US" sz="2400" dirty="0" smtClean="0"/>
+              <a:t>Forest type (</a:t>
+            </a:r>
+            <a:r>
+              <a:rPr lang="en-US" sz="2400" i="1" dirty="0" smtClean="0"/>
+              <a:t>deciduous, mixed, coniferous</a:t>
+            </a:r>
+            <a:r>
+              <a:rPr lang="en-US" sz="2400" dirty="0" smtClean="0"/>
+              <a:t>)</a:t>
+            </a:r>
+          </a:p>
+          <a:p>
+            <a:pPr marL="457200" indent="-457200">
+              <a:buFont typeface="+mj-lt"/>
+              <a:buAutoNum type="arabicPeriod"/>
+            </a:pPr>
+            <a:r>
+              <a:rPr lang="en-US" sz="2400" dirty="0" smtClean="0"/>
+              <a:t>Number of docks (on a lake shoreline)</a:t>
+            </a:r>
+          </a:p>
+          <a:p>
+            <a:pPr marL="457200" indent="-457200">
+              <a:buFont typeface="+mj-lt"/>
+              <a:buAutoNum type="arabicPeriod"/>
+            </a:pPr>
+            <a:r>
+              <a:rPr lang="en-US" sz="2400" dirty="0" smtClean="0"/>
+              <a:t>Ecoregion (</a:t>
+            </a:r>
+            <a:r>
+              <a:rPr lang="en-US" sz="2400" i="1" dirty="0" smtClean="0"/>
+              <a:t>Northern Lakes &amp; Forests, North Central Hardwood Forests, </a:t>
+            </a:r>
+            <a:r>
+              <a:rPr lang="en-US" sz="2400" i="1" dirty="0" err="1" smtClean="0"/>
+              <a:t>Driftless</a:t>
+            </a:r>
+            <a:r>
+              <a:rPr lang="en-US" sz="2400" i="1" dirty="0" smtClean="0"/>
+              <a:t> Area, Southeastern Wisconsin Till Plains, Central Corn Belt Plains</a:t>
+            </a:r>
+            <a:r>
+              <a:rPr lang="en-US" sz="2400" dirty="0" smtClean="0"/>
+              <a:t>)</a:t>
+            </a:r>
+          </a:p>
+          <a:p>
+            <a:pPr marL="457200" indent="-457200">
+              <a:buFont typeface="+mj-lt"/>
+              <a:buAutoNum type="arabicPeriod"/>
+            </a:pPr>
+            <a:r>
+              <a:rPr lang="en-US" sz="2400" dirty="0" smtClean="0"/>
+              <a:t>Survived (</a:t>
+            </a:r>
+            <a:r>
+              <a:rPr lang="en-US" sz="2400" i="1" dirty="0" smtClean="0"/>
+              <a:t>yes, no</a:t>
+            </a:r>
+            <a:r>
+              <a:rPr lang="en-US" sz="2400" dirty="0" smtClean="0"/>
+              <a:t>)</a:t>
+            </a:r>
+          </a:p>
+          <a:p>
+            <a:pPr marL="457200" indent="-457200">
+              <a:buFont typeface="+mj-lt"/>
+              <a:buAutoNum type="arabicPeriod"/>
+            </a:pPr>
+            <a:r>
+              <a:rPr lang="en-US" sz="2400" dirty="0" smtClean="0"/>
+              <a:t>Age (</a:t>
+            </a:r>
+            <a:r>
+              <a:rPr lang="en-US" sz="2400" i="1" dirty="0" smtClean="0"/>
+              <a:t>years</a:t>
+            </a:r>
+            <a:r>
+              <a:rPr lang="en-US" sz="2400" dirty="0" smtClean="0"/>
+              <a:t>)</a:t>
+            </a:r>
+          </a:p>
+          <a:p>
+            <a:pPr marL="457200" indent="-457200">
+              <a:buFont typeface="+mj-lt"/>
+              <a:buAutoNum type="arabicPeriod"/>
+            </a:pPr>
+            <a:r>
+              <a:rPr lang="en-US" sz="2400" dirty="0" smtClean="0"/>
+              <a:t>Race</a:t>
+            </a:r>
+          </a:p>
+        </p:txBody>
+      </p:sp>
+      <p:sp>
+        <p:nvSpPr>
+          <p:cNvPr id="4" name="Footer Placeholder 3"/>
+          <p:cNvSpPr>
+            <a:spLocks noGrp="1"/>
+          </p:cNvSpPr>
+          <p:nvPr>
+            <p:ph type="ftr" sz="quarter" idx="10"/>
+          </p:nvPr>
+        </p:nvSpPr>
+        <p:spPr/>
+        <p:txBody>
+          <a:bodyPr/>
+          <a:lstStyle/>
+          <a:p>
+            <a:r>
+              <a:rPr lang="en-US" smtClean="0"/>
+              <a:t>LM Foundation</a:t>
+            </a:r>
+            <a:endParaRPr lang="en-US"/>
+          </a:p>
+        </p:txBody>
+      </p:sp>
+      <p:sp>
+        <p:nvSpPr>
+          <p:cNvPr id="5" name="Slide Number Placeholder 4"/>
+          <p:cNvSpPr>
+            <a:spLocks noGrp="1"/>
+          </p:cNvSpPr>
+          <p:nvPr>
+            <p:ph type="sldNum" sz="quarter" idx="11"/>
+          </p:nvPr>
+        </p:nvSpPr>
+        <p:spPr/>
+        <p:txBody>
+          <a:bodyPr/>
+          <a:lstStyle/>
+          <a:p>
+            <a:fld id="{2DF5461C-7FAD-4378-B074-D0FEBA4BBCD3}" type="slidenum">
+              <a:rPr lang="en-US" smtClean="0"/>
+              <a:pPr/>
+              <a:t>3</a:t>
+            </a:fld>
+            <a:endParaRPr lang="en-US"/>
+          </a:p>
+        </p:txBody>
+      </p:sp>
+    </p:spTree>
+    <p:extLst>
+      <p:ext uri="{BB962C8B-B14F-4D97-AF65-F5344CB8AC3E}">
+        <p14:creationId xmlns:p14="http://schemas.microsoft.com/office/powerpoint/2010/main" val="1878733255"/>
+      </p:ext>
+    </p:extLst>
+  </p:cSld>
+  <p:clrMapOvr>
+    <a:masterClrMapping/>
+  </p:clrMapOvr>
+  <mc:AlternateContent xmlns:mc="http://schemas.openxmlformats.org/markup-compatibility/2006">
+    <mc:Choice xmlns:p14="http://schemas.microsoft.com/office/powerpoint/2010/main" Requires="p14">
+      <p:transition spd="slow" p14:dur="2000"/>
+    </mc:Choice>
+    <mc:Fallback>
+      <p:transition spd="slow"/>
+    </mc:Fallback>
+  </mc:AlternateContent>
+  <p:timing>
+    <p:tnLst>
+      <p:par>
+        <p:cTn id="1" dur="indefinite" restart="never" nodeType="tmRoot"/>
+      </p:par>
+    </p:tnLst>
+  </p:timing>
+</p:sld>
+</file>
+
+<file path=ppt/slides/slide30.xml><?xml version="1.0" encoding="utf-8"?>
 <p:sld xmlns:a="http://schemas.openxmlformats.org/drawingml/2006/main" xmlns:r="http://schemas.openxmlformats.org/officeDocument/2006/relationships" xmlns:p="http://schemas.openxmlformats.org/presentationml/2006/main">
   <p:cSld>
     <p:spTree>
@@ -13804,7 +14400,7 @@
             <a:fld id="{DD9CC574-88AD-40FA-8ED6-F551EFB4A3C3}" type="slidenum">
               <a:rPr lang="en-US"/>
               <a:pPr/>
-              <a:t>28</a:t>
+              <a:t>30</a:t>
             </a:fld>
             <a:endParaRPr lang="en-US"/>
           </a:p>
@@ -13958,7 +14554,7 @@
           <a:graphicData uri="http://schemas.openxmlformats.org/presentationml/2006/ole">
             <mc:AlternateContent xmlns:mc="http://schemas.openxmlformats.org/markup-compatibility/2006">
               <mc:Choice xmlns:v="urn:schemas-microsoft-com:vml" Requires="v">
-                <p:oleObj spid="_x0000_s186404" name="Equation" r:id="rId3" imgW="571320" imgH="393480" progId="Equation.3">
+                <p:oleObj spid="_x0000_s186405" name="Equation" r:id="rId3" imgW="571320" imgH="393480" progId="Equation.3">
                   <p:embed/>
                 </p:oleObj>
               </mc:Choice>
@@ -14286,7 +14882,7 @@
 </p:sld>
 </file>
 
-<file path=ppt/slides/slide29.xml><?xml version="1.0" encoding="utf-8"?>
+<file path=ppt/slides/slide31.xml><?xml version="1.0" encoding="utf-8"?>
 <p:sld xmlns:a="http://schemas.openxmlformats.org/drawingml/2006/main" xmlns:r="http://schemas.openxmlformats.org/officeDocument/2006/relationships" xmlns:p="http://schemas.openxmlformats.org/presentationml/2006/main">
   <p:cSld>
     <p:spTree>
@@ -14343,7 +14939,7 @@
             <a:fld id="{7DA78E91-CD95-4792-B7BC-F8EBCD42464E}" type="slidenum">
               <a:rPr lang="en-US"/>
               <a:pPr/>
-              <a:t>29</a:t>
+              <a:t>31</a:t>
             </a:fld>
             <a:endParaRPr lang="en-US"/>
           </a:p>
@@ -14529,7 +15125,7 @@
           <a:graphicData uri="http://schemas.openxmlformats.org/presentationml/2006/ole">
             <mc:AlternateContent xmlns:mc="http://schemas.openxmlformats.org/markup-compatibility/2006">
               <mc:Choice xmlns:v="urn:schemas-microsoft-com:vml" Requires="v">
-                <p:oleObj spid="_x0000_s190492" name="Equation" r:id="rId4" imgW="838080" imgH="444240" progId="Equation.3">
+                <p:oleObj spid="_x0000_s190493" name="Equation" r:id="rId4" imgW="838080" imgH="444240" progId="Equation.3">
                   <p:embed/>
                 </p:oleObj>
               </mc:Choice>
@@ -14798,7 +15394,7 @@
 </p:sld>
 </file>
 
-<file path=ppt/slides/slide3.xml><?xml version="1.0" encoding="utf-8"?>
+<file path=ppt/slides/slide32.xml><?xml version="1.0" encoding="utf-8"?>
 <p:sld xmlns:a="http://schemas.openxmlformats.org/drawingml/2006/main" xmlns:r="http://schemas.openxmlformats.org/officeDocument/2006/relationships" xmlns:p="http://schemas.openxmlformats.org/presentationml/2006/main">
   <p:cSld>
     <p:spTree>
@@ -14817,22 +15413,31 @@
       </p:grpSpPr>
       <p:sp>
         <p:nvSpPr>
-          <p:cNvPr id="2" name="Title 1"/>
+          <p:cNvPr id="188418" name="Rectangle 2"/>
           <p:cNvSpPr>
-            <a:spLocks noGrp="1"/>
+            <a:spLocks noGrp="1" noChangeArrowheads="1"/>
           </p:cNvSpPr>
           <p:nvPr>
             <p:ph type="title"/>
           </p:nvPr>
         </p:nvSpPr>
-        <p:spPr/>
+        <p:spPr>
+          <a:xfrm>
+            <a:off x="65088" y="274638"/>
+            <a:ext cx="9012237" cy="868362"/>
+          </a:xfrm>
+        </p:spPr>
         <p:txBody>
           <a:bodyPr/>
           <a:lstStyle/>
           <a:p>
             <a:r>
+              <a:rPr lang="en-US" dirty="0"/>
+              <a:t>Fit vs. Complexity </a:t>
+            </a:r>
+            <a:r>
               <a:rPr lang="en-US" dirty="0" smtClean="0"/>
-              <a:t>Which is the response variable?</a:t>
+              <a:t>– p-value</a:t>
             </a:r>
             <a:endParaRPr lang="en-US" dirty="0"/>
           </a:p>
@@ -14840,9 +15445,9 @@
       </p:sp>
       <p:sp>
         <p:nvSpPr>
-          <p:cNvPr id="3" name="Content Placeholder 2"/>
+          <p:cNvPr id="188419" name="Rectangle 3"/>
           <p:cNvSpPr>
-            <a:spLocks noGrp="1"/>
+            <a:spLocks noGrp="1" noChangeArrowheads="1"/>
           </p:cNvSpPr>
           <p:nvPr>
             <p:ph idx="1"/>
@@ -14850,103 +15455,133 @@
         </p:nvSpPr>
         <p:spPr>
           <a:xfrm>
-            <a:off x="457200" y="1143000"/>
-            <a:ext cx="8534400" cy="4724400"/>
+            <a:off x="0" y="1295400"/>
+            <a:ext cx="4800600" cy="4953000"/>
           </a:xfrm>
         </p:spPr>
         <p:txBody>
           <a:bodyPr/>
           <a:lstStyle/>
           <a:p>
-            <a:pPr marL="457200" indent="-457200">
+            <a:pPr>
               <a:spcAft>
                 <a:spcPts val="600"/>
               </a:spcAft>
-              <a:buFont typeface="+mj-lt"/>
-              <a:buAutoNum type="arabicPeriod"/>
             </a:pPr>
             <a:r>
-              <a:rPr lang="en-US" sz="2400" dirty="0" smtClean="0"/>
-              <a:t>Can length be used to predict weight?</a:t>
-            </a:r>
-          </a:p>
-          <a:p>
-            <a:pPr marL="457200" indent="-457200">
+              <a:rPr lang="en-US" dirty="0" smtClean="0"/>
+              <a:t>Large p-value?</a:t>
+            </a:r>
+          </a:p>
+          <a:p>
+            <a:pPr>
               <a:spcAft>
                 <a:spcPts val="600"/>
               </a:spcAft>
-              <a:buFont typeface="+mj-lt"/>
-              <a:buAutoNum type="arabicPeriod"/>
             </a:pPr>
             <a:r>
-              <a:rPr lang="en-US" sz="2400" dirty="0" smtClean="0"/>
-              <a:t>How is weight affected by typical daily ration?</a:t>
-            </a:r>
-          </a:p>
-          <a:p>
-            <a:pPr marL="457200" indent="-457200">
+              <a:rPr lang="en-US" dirty="0"/>
+              <a:t>S</a:t>
+            </a:r>
+            <a:r>
+              <a:rPr lang="en-US" dirty="0" smtClean="0"/>
+              <a:t>mall F</a:t>
+            </a:r>
+          </a:p>
+          <a:p>
+            <a:pPr>
               <a:spcAft>
                 <a:spcPts val="600"/>
               </a:spcAft>
-              <a:buFont typeface="+mj-lt"/>
-              <a:buAutoNum type="arabicPeriod"/>
             </a:pPr>
             <a:r>
-              <a:rPr lang="en-US" sz="2400" dirty="0" smtClean="0"/>
-              <a:t>Does metabolic rate differ by sex of rabbit?</a:t>
-            </a:r>
-          </a:p>
-          <a:p>
-            <a:pPr marL="457200" indent="-457200">
+              <a:rPr lang="en-US" dirty="0" smtClean="0"/>
+              <a:t>Small </a:t>
+            </a:r>
+            <a:r>
+              <a:rPr lang="en-US" dirty="0" err="1"/>
+              <a:t>MS</a:t>
+            </a:r>
+            <a:r>
+              <a:rPr lang="en-US" baseline="-25000" dirty="0" err="1"/>
+              <a:t>Among</a:t>
+            </a:r>
+            <a:r>
+              <a:rPr lang="en-US" dirty="0"/>
+              <a:t> relative to </a:t>
+            </a:r>
+            <a:r>
+              <a:rPr lang="en-US" dirty="0" err="1" smtClean="0"/>
+              <a:t>MS</a:t>
+            </a:r>
+            <a:r>
+              <a:rPr lang="en-US" baseline="-25000" dirty="0" err="1" smtClean="0"/>
+              <a:t>Within</a:t>
+            </a:r>
+            <a:endParaRPr lang="en-US" baseline="-25000" dirty="0" smtClean="0"/>
+          </a:p>
+          <a:p>
+            <a:pPr>
               <a:spcAft>
                 <a:spcPts val="600"/>
               </a:spcAft>
-              <a:buFont typeface="+mj-lt"/>
-              <a:buAutoNum type="arabicPeriod"/>
             </a:pPr>
             <a:r>
-              <a:rPr lang="en-US" sz="2400" dirty="0" smtClean="0"/>
-              <a:t>Is gas mileages significantly affected by weight of the car?</a:t>
-            </a:r>
-          </a:p>
-          <a:p>
-            <a:pPr marL="457200" indent="-457200">
+              <a:rPr lang="en-US" dirty="0" smtClean="0"/>
+              <a:t>Small </a:t>
+            </a:r>
+            <a:r>
+              <a:rPr lang="en-US" dirty="0" err="1" smtClean="0"/>
+              <a:t>SS</a:t>
+            </a:r>
+            <a:r>
+              <a:rPr lang="en-US" baseline="-25000" dirty="0" err="1" smtClean="0"/>
+              <a:t>Among</a:t>
+            </a:r>
+            <a:endParaRPr lang="en-US" dirty="0"/>
+          </a:p>
+          <a:p>
+            <a:pPr>
               <a:spcAft>
                 <a:spcPts val="600"/>
               </a:spcAft>
-              <a:buFont typeface="+mj-lt"/>
-              <a:buAutoNum type="arabicPeriod"/>
             </a:pPr>
             <a:r>
-              <a:rPr lang="en-US" sz="2400" dirty="0" smtClean="0"/>
-              <a:t>Is there a relationship between how much money a person makes and their satisfaction with deer harvest regulations?</a:t>
-            </a:r>
-          </a:p>
-          <a:p>
-            <a:pPr marL="457200" indent="-457200">
+              <a:rPr lang="en-US" dirty="0" smtClean="0"/>
+              <a:t>Full </a:t>
+            </a:r>
+            <a:r>
+              <a:rPr lang="en-US" dirty="0"/>
+              <a:t>model </a:t>
+            </a:r>
+            <a:r>
+              <a:rPr lang="en-US" dirty="0" smtClean="0"/>
+              <a:t>not </a:t>
+            </a:r>
+            <a:r>
+              <a:rPr lang="en-US" dirty="0"/>
+              <a:t>“</a:t>
+            </a:r>
+            <a:r>
+              <a:rPr lang="en-US" dirty="0" smtClean="0"/>
+              <a:t>better”</a:t>
+            </a:r>
+          </a:p>
+          <a:p>
+            <a:pPr>
               <a:spcAft>
                 <a:spcPts val="600"/>
               </a:spcAft>
-              <a:buFont typeface="+mj-lt"/>
-              <a:buAutoNum type="arabicPeriod"/>
             </a:pPr>
             <a:r>
-              <a:rPr lang="en-US" sz="2400" dirty="0" smtClean="0"/>
-              <a:t>How is the uptake of heavy metals affected by the sex and age (young, middle, old) of the individual?</a:t>
-            </a:r>
-          </a:p>
-          <a:p>
-            <a:pPr marL="457200" indent="-457200">
-              <a:spcAft>
-                <a:spcPts val="600"/>
-              </a:spcAft>
-              <a:buFont typeface="+mj-lt"/>
-              <a:buAutoNum type="arabicPeriod"/>
-            </a:pPr>
-            <a:r>
-              <a:rPr lang="en-US" sz="2400" dirty="0" smtClean="0"/>
-              <a:t>Is there a relationship between how much money a person makes and how much they weigh?</a:t>
-            </a:r>
+              <a:rPr lang="en-US" dirty="0"/>
+              <a:t>G</a:t>
+            </a:r>
+            <a:r>
+              <a:rPr lang="en-US" dirty="0" smtClean="0"/>
+              <a:t>roup means do not differ</a:t>
+            </a:r>
+            <a:endParaRPr lang="en-US" dirty="0"/>
           </a:p>
         </p:txBody>
       </p:sp>
@@ -14966,10 +15601,9 @@
           <a:lstStyle/>
           <a:p>
             <a:r>
-              <a:rPr lang="en-US" smtClean="0"/>
+              <a:rPr lang="en-US"/>
               <a:t>LM Foundation</a:t>
             </a:r>
-            <a:endParaRPr lang="en-US"/>
           </a:p>
         </p:txBody>
       </p:sp>
@@ -14988,267 +15622,10 @@
           <a:bodyPr/>
           <a:lstStyle/>
           <a:p>
-            <a:fld id="{2DF5461C-7FAD-4378-B074-D0FEBA4BBCD3}" type="slidenum">
-              <a:rPr lang="en-US" smtClean="0"/>
-              <a:pPr/>
-              <a:t>3</a:t>
-            </a:fld>
-            <a:endParaRPr lang="en-US"/>
-          </a:p>
-        </p:txBody>
-      </p:sp>
-    </p:spTree>
-    <p:extLst>
-      <p:ext uri="{BB962C8B-B14F-4D97-AF65-F5344CB8AC3E}">
-        <p14:creationId xmlns:p14="http://schemas.microsoft.com/office/powerpoint/2010/main" val="2745146503"/>
-      </p:ext>
-    </p:extLst>
-  </p:cSld>
-  <p:clrMapOvr>
-    <a:masterClrMapping/>
-  </p:clrMapOvr>
-  <p:timing>
-    <p:tnLst>
-      <p:par>
-        <p:cTn id="1" dur="indefinite" restart="never" nodeType="tmRoot"/>
-      </p:par>
-    </p:tnLst>
-  </p:timing>
-</p:sld>
-</file>
-
-<file path=ppt/slides/slide30.xml><?xml version="1.0" encoding="utf-8"?>
-<p:sld xmlns:a="http://schemas.openxmlformats.org/drawingml/2006/main" xmlns:r="http://schemas.openxmlformats.org/officeDocument/2006/relationships" xmlns:p="http://schemas.openxmlformats.org/presentationml/2006/main">
-  <p:cSld>
-    <p:spTree>
-      <p:nvGrpSpPr>
-        <p:cNvPr id="1" name=""/>
-        <p:cNvGrpSpPr/>
-        <p:nvPr/>
-      </p:nvGrpSpPr>
-      <p:grpSpPr>
-        <a:xfrm>
-          <a:off x="0" y="0"/>
-          <a:ext cx="0" cy="0"/>
-          <a:chOff x="0" y="0"/>
-          <a:chExt cx="0" cy="0"/>
-        </a:xfrm>
-      </p:grpSpPr>
-      <p:sp>
-        <p:nvSpPr>
-          <p:cNvPr id="188418" name="Rectangle 2"/>
-          <p:cNvSpPr>
-            <a:spLocks noGrp="1" noChangeArrowheads="1"/>
-          </p:cNvSpPr>
-          <p:nvPr>
-            <p:ph type="title"/>
-          </p:nvPr>
-        </p:nvSpPr>
-        <p:spPr>
-          <a:xfrm>
-            <a:off x="65088" y="274638"/>
-            <a:ext cx="9012237" cy="868362"/>
-          </a:xfrm>
-        </p:spPr>
-        <p:txBody>
-          <a:bodyPr/>
-          <a:lstStyle/>
-          <a:p>
-            <a:r>
-              <a:rPr lang="en-US" dirty="0"/>
-              <a:t>Fit vs. Complexity </a:t>
-            </a:r>
-            <a:r>
-              <a:rPr lang="en-US" dirty="0" smtClean="0"/>
-              <a:t>– p-value</a:t>
-            </a:r>
-            <a:endParaRPr lang="en-US" dirty="0"/>
-          </a:p>
-        </p:txBody>
-      </p:sp>
-      <p:sp>
-        <p:nvSpPr>
-          <p:cNvPr id="188419" name="Rectangle 3"/>
-          <p:cNvSpPr>
-            <a:spLocks noGrp="1" noChangeArrowheads="1"/>
-          </p:cNvSpPr>
-          <p:nvPr>
-            <p:ph idx="1"/>
-          </p:nvPr>
-        </p:nvSpPr>
-        <p:spPr>
-          <a:xfrm>
-            <a:off x="0" y="1295400"/>
-            <a:ext cx="4800600" cy="4953000"/>
-          </a:xfrm>
-        </p:spPr>
-        <p:txBody>
-          <a:bodyPr/>
-          <a:lstStyle/>
-          <a:p>
-            <a:pPr>
-              <a:spcAft>
-                <a:spcPts val="600"/>
-              </a:spcAft>
-            </a:pPr>
-            <a:r>
-              <a:rPr lang="en-US" dirty="0" smtClean="0"/>
-              <a:t>Large p-value?</a:t>
-            </a:r>
-          </a:p>
-          <a:p>
-            <a:pPr>
-              <a:spcAft>
-                <a:spcPts val="600"/>
-              </a:spcAft>
-            </a:pPr>
-            <a:r>
-              <a:rPr lang="en-US" dirty="0"/>
-              <a:t>S</a:t>
-            </a:r>
-            <a:r>
-              <a:rPr lang="en-US" dirty="0" smtClean="0"/>
-              <a:t>mall F</a:t>
-            </a:r>
-          </a:p>
-          <a:p>
-            <a:pPr>
-              <a:spcAft>
-                <a:spcPts val="600"/>
-              </a:spcAft>
-            </a:pPr>
-            <a:r>
-              <a:rPr lang="en-US" dirty="0" smtClean="0"/>
-              <a:t>Small </a:t>
-            </a:r>
-            <a:r>
-              <a:rPr lang="en-US" dirty="0" err="1"/>
-              <a:t>MS</a:t>
-            </a:r>
-            <a:r>
-              <a:rPr lang="en-US" baseline="-25000" dirty="0" err="1"/>
-              <a:t>Among</a:t>
-            </a:r>
-            <a:r>
-              <a:rPr lang="en-US" dirty="0"/>
-              <a:t> relative to </a:t>
-            </a:r>
-            <a:r>
-              <a:rPr lang="en-US" dirty="0" err="1" smtClean="0"/>
-              <a:t>MS</a:t>
-            </a:r>
-            <a:r>
-              <a:rPr lang="en-US" baseline="-25000" dirty="0" err="1" smtClean="0"/>
-              <a:t>Within</a:t>
-            </a:r>
-            <a:endParaRPr lang="en-US" baseline="-25000" dirty="0" smtClean="0"/>
-          </a:p>
-          <a:p>
-            <a:pPr>
-              <a:spcAft>
-                <a:spcPts val="600"/>
-              </a:spcAft>
-            </a:pPr>
-            <a:r>
-              <a:rPr lang="en-US" dirty="0" smtClean="0"/>
-              <a:t>Small </a:t>
-            </a:r>
-            <a:r>
-              <a:rPr lang="en-US" dirty="0" err="1" smtClean="0"/>
-              <a:t>SS</a:t>
-            </a:r>
-            <a:r>
-              <a:rPr lang="en-US" baseline="-25000" dirty="0" err="1" smtClean="0"/>
-              <a:t>Among</a:t>
-            </a:r>
-            <a:endParaRPr lang="en-US" dirty="0"/>
-          </a:p>
-          <a:p>
-            <a:pPr>
-              <a:spcAft>
-                <a:spcPts val="600"/>
-              </a:spcAft>
-            </a:pPr>
-            <a:r>
-              <a:rPr lang="en-US" dirty="0" smtClean="0"/>
-              <a:t>Full </a:t>
-            </a:r>
-            <a:r>
-              <a:rPr lang="en-US" dirty="0"/>
-              <a:t>model </a:t>
-            </a:r>
-            <a:r>
-              <a:rPr lang="en-US" dirty="0" smtClean="0"/>
-              <a:t>not </a:t>
-            </a:r>
-            <a:r>
-              <a:rPr lang="en-US" dirty="0"/>
-              <a:t>“</a:t>
-            </a:r>
-            <a:r>
-              <a:rPr lang="en-US" dirty="0" smtClean="0"/>
-              <a:t>better”</a:t>
-            </a:r>
-          </a:p>
-          <a:p>
-            <a:pPr>
-              <a:spcAft>
-                <a:spcPts val="600"/>
-              </a:spcAft>
-            </a:pPr>
-            <a:r>
-              <a:rPr lang="en-US" dirty="0"/>
-              <a:t>G</a:t>
-            </a:r>
-            <a:r>
-              <a:rPr lang="en-US" dirty="0" smtClean="0"/>
-              <a:t>roup means do not differ</a:t>
-            </a:r>
-            <a:endParaRPr lang="en-US" dirty="0"/>
-          </a:p>
-        </p:txBody>
-      </p:sp>
-      <p:sp>
-        <p:nvSpPr>
-          <p:cNvPr id="4" name="Footer Placeholder 3"/>
-          <p:cNvSpPr>
-            <a:spLocks noGrp="1"/>
-          </p:cNvSpPr>
-          <p:nvPr>
-            <p:ph type="ftr" sz="quarter" idx="10"/>
-          </p:nvPr>
-        </p:nvSpPr>
-        <p:spPr/>
-        <p:txBody>
-          <a:bodyPr/>
-          <a:lstStyle/>
-          <a:p>
-            <a:r>
-              <a:rPr lang="en-US"/>
-              <a:t>LM Foundation</a:t>
-            </a:r>
-          </a:p>
-        </p:txBody>
-      </p:sp>
-      <p:sp>
-        <p:nvSpPr>
-          <p:cNvPr id="5" name="Slide Number Placeholder 4"/>
-          <p:cNvSpPr>
-            <a:spLocks noGrp="1"/>
-          </p:cNvSpPr>
-          <p:nvPr>
-            <p:ph type="sldNum" sz="quarter" idx="11"/>
-          </p:nvPr>
-        </p:nvSpPr>
-        <p:spPr/>
-        <p:txBody>
-          <a:bodyPr/>
-          <a:lstStyle/>
-          <a:p>
             <a:fld id="{86C321A5-D51C-4DBE-9513-3F40B97FB75D}" type="slidenum">
               <a:rPr lang="en-US"/>
               <a:pPr/>
-              <a:t>30</a:t>
+              <a:t>32</a:t>
             </a:fld>
             <a:endParaRPr lang="en-US"/>
           </a:p>
@@ -15309,7 +15686,7 @@
           <a:graphicData uri="http://schemas.openxmlformats.org/presentationml/2006/ole">
             <mc:AlternateContent xmlns:mc="http://schemas.openxmlformats.org/markup-compatibility/2006">
               <mc:Choice xmlns:v="urn:schemas-microsoft-com:vml" Requires="v">
-                <p:oleObj spid="_x0000_s189502" name="Equation" r:id="rId4" imgW="838080" imgH="444240" progId="Equation.3">
+                <p:oleObj spid="_x0000_s189504" name="Equation" r:id="rId4" imgW="838080" imgH="444240" progId="Equation.3">
                   <p:embed/>
                 </p:oleObj>
               </mc:Choice>
@@ -15425,7 +15802,7 @@
           <a:graphicData uri="http://schemas.openxmlformats.org/presentationml/2006/ole">
             <mc:AlternateContent xmlns:mc="http://schemas.openxmlformats.org/markup-compatibility/2006">
               <mc:Choice xmlns:v="urn:schemas-microsoft-com:vml" Requires="v">
-                <p:oleObj spid="_x0000_s189503" name="Equation" r:id="rId7" imgW="1168200" imgH="457200" progId="Equation.3">
+                <p:oleObj spid="_x0000_s189505" name="Equation" r:id="rId7" imgW="1168200" imgH="457200" progId="Equation.3">
                   <p:embed/>
                 </p:oleObj>
               </mc:Choice>
@@ -16059,7 +16436,7 @@
 </p:sld>
 </file>
 
-<file path=ppt/slides/slide31.xml><?xml version="1.0" encoding="utf-8"?>
+<file path=ppt/slides/slide33.xml><?xml version="1.0" encoding="utf-8"?>
 <p:sld xmlns:a="http://schemas.openxmlformats.org/drawingml/2006/main" xmlns:r="http://schemas.openxmlformats.org/officeDocument/2006/relationships" xmlns:p="http://schemas.openxmlformats.org/presentationml/2006/main">
   <p:cSld>
     <p:spTree>
@@ -16282,7 +16659,7 @@
             <a:fld id="{86C321A5-D51C-4DBE-9513-3F40B97FB75D}" type="slidenum">
               <a:rPr lang="en-US"/>
               <a:pPr/>
-              <a:t>31</a:t>
+              <a:t>33</a:t>
             </a:fld>
             <a:endParaRPr lang="en-US"/>
           </a:p>
@@ -16852,7 +17229,7 @@
 </p:sld>
 </file>
 
-<file path=ppt/slides/slide32.xml><?xml version="1.0" encoding="utf-8"?>
+<file path=ppt/slides/slide34.xml><?xml version="1.0" encoding="utf-8"?>
 <p:sld xmlns:a="http://schemas.openxmlformats.org/drawingml/2006/main" xmlns:r="http://schemas.openxmlformats.org/officeDocument/2006/relationships" xmlns:p="http://schemas.openxmlformats.org/presentationml/2006/main">
   <p:cSld>
     <p:spTree>
@@ -16909,7 +17286,7 @@
             <a:fld id="{56D5F94E-8960-465E-B857-832C70378C5A}" type="slidenum">
               <a:rPr lang="en-US"/>
               <a:pPr/>
-              <a:t>32</a:t>
+              <a:t>34</a:t>
             </a:fld>
             <a:endParaRPr lang="en-US"/>
           </a:p>
@@ -16990,7 +17367,20 @@
                 <a:latin typeface="Courier New" pitchFamily="49" charset="0"/>
                 <a:cs typeface="Courier New" pitchFamily="49" charset="0"/>
               </a:rPr>
-              <a:t>summary</a:t>
+              <a:t>summary()</a:t>
+            </a:r>
+          </a:p>
+          <a:p>
+            <a:pPr lvl="1"/>
+            <a:r>
+              <a:rPr lang="en-US" b="1" smtClean="0">
+                <a:solidFill>
+                  <a:srgbClr val="FF0000"/>
+                </a:solidFill>
+                <a:latin typeface="Courier New" pitchFamily="49" charset="0"/>
+                <a:cs typeface="Courier New" pitchFamily="49" charset="0"/>
+              </a:rPr>
+              <a:t>coef</a:t>
             </a:r>
             <a:r>
               <a:rPr lang="en-US" b="1" dirty="0" smtClean="0">
@@ -17002,36 +17392,6 @@
               </a:rPr>
               <a:t>()</a:t>
             </a:r>
-          </a:p>
-          <a:p>
-            <a:pPr lvl="1"/>
-            <a:r>
-              <a:rPr lang="en-US" b="1" smtClean="0">
-                <a:solidFill>
-                  <a:srgbClr val="FF0000"/>
-                </a:solidFill>
-                <a:latin typeface="Courier New" pitchFamily="49" charset="0"/>
-                <a:cs typeface="Courier New" pitchFamily="49" charset="0"/>
-              </a:rPr>
-              <a:t>coef</a:t>
-            </a:r>
-            <a:r>
-              <a:rPr lang="en-US" b="1" dirty="0" smtClean="0">
-                <a:solidFill>
-                  <a:srgbClr val="FF0000"/>
-                </a:solidFill>
-                <a:latin typeface="Courier New" pitchFamily="49" charset="0"/>
-                <a:cs typeface="Courier New" pitchFamily="49" charset="0"/>
-              </a:rPr>
-              <a:t>()</a:t>
-            </a:r>
-            <a:endParaRPr lang="en-US" b="1" dirty="0" smtClean="0">
-              <a:solidFill>
-                <a:srgbClr val="FF0000"/>
-              </a:solidFill>
-              <a:latin typeface="Courier New" pitchFamily="49" charset="0"/>
-              <a:cs typeface="Courier New" pitchFamily="49" charset="0"/>
-            </a:endParaRPr>
           </a:p>
           <a:p>
             <a:pPr lvl="1"/>
@@ -17124,7 +17484,7 @@
 </p:sld>
 </file>
 
-<file path=ppt/slides/slide33.xml><?xml version="1.0" encoding="utf-8"?>
+<file path=ppt/slides/slide35.xml><?xml version="1.0" encoding="utf-8"?>
 <p:sld xmlns:a="http://schemas.openxmlformats.org/drawingml/2006/main" xmlns:r="http://schemas.openxmlformats.org/officeDocument/2006/relationships" xmlns:p="http://schemas.openxmlformats.org/presentationml/2006/main">
   <p:cSld>
     <p:spTree>
@@ -17159,7 +17519,7 @@
             <a:fld id="{69D7B0D6-DB4A-4EB6-A95E-79586D88CC6B}" type="slidenum">
               <a:rPr lang="en-US"/>
               <a:pPr/>
-              <a:t>33</a:t>
+              <a:t>35</a:t>
             </a:fld>
             <a:endParaRPr lang="en-US"/>
           </a:p>
@@ -18136,6 +18496,233 @@
 </file>
 
 <file path=ppt/slides/slide4.xml><?xml version="1.0" encoding="utf-8"?>
+<p:sld xmlns:a="http://schemas.openxmlformats.org/drawingml/2006/main" xmlns:r="http://schemas.openxmlformats.org/officeDocument/2006/relationships" xmlns:p="http://schemas.openxmlformats.org/presentationml/2006/main" show="0">
+  <p:cSld>
+    <p:spTree>
+      <p:nvGrpSpPr>
+        <p:cNvPr id="1" name=""/>
+        <p:cNvGrpSpPr/>
+        <p:nvPr/>
+      </p:nvGrpSpPr>
+      <p:grpSpPr>
+        <a:xfrm>
+          <a:off x="0" y="0"/>
+          <a:ext cx="0" cy="0"/>
+          <a:chOff x="0" y="0"/>
+          <a:chExt cx="0" cy="0"/>
+        </a:xfrm>
+      </p:grpSpPr>
+      <p:sp>
+        <p:nvSpPr>
+          <p:cNvPr id="2" name="Title 1"/>
+          <p:cNvSpPr>
+            <a:spLocks noGrp="1"/>
+          </p:cNvSpPr>
+          <p:nvPr>
+            <p:ph type="title"/>
+          </p:nvPr>
+        </p:nvSpPr>
+        <p:spPr/>
+        <p:txBody>
+          <a:bodyPr/>
+          <a:lstStyle/>
+          <a:p>
+            <a:r>
+              <a:rPr lang="en-US" dirty="0" smtClean="0"/>
+              <a:t>Which is the response variable?</a:t>
+            </a:r>
+            <a:endParaRPr lang="en-US" dirty="0"/>
+          </a:p>
+        </p:txBody>
+      </p:sp>
+      <p:sp>
+        <p:nvSpPr>
+          <p:cNvPr id="3" name="Content Placeholder 2"/>
+          <p:cNvSpPr>
+            <a:spLocks noGrp="1"/>
+          </p:cNvSpPr>
+          <p:nvPr>
+            <p:ph idx="1"/>
+          </p:nvPr>
+        </p:nvSpPr>
+        <p:spPr>
+          <a:xfrm>
+            <a:off x="457200" y="1143000"/>
+            <a:ext cx="8534400" cy="4724400"/>
+          </a:xfrm>
+        </p:spPr>
+        <p:txBody>
+          <a:bodyPr/>
+          <a:lstStyle/>
+          <a:p>
+            <a:pPr marL="457200" indent="-457200">
+              <a:spcAft>
+                <a:spcPts val="600"/>
+              </a:spcAft>
+              <a:buFont typeface="+mj-lt"/>
+              <a:buAutoNum type="arabicPeriod"/>
+            </a:pPr>
+            <a:r>
+              <a:rPr lang="en-US" sz="2400" dirty="0" smtClean="0"/>
+              <a:t>Can length be used to predict weight?</a:t>
+            </a:r>
+          </a:p>
+          <a:p>
+            <a:pPr marL="457200" indent="-457200">
+              <a:spcAft>
+                <a:spcPts val="600"/>
+              </a:spcAft>
+              <a:buFont typeface="+mj-lt"/>
+              <a:buAutoNum type="arabicPeriod"/>
+            </a:pPr>
+            <a:r>
+              <a:rPr lang="en-US" sz="2400" dirty="0" smtClean="0"/>
+              <a:t>How is weight affected by typical daily ration?</a:t>
+            </a:r>
+          </a:p>
+          <a:p>
+            <a:pPr marL="457200" indent="-457200">
+              <a:spcAft>
+                <a:spcPts val="600"/>
+              </a:spcAft>
+              <a:buFont typeface="+mj-lt"/>
+              <a:buAutoNum type="arabicPeriod"/>
+            </a:pPr>
+            <a:r>
+              <a:rPr lang="en-US" sz="2400" dirty="0" smtClean="0"/>
+              <a:t>Does metabolic rate differ by sex of rabbit?</a:t>
+            </a:r>
+          </a:p>
+          <a:p>
+            <a:pPr marL="457200" indent="-457200">
+              <a:spcAft>
+                <a:spcPts val="600"/>
+              </a:spcAft>
+              <a:buFont typeface="+mj-lt"/>
+              <a:buAutoNum type="arabicPeriod"/>
+            </a:pPr>
+            <a:r>
+              <a:rPr lang="en-US" sz="2400" dirty="0" smtClean="0"/>
+              <a:t>Is gas mileages significantly affected by weight of the car?</a:t>
+            </a:r>
+          </a:p>
+          <a:p>
+            <a:pPr marL="457200" indent="-457200">
+              <a:spcAft>
+                <a:spcPts val="600"/>
+              </a:spcAft>
+              <a:buFont typeface="+mj-lt"/>
+              <a:buAutoNum type="arabicPeriod"/>
+            </a:pPr>
+            <a:r>
+              <a:rPr lang="en-US" sz="2400" dirty="0" smtClean="0"/>
+              <a:t>Is there a relationship between how much money a person makes and their satisfaction with deer harvest regulations?</a:t>
+            </a:r>
+          </a:p>
+          <a:p>
+            <a:pPr marL="457200" indent="-457200">
+              <a:spcAft>
+                <a:spcPts val="600"/>
+              </a:spcAft>
+              <a:buFont typeface="+mj-lt"/>
+              <a:buAutoNum type="arabicPeriod"/>
+            </a:pPr>
+            <a:r>
+              <a:rPr lang="en-US" sz="2400" dirty="0" smtClean="0"/>
+              <a:t>How is the uptake of heavy metals affected by the sex and age (young, middle, old) of the individual?</a:t>
+            </a:r>
+          </a:p>
+          <a:p>
+            <a:pPr marL="457200" indent="-457200">
+              <a:spcAft>
+                <a:spcPts val="600"/>
+              </a:spcAft>
+              <a:buFont typeface="+mj-lt"/>
+              <a:buAutoNum type="arabicPeriod"/>
+            </a:pPr>
+            <a:r>
+              <a:rPr lang="en-US" sz="2400" dirty="0" smtClean="0"/>
+              <a:t>Is there a relationship between how much money a person makes and how much they weigh?</a:t>
+            </a:r>
+          </a:p>
+        </p:txBody>
+      </p:sp>
+      <p:sp>
+        <p:nvSpPr>
+          <p:cNvPr id="4" name="Footer Placeholder 3"/>
+          <p:cNvSpPr>
+            <a:spLocks noGrp="1"/>
+          </p:cNvSpPr>
+          <p:nvPr>
+            <p:ph type="ftr" sz="quarter" idx="10"/>
+          </p:nvPr>
+        </p:nvSpPr>
+        <p:spPr/>
+        <p:txBody>
+          <a:bodyPr/>
+          <a:lstStyle/>
+          <a:p>
+            <a:r>
+              <a:rPr lang="en-US" smtClean="0"/>
+              <a:t>LM Foundation</a:t>
+            </a:r>
+            <a:endParaRPr lang="en-US"/>
+          </a:p>
+        </p:txBody>
+      </p:sp>
+      <p:sp>
+        <p:nvSpPr>
+          <p:cNvPr id="5" name="Slide Number Placeholder 4"/>
+          <p:cNvSpPr>
+            <a:spLocks noGrp="1"/>
+          </p:cNvSpPr>
+          <p:nvPr>
+            <p:ph type="sldNum" sz="quarter" idx="11"/>
+          </p:nvPr>
+        </p:nvSpPr>
+        <p:spPr/>
+        <p:txBody>
+          <a:bodyPr/>
+          <a:lstStyle/>
+          <a:p>
+            <a:fld id="{2DF5461C-7FAD-4378-B074-D0FEBA4BBCD3}" type="slidenum">
+              <a:rPr lang="en-US" smtClean="0"/>
+              <a:pPr/>
+              <a:t>4</a:t>
+            </a:fld>
+            <a:endParaRPr lang="en-US"/>
+          </a:p>
+        </p:txBody>
+      </p:sp>
+    </p:spTree>
+    <p:extLst>
+      <p:ext uri="{BB962C8B-B14F-4D97-AF65-F5344CB8AC3E}">
+        <p14:creationId xmlns:p14="http://schemas.microsoft.com/office/powerpoint/2010/main" val="2745146503"/>
+      </p:ext>
+    </p:extLst>
+  </p:cSld>
+  <p:clrMapOvr>
+    <a:masterClrMapping/>
+  </p:clrMapOvr>
+  <mc:AlternateContent xmlns:mc="http://schemas.openxmlformats.org/markup-compatibility/2006">
+    <mc:Choice xmlns:p14="http://schemas.microsoft.com/office/powerpoint/2010/main" Requires="p14">
+      <p:transition spd="slow" p14:dur="2000"/>
+    </mc:Choice>
+    <mc:Fallback>
+      <p:transition spd="slow"/>
+    </mc:Fallback>
+  </mc:AlternateContent>
+  <p:timing>
+    <p:tnLst>
+      <p:par>
+        <p:cTn id="1" dur="indefinite" restart="never" nodeType="tmRoot"/>
+      </p:par>
+    </p:tnLst>
+  </p:timing>
+</p:sld>
+</file>
+
+<file path=ppt/slides/slide5.xml><?xml version="1.0" encoding="utf-8"?>
 <p:sld xmlns:a="http://schemas.openxmlformats.org/drawingml/2006/main" xmlns:r="http://schemas.openxmlformats.org/officeDocument/2006/relationships" xmlns:p="http://schemas.openxmlformats.org/presentationml/2006/main">
   <p:cSld>
     <p:spTree>
@@ -18256,7 +18843,7 @@
             <a:fld id="{134DEA66-E5EC-44D3-A573-9BEAE4CB6F70}" type="slidenum">
               <a:rPr lang="en-US"/>
               <a:pPr/>
-              <a:t>4</a:t>
+              <a:t>5</a:t>
             </a:fld>
             <a:endParaRPr lang="en-US"/>
           </a:p>
@@ -19213,239 +19800,6 @@
 </p:sld>
 </file>
 
-<file path=ppt/slides/slide5.xml><?xml version="1.0" encoding="utf-8"?>
-<p:sld xmlns:a="http://schemas.openxmlformats.org/drawingml/2006/main" xmlns:r="http://schemas.openxmlformats.org/officeDocument/2006/relationships" xmlns:p="http://schemas.openxmlformats.org/presentationml/2006/main">
-  <p:cSld>
-    <p:spTree>
-      <p:nvGrpSpPr>
-        <p:cNvPr id="1" name=""/>
-        <p:cNvGrpSpPr/>
-        <p:nvPr/>
-      </p:nvGrpSpPr>
-      <p:grpSpPr>
-        <a:xfrm>
-          <a:off x="0" y="0"/>
-          <a:ext cx="0" cy="0"/>
-          <a:chOff x="0" y="0"/>
-          <a:chExt cx="0" cy="0"/>
-        </a:xfrm>
-      </p:grpSpPr>
-      <p:sp>
-        <p:nvSpPr>
-          <p:cNvPr id="2" name="Title 1"/>
-          <p:cNvSpPr>
-            <a:spLocks noGrp="1"/>
-          </p:cNvSpPr>
-          <p:nvPr>
-            <p:ph type="title"/>
-          </p:nvPr>
-        </p:nvSpPr>
-        <p:spPr/>
-        <p:txBody>
-          <a:bodyPr/>
-          <a:lstStyle/>
-          <a:p>
-            <a:r>
-              <a:rPr lang="en-US" dirty="0" smtClean="0"/>
-              <a:t>Which Test? Why?</a:t>
-            </a:r>
-            <a:endParaRPr lang="en-US" dirty="0"/>
-          </a:p>
-        </p:txBody>
-      </p:sp>
-      <p:sp>
-        <p:nvSpPr>
-          <p:cNvPr id="3" name="Content Placeholder 2"/>
-          <p:cNvSpPr>
-            <a:spLocks noGrp="1"/>
-          </p:cNvSpPr>
-          <p:nvPr>
-            <p:ph idx="1"/>
-          </p:nvPr>
-        </p:nvSpPr>
-        <p:spPr>
-          <a:xfrm>
-            <a:off x="457200" y="990600"/>
-            <a:ext cx="8229600" cy="5562600"/>
-          </a:xfrm>
-        </p:spPr>
-        <p:txBody>
-          <a:bodyPr/>
-          <a:lstStyle/>
-          <a:p>
-            <a:pPr marL="457200" indent="-457200">
-              <a:buFont typeface="+mj-lt"/>
-              <a:buAutoNum type="arabicPeriod"/>
-            </a:pPr>
-            <a:r>
-              <a:rPr lang="en-US" sz="2400" dirty="0" smtClean="0"/>
-              <a:t>Does bird species diversity (number of species) decline as you move away from the equator (increase latitude)?</a:t>
-            </a:r>
-          </a:p>
-          <a:p>
-            <a:pPr>
-              <a:buFont typeface="+mj-lt"/>
-              <a:buAutoNum type="arabicPeriod"/>
-            </a:pPr>
-            <a:endParaRPr lang="en-US" sz="1100" dirty="0" smtClean="0"/>
-          </a:p>
-          <a:p>
-            <a:pPr marL="457200" indent="-457200">
-              <a:buFont typeface="+mj-lt"/>
-              <a:buAutoNum type="arabicPeriod"/>
-            </a:pPr>
-            <a:r>
-              <a:rPr lang="en-US" sz="2400" dirty="0"/>
-              <a:t>Does </a:t>
-            </a:r>
-            <a:r>
-              <a:rPr lang="en-US" sz="2400" dirty="0" smtClean="0"/>
-              <a:t>the mean </a:t>
-            </a:r>
-            <a:r>
-              <a:rPr lang="en-US" sz="2400" dirty="0"/>
-              <a:t>length of the anterior adductor muscle </a:t>
-            </a:r>
-            <a:r>
-              <a:rPr lang="en-US" sz="2400" dirty="0" smtClean="0"/>
-              <a:t>scar on a mussel species differ among five locations?</a:t>
-            </a:r>
-          </a:p>
-          <a:p>
-            <a:pPr>
-              <a:buFont typeface="+mj-lt"/>
-              <a:buAutoNum type="arabicPeriod"/>
-            </a:pPr>
-            <a:endParaRPr lang="en-US" sz="1050" dirty="0"/>
-          </a:p>
-          <a:p>
-            <a:pPr marL="457200" indent="-457200">
-              <a:buFont typeface="+mj-lt"/>
-              <a:buAutoNum type="arabicPeriod"/>
-            </a:pPr>
-            <a:r>
-              <a:rPr lang="en-US" sz="2400" dirty="0" smtClean="0"/>
-              <a:t>Does whether or not an otter captures a bluegill depend on the total length of the bluegill?</a:t>
-            </a:r>
-          </a:p>
-          <a:p>
-            <a:pPr>
-              <a:buFont typeface="+mj-lt"/>
-              <a:buAutoNum type="arabicPeriod"/>
-            </a:pPr>
-            <a:endParaRPr lang="en-US" sz="1050" dirty="0" smtClean="0"/>
-          </a:p>
-          <a:p>
-            <a:pPr marL="457200" indent="-457200">
-              <a:buFont typeface="+mj-lt"/>
-              <a:buAutoNum type="arabicPeriod"/>
-            </a:pPr>
-            <a:r>
-              <a:rPr lang="en-US" sz="2400" dirty="0"/>
-              <a:t>Is there a difference in fat reserves (thickness in mm) </a:t>
-            </a:r>
-            <a:r>
-              <a:rPr lang="en-US" sz="2400" dirty="0" smtClean="0"/>
-              <a:t>between </a:t>
-            </a:r>
-            <a:r>
-              <a:rPr lang="en-US" sz="2400" dirty="0"/>
-              <a:t>wild and domestic seals, sex of the seal, or the interaction between the seal type and sex?</a:t>
-            </a:r>
-          </a:p>
-          <a:p>
-            <a:pPr>
-              <a:buFont typeface="+mj-lt"/>
-              <a:buAutoNum type="arabicPeriod"/>
-            </a:pPr>
-            <a:endParaRPr lang="en-US" sz="1050" dirty="0"/>
-          </a:p>
-          <a:p>
-            <a:pPr marL="457200" indent="-457200">
-              <a:buFont typeface="+mj-lt"/>
-              <a:buAutoNum type="arabicPeriod"/>
-            </a:pPr>
-            <a:r>
-              <a:rPr lang="en-US" sz="2400" dirty="0"/>
-              <a:t>Does the relationship between the number of times the word gender was used in a journal volume and the year of the volume differ among three different journals?</a:t>
-            </a:r>
-          </a:p>
-          <a:p>
-            <a:pPr marL="457200" indent="-457200">
-              <a:buFont typeface="+mj-lt"/>
-              <a:buAutoNum type="arabicPeriod"/>
-            </a:pPr>
-            <a:endParaRPr lang="en-US" sz="2400" dirty="0"/>
-          </a:p>
-        </p:txBody>
-      </p:sp>
-      <p:sp>
-        <p:nvSpPr>
-          <p:cNvPr id="4" name="Footer Placeholder 3"/>
-          <p:cNvSpPr>
-            <a:spLocks noGrp="1"/>
-          </p:cNvSpPr>
-          <p:nvPr>
-            <p:ph type="ftr" sz="quarter" idx="10"/>
-          </p:nvPr>
-        </p:nvSpPr>
-        <p:spPr/>
-        <p:txBody>
-          <a:bodyPr/>
-          <a:lstStyle/>
-          <a:p>
-            <a:r>
-              <a:rPr lang="en-US" smtClean="0"/>
-              <a:t>LM Foundation</a:t>
-            </a:r>
-            <a:endParaRPr lang="en-US"/>
-          </a:p>
-        </p:txBody>
-      </p:sp>
-      <p:sp>
-        <p:nvSpPr>
-          <p:cNvPr id="5" name="Slide Number Placeholder 4"/>
-          <p:cNvSpPr>
-            <a:spLocks noGrp="1"/>
-          </p:cNvSpPr>
-          <p:nvPr>
-            <p:ph type="sldNum" sz="quarter" idx="11"/>
-          </p:nvPr>
-        </p:nvSpPr>
-        <p:spPr/>
-        <p:txBody>
-          <a:bodyPr/>
-          <a:lstStyle/>
-          <a:p>
-            <a:fld id="{2DF5461C-7FAD-4378-B074-D0FEBA4BBCD3}" type="slidenum">
-              <a:rPr lang="en-US" smtClean="0"/>
-              <a:pPr/>
-              <a:t>5</a:t>
-            </a:fld>
-            <a:endParaRPr lang="en-US"/>
-          </a:p>
-        </p:txBody>
-      </p:sp>
-    </p:spTree>
-    <p:extLst>
-      <p:ext uri="{BB962C8B-B14F-4D97-AF65-F5344CB8AC3E}">
-        <p14:creationId xmlns:p14="http://schemas.microsoft.com/office/powerpoint/2010/main" val="3672377563"/>
-      </p:ext>
-    </p:extLst>
-  </p:cSld>
-  <p:clrMapOvr>
-    <a:masterClrMapping/>
-  </p:clrMapOvr>
-  <p:timing>
-    <p:tnLst>
-      <p:par>
-        <p:cTn id="1" dur="indefinite" restart="never" nodeType="tmRoot"/>
-      </p:par>
-    </p:tnLst>
-  </p:timing>
-</p:sld>
-</file>
-
 <file path=ppt/slides/slide6.xml><?xml version="1.0" encoding="utf-8"?>
 <p:sld xmlns:a="http://schemas.openxmlformats.org/drawingml/2006/main" xmlns:r="http://schemas.openxmlformats.org/officeDocument/2006/relationships" xmlns:p="http://schemas.openxmlformats.org/presentationml/2006/main">
   <p:cSld>
@@ -19480,7 +19834,7 @@
           <a:p>
             <a:r>
               <a:rPr lang="en-US" dirty="0" smtClean="0"/>
-              <a:t>Which Test? Why?</a:t>
+              <a:t>Class Exercise Handout</a:t>
             </a:r>
             <a:endParaRPr lang="en-US" dirty="0"/>
           </a:p>
@@ -19496,59 +19850,37 @@
             <p:ph idx="1"/>
           </p:nvPr>
         </p:nvSpPr>
-        <p:spPr>
-          <a:xfrm>
-            <a:off x="457200" y="1143000"/>
-            <a:ext cx="8534400" cy="5334000"/>
-          </a:xfrm>
-        </p:spPr>
+        <p:spPr/>
         <p:txBody>
           <a:bodyPr/>
           <a:lstStyle/>
           <a:p>
-            <a:pPr marL="514350" indent="-514350">
-              <a:buFont typeface="+mj-lt"/>
-              <a:buAutoNum type="arabicPeriod"/>
-            </a:pPr>
-            <a:r>
-              <a:rPr lang="en-US" sz="2800" dirty="0" smtClean="0"/>
-              <a:t>Does the relationship between resting heart rate and body weight differ among groups of subjects that had or had not ingested caffeine?</a:t>
-            </a:r>
-          </a:p>
-          <a:p>
-            <a:pPr>
-              <a:buFont typeface="+mj-lt"/>
-              <a:buAutoNum type="arabicPeriod"/>
-            </a:pPr>
-            <a:endParaRPr lang="en-US" sz="1400" dirty="0"/>
-          </a:p>
-          <a:p>
-            <a:pPr marL="514350" indent="-514350">
-              <a:buFont typeface="+mj-lt"/>
-              <a:buAutoNum type="arabicPeriod"/>
-            </a:pPr>
-            <a:r>
-              <a:rPr lang="en-US" sz="2800" dirty="0" smtClean="0"/>
-              <a:t>Does the mean alcohol by volume differ among five different types of beer (pale ales, IPAs, lagers, stouts, and porters)?</a:t>
-            </a:r>
-          </a:p>
-          <a:p>
-            <a:pPr>
-              <a:buFont typeface="+mj-lt"/>
-              <a:buAutoNum type="arabicPeriod"/>
-            </a:pPr>
-            <a:endParaRPr lang="en-US" sz="1200" dirty="0" smtClean="0"/>
-          </a:p>
-          <a:p>
-            <a:pPr marL="514350" indent="-514350">
-              <a:buFont typeface="+mj-lt"/>
-              <a:buAutoNum type="arabicPeriod"/>
-            </a:pPr>
-            <a:r>
-              <a:rPr lang="en-US" sz="2800" dirty="0" smtClean="0"/>
-              <a:t>Does mean alcohol by volume change depending on the weight of malt extract used in the brewing process?</a:t>
-            </a:r>
-            <a:endParaRPr lang="en-US" sz="2800" dirty="0"/>
+            <a:r>
+              <a:rPr lang="en-US" dirty="0" smtClean="0"/>
+              <a:t>Which Test? Why?</a:t>
+            </a:r>
+          </a:p>
+          <a:p>
+            <a:pPr lvl="1"/>
+            <a:r>
+              <a:rPr lang="en-US" dirty="0" smtClean="0"/>
+              <a:t>Identify response variable and explanatory variable(s)</a:t>
+            </a:r>
+          </a:p>
+          <a:p>
+            <a:pPr lvl="1"/>
+            <a:r>
+              <a:rPr lang="en-US" dirty="0" smtClean="0"/>
+              <a:t>Determine which type of variable each is.</a:t>
+            </a:r>
+          </a:p>
+          <a:p>
+            <a:pPr lvl="1"/>
+            <a:r>
+              <a:rPr lang="en-US" dirty="0" smtClean="0"/>
+              <a:t>Use table to identify method to use.</a:t>
+            </a:r>
+            <a:endParaRPr lang="en-US" dirty="0"/>
           </a:p>
         </p:txBody>
       </p:sp>
@@ -19602,7 +19934,7 @@
     </p:spTree>
     <p:extLst>
       <p:ext uri="{BB962C8B-B14F-4D97-AF65-F5344CB8AC3E}">
-        <p14:creationId xmlns:p14="http://schemas.microsoft.com/office/powerpoint/2010/main" val="4022065946"/>
+        <p14:creationId xmlns:p14="http://schemas.microsoft.com/office/powerpoint/2010/main" val="2505848561"/>
       </p:ext>
     </p:extLst>
   </p:cSld>
@@ -19620,7 +19952,7 @@
 </file>
 
 <file path=ppt/slides/slide7.xml><?xml version="1.0" encoding="utf-8"?>
-<p:sld xmlns:a="http://schemas.openxmlformats.org/drawingml/2006/main" xmlns:r="http://schemas.openxmlformats.org/officeDocument/2006/relationships" xmlns:p="http://schemas.openxmlformats.org/presentationml/2006/main">
+<p:sld xmlns:a="http://schemas.openxmlformats.org/drawingml/2006/main" xmlns:r="http://schemas.openxmlformats.org/officeDocument/2006/relationships" xmlns:p="http://schemas.openxmlformats.org/presentationml/2006/main" show="0">
   <p:cSld>
     <p:spTree>
       <p:nvGrpSpPr>
@@ -19638,6 +19970,155 @@
       </p:grpSpPr>
       <p:sp>
         <p:nvSpPr>
+          <p:cNvPr id="2" name="Title 1"/>
+          <p:cNvSpPr>
+            <a:spLocks noGrp="1"/>
+          </p:cNvSpPr>
+          <p:nvPr>
+            <p:ph type="title"/>
+          </p:nvPr>
+        </p:nvSpPr>
+        <p:spPr/>
+        <p:txBody>
+          <a:bodyPr/>
+          <a:lstStyle/>
+          <a:p>
+            <a:r>
+              <a:rPr lang="en-US" dirty="0" smtClean="0"/>
+              <a:t>Which Test? Why?</a:t>
+            </a:r>
+            <a:endParaRPr lang="en-US" dirty="0"/>
+          </a:p>
+        </p:txBody>
+      </p:sp>
+      <p:sp>
+        <p:nvSpPr>
+          <p:cNvPr id="3" name="Content Placeholder 2"/>
+          <p:cNvSpPr>
+            <a:spLocks noGrp="1"/>
+          </p:cNvSpPr>
+          <p:nvPr>
+            <p:ph idx="1"/>
+          </p:nvPr>
+        </p:nvSpPr>
+        <p:spPr>
+          <a:xfrm>
+            <a:off x="457200" y="990600"/>
+            <a:ext cx="8229600" cy="5562600"/>
+          </a:xfrm>
+        </p:spPr>
+        <p:txBody>
+          <a:bodyPr/>
+          <a:lstStyle/>
+          <a:p>
+            <a:pPr marL="457200" indent="-457200">
+              <a:buFont typeface="+mj-lt"/>
+              <a:buAutoNum type="arabicPeriod"/>
+            </a:pPr>
+            <a:r>
+              <a:rPr lang="en-US" sz="2400" dirty="0" smtClean="0"/>
+              <a:t>Does bird species diversity (number of species) decline as you move away from the equator (increase latitude)?</a:t>
+            </a:r>
+          </a:p>
+          <a:p>
+            <a:pPr>
+              <a:buFont typeface="+mj-lt"/>
+              <a:buAutoNum type="arabicPeriod"/>
+            </a:pPr>
+            <a:endParaRPr lang="en-US" sz="1100" dirty="0" smtClean="0"/>
+          </a:p>
+          <a:p>
+            <a:pPr marL="457200" indent="-457200">
+              <a:buFont typeface="+mj-lt"/>
+              <a:buAutoNum type="arabicPeriod"/>
+            </a:pPr>
+            <a:r>
+              <a:rPr lang="en-US" sz="2400" dirty="0"/>
+              <a:t>Does </a:t>
+            </a:r>
+            <a:r>
+              <a:rPr lang="en-US" sz="2400" dirty="0" smtClean="0"/>
+              <a:t>the mean </a:t>
+            </a:r>
+            <a:r>
+              <a:rPr lang="en-US" sz="2400" dirty="0"/>
+              <a:t>length of the anterior adductor muscle </a:t>
+            </a:r>
+            <a:r>
+              <a:rPr lang="en-US" sz="2400" dirty="0" smtClean="0"/>
+              <a:t>scar on a mussel species differ among five locations?</a:t>
+            </a:r>
+          </a:p>
+          <a:p>
+            <a:pPr>
+              <a:buFont typeface="+mj-lt"/>
+              <a:buAutoNum type="arabicPeriod"/>
+            </a:pPr>
+            <a:endParaRPr lang="en-US" sz="1050" dirty="0"/>
+          </a:p>
+          <a:p>
+            <a:pPr marL="457200" indent="-457200">
+              <a:buFont typeface="+mj-lt"/>
+              <a:buAutoNum type="arabicPeriod"/>
+            </a:pPr>
+            <a:r>
+              <a:rPr lang="en-US" sz="2400" dirty="0" smtClean="0"/>
+              <a:t>Does whether or not an otter captures a bluegill depend on the total length of the bluegill?</a:t>
+            </a:r>
+          </a:p>
+          <a:p>
+            <a:pPr>
+              <a:buFont typeface="+mj-lt"/>
+              <a:buAutoNum type="arabicPeriod"/>
+            </a:pPr>
+            <a:endParaRPr lang="en-US" sz="1050" dirty="0" smtClean="0"/>
+          </a:p>
+          <a:p>
+            <a:pPr marL="457200" indent="-457200">
+              <a:buFont typeface="+mj-lt"/>
+              <a:buAutoNum type="arabicPeriod"/>
+            </a:pPr>
+            <a:r>
+              <a:rPr lang="en-US" sz="2400" dirty="0"/>
+              <a:t>Is there a difference in fat reserves (thickness in mm) </a:t>
+            </a:r>
+            <a:r>
+              <a:rPr lang="en-US" sz="2400" dirty="0" smtClean="0"/>
+              <a:t>between </a:t>
+            </a:r>
+            <a:r>
+              <a:rPr lang="en-US" sz="2400" dirty="0"/>
+              <a:t>wild and domestic seals, sex of the seal, or the interaction between the seal type and sex?</a:t>
+            </a:r>
+          </a:p>
+          <a:p>
+            <a:pPr>
+              <a:buFont typeface="+mj-lt"/>
+              <a:buAutoNum type="arabicPeriod"/>
+            </a:pPr>
+            <a:endParaRPr lang="en-US" sz="1050" dirty="0"/>
+          </a:p>
+          <a:p>
+            <a:pPr marL="457200" indent="-457200">
+              <a:buFont typeface="+mj-lt"/>
+              <a:buAutoNum type="arabicPeriod"/>
+            </a:pPr>
+            <a:r>
+              <a:rPr lang="en-US" sz="2400" dirty="0"/>
+              <a:t>Does the relationship between the number of times the word gender was used in a journal volume and the year of the volume differ among three different journals?</a:t>
+            </a:r>
+          </a:p>
+          <a:p>
+            <a:pPr marL="457200" indent="-457200">
+              <a:buFont typeface="+mj-lt"/>
+              <a:buAutoNum type="arabicPeriod"/>
+            </a:pPr>
+            <a:endParaRPr lang="en-US" sz="2400" dirty="0"/>
+          </a:p>
+        </p:txBody>
+      </p:sp>
+      <p:sp>
+        <p:nvSpPr>
           <p:cNvPr id="4" name="Footer Placeholder 3"/>
           <p:cNvSpPr>
             <a:spLocks noGrp="1"/>
@@ -19678,6 +20159,279 @@
               <a:rPr lang="en-US" smtClean="0"/>
               <a:pPr/>
               <a:t>7</a:t>
+            </a:fld>
+            <a:endParaRPr lang="en-US"/>
+          </a:p>
+        </p:txBody>
+      </p:sp>
+    </p:spTree>
+    <p:extLst>
+      <p:ext uri="{BB962C8B-B14F-4D97-AF65-F5344CB8AC3E}">
+        <p14:creationId xmlns:p14="http://schemas.microsoft.com/office/powerpoint/2010/main" val="3672377563"/>
+      </p:ext>
+    </p:extLst>
+  </p:cSld>
+  <p:clrMapOvr>
+    <a:masterClrMapping/>
+  </p:clrMapOvr>
+  <mc:AlternateContent xmlns:mc="http://schemas.openxmlformats.org/markup-compatibility/2006">
+    <mc:Choice xmlns:p14="http://schemas.microsoft.com/office/powerpoint/2010/main" Requires="p14">
+      <p:transition spd="slow" p14:dur="2000"/>
+    </mc:Choice>
+    <mc:Fallback>
+      <p:transition spd="slow"/>
+    </mc:Fallback>
+  </mc:AlternateContent>
+  <p:timing>
+    <p:tnLst>
+      <p:par>
+        <p:cTn id="1" dur="indefinite" restart="never" nodeType="tmRoot"/>
+      </p:par>
+    </p:tnLst>
+  </p:timing>
+</p:sld>
+</file>
+
+<file path=ppt/slides/slide8.xml><?xml version="1.0" encoding="utf-8"?>
+<p:sld xmlns:a="http://schemas.openxmlformats.org/drawingml/2006/main" xmlns:r="http://schemas.openxmlformats.org/officeDocument/2006/relationships" xmlns:p="http://schemas.openxmlformats.org/presentationml/2006/main" show="0">
+  <p:cSld>
+    <p:spTree>
+      <p:nvGrpSpPr>
+        <p:cNvPr id="1" name=""/>
+        <p:cNvGrpSpPr/>
+        <p:nvPr/>
+      </p:nvGrpSpPr>
+      <p:grpSpPr>
+        <a:xfrm>
+          <a:off x="0" y="0"/>
+          <a:ext cx="0" cy="0"/>
+          <a:chOff x="0" y="0"/>
+          <a:chExt cx="0" cy="0"/>
+        </a:xfrm>
+      </p:grpSpPr>
+      <p:sp>
+        <p:nvSpPr>
+          <p:cNvPr id="2" name="Title 1"/>
+          <p:cNvSpPr>
+            <a:spLocks noGrp="1"/>
+          </p:cNvSpPr>
+          <p:nvPr>
+            <p:ph type="title"/>
+          </p:nvPr>
+        </p:nvSpPr>
+        <p:spPr/>
+        <p:txBody>
+          <a:bodyPr/>
+          <a:lstStyle/>
+          <a:p>
+            <a:r>
+              <a:rPr lang="en-US" dirty="0" smtClean="0"/>
+              <a:t>Which Test? Why?</a:t>
+            </a:r>
+            <a:endParaRPr lang="en-US" dirty="0"/>
+          </a:p>
+        </p:txBody>
+      </p:sp>
+      <p:sp>
+        <p:nvSpPr>
+          <p:cNvPr id="3" name="Content Placeholder 2"/>
+          <p:cNvSpPr>
+            <a:spLocks noGrp="1"/>
+          </p:cNvSpPr>
+          <p:nvPr>
+            <p:ph idx="1"/>
+          </p:nvPr>
+        </p:nvSpPr>
+        <p:spPr>
+          <a:xfrm>
+            <a:off x="457200" y="1143000"/>
+            <a:ext cx="8534400" cy="5334000"/>
+          </a:xfrm>
+        </p:spPr>
+        <p:txBody>
+          <a:bodyPr/>
+          <a:lstStyle/>
+          <a:p>
+            <a:pPr marL="514350" indent="-514350">
+              <a:buFont typeface="+mj-lt"/>
+              <a:buAutoNum type="arabicPeriod"/>
+            </a:pPr>
+            <a:r>
+              <a:rPr lang="en-US" sz="2800" dirty="0" smtClean="0"/>
+              <a:t>Does the relationship between resting heart rate and body weight differ among groups of subjects that had or had not ingested caffeine?</a:t>
+            </a:r>
+          </a:p>
+          <a:p>
+            <a:pPr>
+              <a:buFont typeface="+mj-lt"/>
+              <a:buAutoNum type="arabicPeriod"/>
+            </a:pPr>
+            <a:endParaRPr lang="en-US" sz="1400" dirty="0"/>
+          </a:p>
+          <a:p>
+            <a:pPr marL="514350" indent="-514350">
+              <a:buFont typeface="+mj-lt"/>
+              <a:buAutoNum type="arabicPeriod"/>
+            </a:pPr>
+            <a:r>
+              <a:rPr lang="en-US" sz="2800" dirty="0" smtClean="0"/>
+              <a:t>Does the mean alcohol by volume differ among five different types of beer (pale ales, IPAs, lagers, stouts, and porters)?</a:t>
+            </a:r>
+          </a:p>
+          <a:p>
+            <a:pPr>
+              <a:buFont typeface="+mj-lt"/>
+              <a:buAutoNum type="arabicPeriod"/>
+            </a:pPr>
+            <a:endParaRPr lang="en-US" sz="1200" dirty="0" smtClean="0"/>
+          </a:p>
+          <a:p>
+            <a:pPr marL="514350" indent="-514350">
+              <a:buFont typeface="+mj-lt"/>
+              <a:buAutoNum type="arabicPeriod"/>
+            </a:pPr>
+            <a:r>
+              <a:rPr lang="en-US" sz="2800" dirty="0" smtClean="0"/>
+              <a:t>Does mean alcohol by volume change depending on the weight of malt extract used in the brewing process?</a:t>
+            </a:r>
+            <a:endParaRPr lang="en-US" sz="2800" dirty="0"/>
+          </a:p>
+        </p:txBody>
+      </p:sp>
+      <p:sp>
+        <p:nvSpPr>
+          <p:cNvPr id="4" name="Footer Placeholder 3"/>
+          <p:cNvSpPr>
+            <a:spLocks noGrp="1"/>
+          </p:cNvSpPr>
+          <p:nvPr>
+            <p:ph type="ftr" sz="quarter" idx="10"/>
+          </p:nvPr>
+        </p:nvSpPr>
+        <p:spPr/>
+        <p:txBody>
+          <a:bodyPr/>
+          <a:lstStyle/>
+          <a:p>
+            <a:r>
+              <a:rPr lang="en-US" smtClean="0"/>
+              <a:t>LM Foundation</a:t>
+            </a:r>
+            <a:endParaRPr lang="en-US"/>
+          </a:p>
+        </p:txBody>
+      </p:sp>
+      <p:sp>
+        <p:nvSpPr>
+          <p:cNvPr id="5" name="Slide Number Placeholder 4"/>
+          <p:cNvSpPr>
+            <a:spLocks noGrp="1"/>
+          </p:cNvSpPr>
+          <p:nvPr>
+            <p:ph type="sldNum" sz="quarter" idx="11"/>
+          </p:nvPr>
+        </p:nvSpPr>
+        <p:spPr/>
+        <p:txBody>
+          <a:bodyPr/>
+          <a:lstStyle/>
+          <a:p>
+            <a:fld id="{2DF5461C-7FAD-4378-B074-D0FEBA4BBCD3}" type="slidenum">
+              <a:rPr lang="en-US" smtClean="0"/>
+              <a:pPr/>
+              <a:t>8</a:t>
+            </a:fld>
+            <a:endParaRPr lang="en-US"/>
+          </a:p>
+        </p:txBody>
+      </p:sp>
+    </p:spTree>
+    <p:extLst>
+      <p:ext uri="{BB962C8B-B14F-4D97-AF65-F5344CB8AC3E}">
+        <p14:creationId xmlns:p14="http://schemas.microsoft.com/office/powerpoint/2010/main" val="4022065946"/>
+      </p:ext>
+    </p:extLst>
+  </p:cSld>
+  <p:clrMapOvr>
+    <a:masterClrMapping/>
+  </p:clrMapOvr>
+  <mc:AlternateContent xmlns:mc="http://schemas.openxmlformats.org/markup-compatibility/2006">
+    <mc:Choice xmlns:p14="http://schemas.microsoft.com/office/powerpoint/2010/main" Requires="p14">
+      <p:transition spd="slow" p14:dur="2000"/>
+    </mc:Choice>
+    <mc:Fallback>
+      <p:transition spd="slow"/>
+    </mc:Fallback>
+  </mc:AlternateContent>
+  <p:timing>
+    <p:tnLst>
+      <p:par>
+        <p:cTn id="1" dur="indefinite" restart="never" nodeType="tmRoot"/>
+      </p:par>
+    </p:tnLst>
+  </p:timing>
+</p:sld>
+</file>
+
+<file path=ppt/slides/slide9.xml><?xml version="1.0" encoding="utf-8"?>
+<p:sld xmlns:a="http://schemas.openxmlformats.org/drawingml/2006/main" xmlns:r="http://schemas.openxmlformats.org/officeDocument/2006/relationships" xmlns:p="http://schemas.openxmlformats.org/presentationml/2006/main" show="0">
+  <p:cSld>
+    <p:spTree>
+      <p:nvGrpSpPr>
+        <p:cNvPr id="1" name=""/>
+        <p:cNvGrpSpPr/>
+        <p:nvPr/>
+      </p:nvGrpSpPr>
+      <p:grpSpPr>
+        <a:xfrm>
+          <a:off x="0" y="0"/>
+          <a:ext cx="0" cy="0"/>
+          <a:chOff x="0" y="0"/>
+          <a:chExt cx="0" cy="0"/>
+        </a:xfrm>
+      </p:grpSpPr>
+      <p:sp>
+        <p:nvSpPr>
+          <p:cNvPr id="4" name="Footer Placeholder 3"/>
+          <p:cNvSpPr>
+            <a:spLocks noGrp="1"/>
+          </p:cNvSpPr>
+          <p:nvPr>
+            <p:ph type="ftr" sz="quarter" idx="10"/>
+          </p:nvPr>
+        </p:nvSpPr>
+        <p:spPr/>
+        <p:txBody>
+          <a:bodyPr/>
+          <a:lstStyle/>
+          <a:p>
+            <a:r>
+              <a:rPr lang="en-US" smtClean="0"/>
+              <a:t>LM Foundation</a:t>
+            </a:r>
+            <a:endParaRPr lang="en-US"/>
+          </a:p>
+        </p:txBody>
+      </p:sp>
+      <p:sp>
+        <p:nvSpPr>
+          <p:cNvPr id="5" name="Slide Number Placeholder 4"/>
+          <p:cNvSpPr>
+            <a:spLocks noGrp="1"/>
+          </p:cNvSpPr>
+          <p:nvPr>
+            <p:ph type="sldNum" sz="quarter" idx="11"/>
+          </p:nvPr>
+        </p:nvSpPr>
+        <p:spPr/>
+        <p:txBody>
+          <a:bodyPr/>
+          <a:lstStyle/>
+          <a:p>
+            <a:fld id="{2DF5461C-7FAD-4378-B074-D0FEBA4BBCD3}" type="slidenum">
+              <a:rPr lang="en-US" smtClean="0"/>
+              <a:pPr/>
+              <a:t>9</a:t>
             </a:fld>
             <a:endParaRPr lang="en-US"/>
           </a:p>
@@ -19762,312 +20516,14 @@
   <p:clrMapOvr>
     <a:masterClrMapping/>
   </p:clrMapOvr>
-  <p:timing>
-    <p:tnLst>
-      <p:par>
-        <p:cTn id="1" dur="indefinite" restart="never" nodeType="tmRoot"/>
-      </p:par>
-    </p:tnLst>
-  </p:timing>
-</p:sld>
-</file>
-
-<file path=ppt/slides/slide8.xml><?xml version="1.0" encoding="utf-8"?>
-<p:sld xmlns:a="http://schemas.openxmlformats.org/drawingml/2006/main" xmlns:r="http://schemas.openxmlformats.org/officeDocument/2006/relationships" xmlns:p="http://schemas.openxmlformats.org/presentationml/2006/main">
-  <p:cSld>
-    <p:spTree>
-      <p:nvGrpSpPr>
-        <p:cNvPr id="1" name=""/>
-        <p:cNvGrpSpPr/>
-        <p:nvPr/>
-      </p:nvGrpSpPr>
-      <p:grpSpPr>
-        <a:xfrm>
-          <a:off x="0" y="0"/>
-          <a:ext cx="0" cy="0"/>
-          <a:chOff x="0" y="0"/>
-          <a:chExt cx="0" cy="0"/>
-        </a:xfrm>
-      </p:grpSpPr>
-      <p:sp>
-        <p:nvSpPr>
-          <p:cNvPr id="4" name="Footer Placeholder 3"/>
-          <p:cNvSpPr>
-            <a:spLocks noGrp="1"/>
-          </p:cNvSpPr>
-          <p:nvPr>
-            <p:ph type="ftr" sz="quarter" idx="10"/>
-          </p:nvPr>
-        </p:nvSpPr>
-        <p:spPr/>
-        <p:txBody>
-          <a:bodyPr/>
-          <a:lstStyle/>
-          <a:p>
-            <a:r>
-              <a:rPr lang="en-US" smtClean="0"/>
-              <a:t>LM Foundation</a:t>
-            </a:r>
-            <a:endParaRPr lang="en-US"/>
-          </a:p>
-        </p:txBody>
-      </p:sp>
-      <p:sp>
-        <p:nvSpPr>
-          <p:cNvPr id="5" name="Slide Number Placeholder 4"/>
-          <p:cNvSpPr>
-            <a:spLocks noGrp="1"/>
-          </p:cNvSpPr>
-          <p:nvPr>
-            <p:ph type="sldNum" sz="quarter" idx="11"/>
-          </p:nvPr>
-        </p:nvSpPr>
-        <p:spPr/>
-        <p:txBody>
-          <a:bodyPr/>
-          <a:lstStyle/>
-          <a:p>
-            <a:fld id="{2DF5461C-7FAD-4378-B074-D0FEBA4BBCD3}" type="slidenum">
-              <a:rPr lang="en-US" smtClean="0"/>
-              <a:pPr/>
-              <a:t>8</a:t>
-            </a:fld>
-            <a:endParaRPr lang="en-US"/>
-          </a:p>
-        </p:txBody>
-      </p:sp>
-      <p:sp>
-        <p:nvSpPr>
-          <p:cNvPr id="6" name="Title 1"/>
-          <p:cNvSpPr>
-            <a:spLocks noGrp="1"/>
-          </p:cNvSpPr>
-          <p:nvPr>
-            <p:ph type="title"/>
-          </p:nvPr>
-        </p:nvSpPr>
-        <p:spPr>
-          <a:xfrm>
-            <a:off x="65088" y="122238"/>
-            <a:ext cx="9012237" cy="868362"/>
-          </a:xfrm>
-        </p:spPr>
-        <p:txBody>
-          <a:bodyPr/>
-          <a:lstStyle/>
-          <a:p>
-            <a:r>
-              <a:rPr lang="en-US" dirty="0" smtClean="0"/>
-              <a:t>Which Test? Why?</a:t>
-            </a:r>
-            <a:endParaRPr lang="en-US" dirty="0"/>
-          </a:p>
-        </p:txBody>
-      </p:sp>
-      <p:pic>
-        <p:nvPicPr>
-          <p:cNvPr id="192516" name="Picture 4" descr="Susceptibility to allergen-driven AHR is associated a mixed TH17-TH2 immune response."/>
-          <p:cNvPicPr>
-            <a:picLocks noChangeAspect="1" noChangeArrowheads="1"/>
-          </p:cNvPicPr>
-          <p:nvPr/>
-        </p:nvPicPr>
-        <p:blipFill>
-          <a:blip r:embed="rId2">
-            <a:extLst>
-              <a:ext uri="{28A0092B-C50C-407E-A947-70E740481C1C}">
-                <a14:useLocalDpi xmlns:a14="http://schemas.microsoft.com/office/drawing/2010/main" val="0"/>
-              </a:ext>
-            </a:extLst>
-          </a:blip>
-          <a:srcRect/>
-          <a:stretch>
-            <a:fillRect/>
-          </a:stretch>
-        </p:blipFill>
-        <p:spPr bwMode="auto">
-          <a:xfrm>
-            <a:off x="990600" y="914400"/>
-            <a:ext cx="7239000" cy="5632035"/>
-          </a:xfrm>
-          <a:prstGeom prst="rect">
-            <a:avLst/>
-          </a:prstGeom>
-          <a:noFill/>
-          <a:extLst>
-            <a:ext uri="{909E8E84-426E-40DD-AFC4-6F175D3DCCD1}">
-              <a14:hiddenFill xmlns:a14="http://schemas.microsoft.com/office/drawing/2010/main">
-                <a:solidFill>
-                  <a:srgbClr val="FFFFFF"/>
-                </a:solidFill>
-              </a14:hiddenFill>
-            </a:ext>
-          </a:extLst>
-        </p:spPr>
-      </p:pic>
-    </p:spTree>
-    <p:extLst>
-      <p:ext uri="{BB962C8B-B14F-4D97-AF65-F5344CB8AC3E}">
-        <p14:creationId xmlns:p14="http://schemas.microsoft.com/office/powerpoint/2010/main" val="7949886"/>
-      </p:ext>
-    </p:extLst>
-  </p:cSld>
-  <p:clrMapOvr>
-    <a:masterClrMapping/>
-  </p:clrMapOvr>
-  <p:timing>
-    <p:tnLst>
-      <p:par>
-        <p:cTn id="1" dur="indefinite" restart="never" nodeType="tmRoot"/>
-      </p:par>
-    </p:tnLst>
-  </p:timing>
-</p:sld>
-</file>
-
-<file path=ppt/slides/slide9.xml><?xml version="1.0" encoding="utf-8"?>
-<p:sld xmlns:a="http://schemas.openxmlformats.org/drawingml/2006/main" xmlns:r="http://schemas.openxmlformats.org/officeDocument/2006/relationships" xmlns:p="http://schemas.openxmlformats.org/presentationml/2006/main">
-  <p:cSld>
-    <p:spTree>
-      <p:nvGrpSpPr>
-        <p:cNvPr id="1" name=""/>
-        <p:cNvGrpSpPr/>
-        <p:nvPr/>
-      </p:nvGrpSpPr>
-      <p:grpSpPr>
-        <a:xfrm>
-          <a:off x="0" y="0"/>
-          <a:ext cx="0" cy="0"/>
-          <a:chOff x="0" y="0"/>
-          <a:chExt cx="0" cy="0"/>
-        </a:xfrm>
-      </p:grpSpPr>
-      <p:sp>
-        <p:nvSpPr>
-          <p:cNvPr id="4" name="Footer Placeholder 3"/>
-          <p:cNvSpPr>
-            <a:spLocks noGrp="1"/>
-          </p:cNvSpPr>
-          <p:nvPr>
-            <p:ph type="ftr" sz="quarter" idx="10"/>
-          </p:nvPr>
-        </p:nvSpPr>
-        <p:spPr/>
-        <p:txBody>
-          <a:bodyPr/>
-          <a:lstStyle/>
-          <a:p>
-            <a:r>
-              <a:rPr lang="en-US" smtClean="0"/>
-              <a:t>LM Foundation</a:t>
-            </a:r>
-            <a:endParaRPr lang="en-US"/>
-          </a:p>
-        </p:txBody>
-      </p:sp>
-      <p:sp>
-        <p:nvSpPr>
-          <p:cNvPr id="5" name="Slide Number Placeholder 4"/>
-          <p:cNvSpPr>
-            <a:spLocks noGrp="1"/>
-          </p:cNvSpPr>
-          <p:nvPr>
-            <p:ph type="sldNum" sz="quarter" idx="11"/>
-          </p:nvPr>
-        </p:nvSpPr>
-        <p:spPr/>
-        <p:txBody>
-          <a:bodyPr/>
-          <a:lstStyle/>
-          <a:p>
-            <a:fld id="{2DF5461C-7FAD-4378-B074-D0FEBA4BBCD3}" type="slidenum">
-              <a:rPr lang="en-US" smtClean="0"/>
-              <a:pPr/>
-              <a:t>9</a:t>
-            </a:fld>
-            <a:endParaRPr lang="en-US"/>
-          </a:p>
-        </p:txBody>
-      </p:sp>
-      <p:sp>
-        <p:nvSpPr>
-          <p:cNvPr id="6" name="Title 1"/>
-          <p:cNvSpPr>
-            <a:spLocks noGrp="1"/>
-          </p:cNvSpPr>
-          <p:nvPr>
-            <p:ph type="title"/>
-          </p:nvPr>
-        </p:nvSpPr>
-        <p:spPr>
-          <a:xfrm>
-            <a:off x="65088" y="122238"/>
-            <a:ext cx="9012237" cy="868362"/>
-          </a:xfrm>
-        </p:spPr>
-        <p:txBody>
-          <a:bodyPr/>
-          <a:lstStyle/>
-          <a:p>
-            <a:r>
-              <a:rPr lang="en-US" dirty="0" smtClean="0"/>
-              <a:t>Which Test? Why?</a:t>
-            </a:r>
-            <a:endParaRPr lang="en-US" dirty="0"/>
-          </a:p>
-        </p:txBody>
-      </p:sp>
-      <p:pic>
-        <p:nvPicPr>
-          <p:cNvPr id="193538" name="Picture 2" descr="http://www.scielo.br/img/revistas/bjb/v63n2/a17fig01.gif"/>
-          <p:cNvPicPr>
-            <a:picLocks noChangeAspect="1" noChangeArrowheads="1"/>
-          </p:cNvPicPr>
-          <p:nvPr/>
-        </p:nvPicPr>
-        <p:blipFill>
-          <a:blip r:embed="rId2">
-            <a:extLst>
-              <a:ext uri="{28A0092B-C50C-407E-A947-70E740481C1C}">
-                <a14:useLocalDpi xmlns:a14="http://schemas.microsoft.com/office/drawing/2010/main" val="0"/>
-              </a:ext>
-            </a:extLst>
-          </a:blip>
-          <a:srcRect/>
-          <a:stretch>
-            <a:fillRect/>
-          </a:stretch>
-        </p:blipFill>
-        <p:spPr bwMode="auto">
-          <a:xfrm>
-            <a:off x="1981200" y="990600"/>
-            <a:ext cx="5715000" cy="5644793"/>
-          </a:xfrm>
-          <a:prstGeom prst="rect">
-            <a:avLst/>
-          </a:prstGeom>
-          <a:noFill/>
-          <a:extLst>
-            <a:ext uri="{909E8E84-426E-40DD-AFC4-6F175D3DCCD1}">
-              <a14:hiddenFill xmlns:a14="http://schemas.microsoft.com/office/drawing/2010/main">
-                <a:solidFill>
-                  <a:srgbClr val="FFFFFF"/>
-                </a:solidFill>
-              </a14:hiddenFill>
-            </a:ext>
-          </a:extLst>
-        </p:spPr>
-      </p:pic>
-    </p:spTree>
-    <p:extLst>
-      <p:ext uri="{BB962C8B-B14F-4D97-AF65-F5344CB8AC3E}">
-        <p14:creationId xmlns:p14="http://schemas.microsoft.com/office/powerpoint/2010/main" val="1804882695"/>
-      </p:ext>
-    </p:extLst>
-  </p:cSld>
-  <p:clrMapOvr>
-    <a:masterClrMapping/>
-  </p:clrMapOvr>
+  <mc:AlternateContent xmlns:mc="http://schemas.openxmlformats.org/markup-compatibility/2006">
+    <mc:Choice xmlns:p14="http://schemas.microsoft.com/office/powerpoint/2010/main" Requires="p14">
+      <p:transition spd="slow" p14:dur="2000"/>
+    </mc:Choice>
+    <mc:Fallback>
+      <p:transition spd="slow"/>
+    </mc:Fallback>
+  </mc:AlternateContent>
   <p:timing>
     <p:tnLst>
       <p:par>

--- a/modules/LMFoundations/PPT.pptx
+++ b/modules/LMFoundations/PPT.pptx
@@ -3718,11 +3718,11 @@
   <p:clrMapOvr>
     <a:masterClrMapping/>
   </p:clrMapOvr>
-  <mc:AlternateContent xmlns:mc="http://schemas.openxmlformats.org/markup-compatibility/2006">
-    <mc:Choice xmlns:p14="http://schemas.microsoft.com/office/powerpoint/2010/main" Requires="p14">
+  <mc:AlternateContent xmlns:mc="http://schemas.openxmlformats.org/markup-compatibility/2006" xmlns:p14="http://schemas.microsoft.com/office/powerpoint/2010/main">
+    <mc:Choice Requires="p14">
       <p:transition spd="slow" p14:dur="2000"/>
     </mc:Choice>
-    <mc:Fallback>
+    <mc:Fallback xmlns="">
       <p:transition spd="slow"/>
     </mc:Fallback>
   </mc:AlternateContent>
@@ -3879,11 +3879,11 @@
   <p:clrMapOvr>
     <a:masterClrMapping/>
   </p:clrMapOvr>
-  <mc:AlternateContent xmlns:mc="http://schemas.openxmlformats.org/markup-compatibility/2006">
-    <mc:Choice xmlns:p14="http://schemas.microsoft.com/office/powerpoint/2010/main" Requires="p14">
+  <mc:AlternateContent xmlns:mc="http://schemas.openxmlformats.org/markup-compatibility/2006" xmlns:p14="http://schemas.microsoft.com/office/powerpoint/2010/main">
+    <mc:Choice Requires="p14">
       <p:transition spd="slow" p14:dur="2000"/>
     </mc:Choice>
-    <mc:Fallback>
+    <mc:Fallback xmlns="">
       <p:transition spd="slow"/>
     </mc:Fallback>
   </mc:AlternateContent>
@@ -4572,21 +4572,30 @@
                             </p:childTnLst>
                           </p:cTn>
                         </p:par>
+                      </p:childTnLst>
+                    </p:cTn>
+                  </p:par>
+                  <p:par>
+                    <p:cTn id="7" fill="hold">
+                      <p:stCondLst>
+                        <p:cond delay="indefinite"/>
+                      </p:stCondLst>
+                      <p:childTnLst>
                         <p:par>
-                          <p:cTn id="7" fill="hold">
+                          <p:cTn id="8" fill="hold">
                             <p:stCondLst>
                               <p:cond delay="0"/>
                             </p:stCondLst>
                             <p:childTnLst>
                               <p:par>
-                                <p:cTn id="8" presetID="1" presetClass="entr" presetSubtype="0" fill="hold" grpId="0" nodeType="afterEffect">
+                                <p:cTn id="9" presetID="1" presetClass="entr" presetSubtype="0" fill="hold" grpId="0" nodeType="clickEffect">
                                   <p:stCondLst>
                                     <p:cond delay="0"/>
                                   </p:stCondLst>
                                   <p:childTnLst>
                                     <p:set>
                                       <p:cBhvr>
-                                        <p:cTn id="9" dur="1" fill="hold">
+                                        <p:cTn id="10" dur="1" fill="hold">
                                           <p:stCondLst>
                                             <p:cond delay="0"/>
                                           </p:stCondLst>
@@ -4616,26 +4625,26 @@
                     </p:cTn>
                   </p:par>
                   <p:par>
-                    <p:cTn id="10" fill="hold">
+                    <p:cTn id="11" fill="hold">
                       <p:stCondLst>
                         <p:cond delay="indefinite"/>
                       </p:stCondLst>
                       <p:childTnLst>
                         <p:par>
-                          <p:cTn id="11" fill="hold">
+                          <p:cTn id="12" fill="hold">
                             <p:stCondLst>
                               <p:cond delay="0"/>
                             </p:stCondLst>
                             <p:childTnLst>
                               <p:par>
-                                <p:cTn id="12" presetID="1" presetClass="entr" presetSubtype="0" fill="hold" nodeType="clickEffect">
+                                <p:cTn id="13" presetID="1" presetClass="entr" presetSubtype="0" fill="hold" nodeType="clickEffect">
                                   <p:stCondLst>
                                     <p:cond delay="0"/>
                                   </p:stCondLst>
                                   <p:childTnLst>
                                     <p:set>
                                       <p:cBhvr>
-                                        <p:cTn id="13" dur="1" fill="hold">
+                                        <p:cTn id="14" dur="1" fill="hold">
                                           <p:stCondLst>
                                             <p:cond delay="0"/>
                                           </p:stCondLst>
@@ -14325,11 +14334,11 @@
   <p:clrMapOvr>
     <a:masterClrMapping/>
   </p:clrMapOvr>
-  <mc:AlternateContent xmlns:mc="http://schemas.openxmlformats.org/markup-compatibility/2006">
-    <mc:Choice xmlns:p14="http://schemas.microsoft.com/office/powerpoint/2010/main" Requires="p14">
+  <mc:AlternateContent xmlns:mc="http://schemas.openxmlformats.org/markup-compatibility/2006" xmlns:p14="http://schemas.microsoft.com/office/powerpoint/2010/main">
+    <mc:Choice Requires="p14">
       <p:transition spd="slow" p14:dur="2000"/>
     </mc:Choice>
-    <mc:Fallback>
+    <mc:Fallback xmlns="">
       <p:transition spd="slow"/>
     </mc:Fallback>
   </mc:AlternateContent>
@@ -14554,7 +14563,7 @@
           <a:graphicData uri="http://schemas.openxmlformats.org/presentationml/2006/ole">
             <mc:AlternateContent xmlns:mc="http://schemas.openxmlformats.org/markup-compatibility/2006">
               <mc:Choice xmlns:v="urn:schemas-microsoft-com:vml" Requires="v">
-                <p:oleObj spid="_x0000_s186405" name="Equation" r:id="rId3" imgW="571320" imgH="393480" progId="Equation.3">
+                <p:oleObj spid="_x0000_s186407" name="Equation" r:id="rId3" imgW="571320" imgH="393480" progId="Equation.3">
                   <p:embed/>
                 </p:oleObj>
               </mc:Choice>
@@ -15125,7 +15134,7 @@
           <a:graphicData uri="http://schemas.openxmlformats.org/presentationml/2006/ole">
             <mc:AlternateContent xmlns:mc="http://schemas.openxmlformats.org/markup-compatibility/2006">
               <mc:Choice xmlns:v="urn:schemas-microsoft-com:vml" Requires="v">
-                <p:oleObj spid="_x0000_s190493" name="Equation" r:id="rId4" imgW="838080" imgH="444240" progId="Equation.3">
+                <p:oleObj spid="_x0000_s190495" name="Equation" r:id="rId4" imgW="838080" imgH="444240" progId="Equation.3">
                   <p:embed/>
                 </p:oleObj>
               </mc:Choice>
@@ -15686,7 +15695,7 @@
           <a:graphicData uri="http://schemas.openxmlformats.org/presentationml/2006/ole">
             <mc:AlternateContent xmlns:mc="http://schemas.openxmlformats.org/markup-compatibility/2006">
               <mc:Choice xmlns:v="urn:schemas-microsoft-com:vml" Requires="v">
-                <p:oleObj spid="_x0000_s189504" name="Equation" r:id="rId4" imgW="838080" imgH="444240" progId="Equation.3">
+                <p:oleObj spid="_x0000_s189508" name="Equation" r:id="rId4" imgW="838080" imgH="444240" progId="Equation.3">
                   <p:embed/>
                 </p:oleObj>
               </mc:Choice>
@@ -15802,7 +15811,7 @@
           <a:graphicData uri="http://schemas.openxmlformats.org/presentationml/2006/ole">
             <mc:AlternateContent xmlns:mc="http://schemas.openxmlformats.org/markup-compatibility/2006">
               <mc:Choice xmlns:v="urn:schemas-microsoft-com:vml" Requires="v">
-                <p:oleObj spid="_x0000_s189505" name="Equation" r:id="rId7" imgW="1168200" imgH="457200" progId="Equation.3">
+                <p:oleObj spid="_x0000_s189509" name="Equation" r:id="rId7" imgW="1168200" imgH="457200" progId="Equation.3">
                   <p:embed/>
                 </p:oleObj>
               </mc:Choice>
@@ -18704,11 +18713,11 @@
   <p:clrMapOvr>
     <a:masterClrMapping/>
   </p:clrMapOvr>
-  <mc:AlternateContent xmlns:mc="http://schemas.openxmlformats.org/markup-compatibility/2006">
-    <mc:Choice xmlns:p14="http://schemas.microsoft.com/office/powerpoint/2010/main" Requires="p14">
+  <mc:AlternateContent xmlns:mc="http://schemas.openxmlformats.org/markup-compatibility/2006" xmlns:p14="http://schemas.microsoft.com/office/powerpoint/2010/main">
+    <mc:Choice Requires="p14">
       <p:transition spd="slow" p14:dur="2000"/>
     </mc:Choice>
-    <mc:Fallback>
+    <mc:Fallback xmlns="">
       <p:transition spd="slow"/>
     </mc:Fallback>
   </mc:AlternateContent>
@@ -20174,11 +20183,11 @@
   <p:clrMapOvr>
     <a:masterClrMapping/>
   </p:clrMapOvr>
-  <mc:AlternateContent xmlns:mc="http://schemas.openxmlformats.org/markup-compatibility/2006">
-    <mc:Choice xmlns:p14="http://schemas.microsoft.com/office/powerpoint/2010/main" Requires="p14">
+  <mc:AlternateContent xmlns:mc="http://schemas.openxmlformats.org/markup-compatibility/2006" xmlns:p14="http://schemas.microsoft.com/office/powerpoint/2010/main">
+    <mc:Choice Requires="p14">
       <p:transition spd="slow" p14:dur="2000"/>
     </mc:Choice>
-    <mc:Fallback>
+    <mc:Fallback xmlns="">
       <p:transition spd="slow"/>
     </mc:Fallback>
   </mc:AlternateContent>
@@ -20355,11 +20364,11 @@
   <p:clrMapOvr>
     <a:masterClrMapping/>
   </p:clrMapOvr>
-  <mc:AlternateContent xmlns:mc="http://schemas.openxmlformats.org/markup-compatibility/2006">
-    <mc:Choice xmlns:p14="http://schemas.microsoft.com/office/powerpoint/2010/main" Requires="p14">
+  <mc:AlternateContent xmlns:mc="http://schemas.openxmlformats.org/markup-compatibility/2006" xmlns:p14="http://schemas.microsoft.com/office/powerpoint/2010/main">
+    <mc:Choice Requires="p14">
       <p:transition spd="slow" p14:dur="2000"/>
     </mc:Choice>
-    <mc:Fallback>
+    <mc:Fallback xmlns="">
       <p:transition spd="slow"/>
     </mc:Fallback>
   </mc:AlternateContent>
@@ -20516,11 +20525,11 @@
   <p:clrMapOvr>
     <a:masterClrMapping/>
   </p:clrMapOvr>
-  <mc:AlternateContent xmlns:mc="http://schemas.openxmlformats.org/markup-compatibility/2006">
-    <mc:Choice xmlns:p14="http://schemas.microsoft.com/office/powerpoint/2010/main" Requires="p14">
+  <mc:AlternateContent xmlns:mc="http://schemas.openxmlformats.org/markup-compatibility/2006" xmlns:p14="http://schemas.microsoft.com/office/powerpoint/2010/main">
+    <mc:Choice Requires="p14">
       <p:transition spd="slow" p14:dur="2000"/>
     </mc:Choice>
-    <mc:Fallback>
+    <mc:Fallback xmlns="">
       <p:transition spd="slow"/>
     </mc:Fallback>
   </mc:AlternateContent>
